--- a/Proyecto_integrador.pptx
+++ b/Proyecto_integrador.pptx
@@ -17990,7 +17990,7 @@
           <p:nvPr>
             <p:extLst>
               <p:ext uri="{D42A27DB-BD31-4B8C-83A1-F6EECF244321}">
-                <p14:modId xmlns:p14="http://schemas.microsoft.com/office/powerpoint/2010/main" val="2508549586"/>
+                <p14:modId xmlns:p14="http://schemas.microsoft.com/office/powerpoint/2010/main" val="3203966967"/>
               </p:ext>
             </p:extLst>
           </p:nvPr>
@@ -18125,7 +18125,7 @@
                         </a:spcAft>
                       </a:pPr>
                       <a:r>
-                        <a:rPr lang="en-US" sz="1100" kern="100">
+                        <a:rPr lang="en-US" sz="1100" kern="100" dirty="0">
                           <a:solidFill>
                             <a:schemeClr val="bg1"/>
                           </a:solidFill>
@@ -18134,7 +18134,7 @@
                         </a:rPr>
                         <a:t>Cluster 0</a:t>
                       </a:r>
-                      <a:endParaRPr lang="es-MX" sz="1100" kern="100">
+                      <a:endParaRPr lang="es-MX" sz="1100" kern="100" dirty="0">
                         <a:solidFill>
                           <a:schemeClr val="bg1"/>
                         </a:solidFill>
@@ -18161,16 +18161,36 @@
                         </a:spcAft>
                       </a:pPr>
                       <a:r>
-                        <a:rPr lang="en-US" sz="1100" kern="100">
+                        <a:rPr lang="en-US" sz="1100" kern="100" dirty="0">
                           <a:solidFill>
                             <a:schemeClr val="bg1"/>
                           </a:solidFill>
                           <a:effectLst/>
                           <a:latin typeface="Maven Pro" panose="020B0604020202020204" charset="0"/>
                         </a:rPr>
-                        <a:t>hair, nail, nails, gel, lashes, lash, polish, eyelashes, glue, natural, false, extensions, oil, women, diy, extension, tips, kit, wigs, eyelash</a:t>
+                        <a:t>hair, nail, nails, gel, lashes, lash, polish, eyelashes, glue, natural, false, extensions, oil, women, </a:t>
                       </a:r>
-                      <a:endParaRPr lang="es-MX" sz="1100" kern="100">
+                      <a:r>
+                        <a:rPr lang="en-US" sz="1100" kern="100" dirty="0" err="1">
+                          <a:solidFill>
+                            <a:schemeClr val="bg1"/>
+                          </a:solidFill>
+                          <a:effectLst/>
+                          <a:latin typeface="Maven Pro" panose="020B0604020202020204" charset="0"/>
+                        </a:rPr>
+                        <a:t>diy</a:t>
+                      </a:r>
+                      <a:r>
+                        <a:rPr lang="en-US" sz="1100" kern="100" dirty="0">
+                          <a:solidFill>
+                            <a:schemeClr val="bg1"/>
+                          </a:solidFill>
+                          <a:effectLst/>
+                          <a:latin typeface="Maven Pro" panose="020B0604020202020204" charset="0"/>
+                        </a:rPr>
+                        <a:t>, extension, tips, kit, wigs, eyelash</a:t>
+                      </a:r>
+                      <a:endParaRPr lang="es-MX" sz="1100" kern="100" dirty="0">
                         <a:solidFill>
                           <a:schemeClr val="bg1"/>
                         </a:solidFill>
@@ -18329,16 +18349,56 @@
                         </a:spcAft>
                       </a:pPr>
                       <a:r>
-                        <a:rPr lang="en-US" sz="1100" kern="100">
+                        <a:rPr lang="en-US" sz="1100" kern="100" dirty="0">
                           <a:solidFill>
                             <a:schemeClr val="bg1"/>
                           </a:solidFill>
                           <a:effectLst/>
                           <a:latin typeface="Maven Pro" panose="020B0604020202020204" charset="0"/>
                         </a:rPr>
-                        <a:t>bag, crossbody, bare, travel, sock, nfl, feet, bags, women, large, team, makeup, color, mvp, shoulder, crew, purse, tote, cosmetic, clear</a:t>
+                        <a:t>bag, crossbody, bare, travel, sock, </a:t>
                       </a:r>
-                      <a:endParaRPr lang="es-MX" sz="1100" kern="100">
+                      <a:r>
+                        <a:rPr lang="en-US" sz="1100" kern="100" dirty="0" err="1">
+                          <a:solidFill>
+                            <a:schemeClr val="bg1"/>
+                          </a:solidFill>
+                          <a:effectLst/>
+                          <a:latin typeface="Maven Pro" panose="020B0604020202020204" charset="0"/>
+                        </a:rPr>
+                        <a:t>nfl</a:t>
+                      </a:r>
+                      <a:r>
+                        <a:rPr lang="en-US" sz="1100" kern="100" dirty="0">
+                          <a:solidFill>
+                            <a:schemeClr val="bg1"/>
+                          </a:solidFill>
+                          <a:effectLst/>
+                          <a:latin typeface="Maven Pro" panose="020B0604020202020204" charset="0"/>
+                        </a:rPr>
+                        <a:t>, feet, bags, women, large, team, makeup, color, </a:t>
+                      </a:r>
+                      <a:r>
+                        <a:rPr lang="en-US" sz="1100" kern="100" dirty="0" err="1">
+                          <a:solidFill>
+                            <a:schemeClr val="bg1"/>
+                          </a:solidFill>
+                          <a:effectLst/>
+                          <a:latin typeface="Maven Pro" panose="020B0604020202020204" charset="0"/>
+                        </a:rPr>
+                        <a:t>mvp</a:t>
+                      </a:r>
+                      <a:r>
+                        <a:rPr lang="en-US" sz="1100" kern="100" dirty="0">
+                          <a:solidFill>
+                            <a:schemeClr val="bg1"/>
+                          </a:solidFill>
+                          <a:effectLst/>
+                          <a:latin typeface="Maven Pro" panose="020B0604020202020204" charset="0"/>
+                        </a:rPr>
+                        <a:t>, shoulder, crew, purse, tote, cosmetic, clear</a:t>
+                      </a:r>
+                      <a:endParaRPr lang="es-MX" sz="1100" kern="100" dirty="0">
                         <a:solidFill>
                           <a:schemeClr val="bg1"/>
                         </a:solidFill>
@@ -18408,16 +18468,66 @@
                         </a:spcAft>
                       </a:pPr>
                       <a:r>
-                        <a:rPr lang="en-US" sz="1100" kern="100">
+                        <a:rPr lang="en-US" sz="1100" kern="100" dirty="0" err="1">
                           <a:solidFill>
                             <a:schemeClr val="bg1"/>
                           </a:solidFill>
                           <a:effectLst/>
                           <a:latin typeface="Maven Pro" panose="020B0604020202020204" charset="0"/>
                         </a:rPr>
-                        <a:t>womens, mens, shoes, women, boots, toe, dress, high, casual, pants, psd, slip, sandals, boxer, jacket, ankle, briefs, sneakers, yoga, walking</a:t>
+                        <a:t>womens</a:t>
                       </a:r>
-                      <a:endParaRPr lang="es-MX" sz="1100" kern="100">
+                      <a:r>
+                        <a:rPr lang="en-US" sz="1100" kern="100" dirty="0">
+                          <a:solidFill>
+                            <a:schemeClr val="bg1"/>
+                          </a:solidFill>
+                          <a:effectLst/>
+                          <a:latin typeface="Maven Pro" panose="020B0604020202020204" charset="0"/>
+                        </a:rPr>
+                        <a:t>, </a:t>
+                      </a:r>
+                      <a:r>
+                        <a:rPr lang="en-US" sz="1100" kern="100" dirty="0" err="1">
+                          <a:solidFill>
+                            <a:schemeClr val="bg1"/>
+                          </a:solidFill>
+                          <a:effectLst/>
+                          <a:latin typeface="Maven Pro" panose="020B0604020202020204" charset="0"/>
+                        </a:rPr>
+                        <a:t>mens</a:t>
+                      </a:r>
+                      <a:r>
+                        <a:rPr lang="en-US" sz="1100" kern="100" dirty="0">
+                          <a:solidFill>
+                            <a:schemeClr val="bg1"/>
+                          </a:solidFill>
+                          <a:effectLst/>
+                          <a:latin typeface="Maven Pro" panose="020B0604020202020204" charset="0"/>
+                        </a:rPr>
+                        <a:t>, shoes, women, boots, toe, dress, high, casual, pants, </a:t>
+                      </a:r>
+                      <a:r>
+                        <a:rPr lang="en-US" sz="1100" kern="100" dirty="0" err="1">
+                          <a:solidFill>
+                            <a:schemeClr val="bg1"/>
+                          </a:solidFill>
+                          <a:effectLst/>
+                          <a:latin typeface="Maven Pro" panose="020B0604020202020204" charset="0"/>
+                        </a:rPr>
+                        <a:t>psd</a:t>
+                      </a:r>
+                      <a:r>
+                        <a:rPr lang="en-US" sz="1100" kern="100" dirty="0">
+                          <a:solidFill>
+                            <a:schemeClr val="bg1"/>
+                          </a:solidFill>
+                          <a:effectLst/>
+                          <a:latin typeface="Maven Pro" panose="020B0604020202020204" charset="0"/>
+                        </a:rPr>
+                        <a:t>, slip, sandals, boxer, jacket, ankle, briefs, sneakers, yoga, walking</a:t>
+                      </a:r>
+                      <a:endParaRPr lang="es-MX" sz="1100" kern="100" dirty="0">
                         <a:solidFill>
                           <a:schemeClr val="bg1"/>
                         </a:solidFill>
@@ -18487,7 +18597,7 @@
                         </a:spcAft>
                       </a:pPr>
                       <a:r>
-                        <a:rPr lang="en-US" sz="1100" kern="100">
+                        <a:rPr lang="en-US" sz="1100" kern="100" dirty="0">
                           <a:solidFill>
                             <a:schemeClr val="bg1"/>
                           </a:solidFill>
@@ -18496,7 +18606,7 @@
                         </a:rPr>
                         <a:t>dog, dogs, small, medium, pet, large, collar, puppy, cat, food, adjustable, water, harness, toys, training, chew, cats, soft, muzzle, clothes</a:t>
                       </a:r>
-                      <a:endParaRPr lang="es-MX" sz="1100" kern="100">
+                      <a:endParaRPr lang="es-MX" sz="1100" kern="100" dirty="0">
                         <a:solidFill>
                           <a:schemeClr val="bg1"/>
                         </a:solidFill>
@@ -18566,7 +18676,7 @@
                         </a:spcAft>
                       </a:pPr>
                       <a:r>
-                        <a:rPr lang="en-US" sz="1100" kern="100">
+                        <a:rPr lang="en-US" sz="1100" kern="100" dirty="0">
                           <a:solidFill>
                             <a:schemeClr val="bg1"/>
                           </a:solidFill>
@@ -18575,7 +18685,7 @@
                         </a:rPr>
                         <a:t>pack, oz, set, black, inch, storage, home, white, party, 12, light, kitchen, women, water, pillow, table, free, cover, bathroom, decor</a:t>
                       </a:r>
-                      <a:endParaRPr lang="es-MX" sz="1100" kern="100">
+                      <a:endParaRPr lang="es-MX" sz="1100" kern="100" dirty="0">
                         <a:solidFill>
                           <a:schemeClr val="bg1"/>
                         </a:solidFill>
@@ -18645,16 +18755,36 @@
                         </a:spcAft>
                       </a:pPr>
                       <a:r>
-                        <a:rPr lang="en-US" sz="1100" kern="100">
+                        <a:rPr lang="en-US" sz="1100" kern="100" dirty="0">
                           <a:solidFill>
                             <a:schemeClr val="bg1"/>
                           </a:solidFill>
                           <a:effectLst/>
                           <a:latin typeface="Maven Pro" panose="020B0604020202020204" charset="0"/>
                         </a:rPr>
-                        <a:t>baby, kids, girls, toys, gifts, boys, toddler, birthday, christmas, gift, toy, old, ages, months, newborn, infant, year, set, girl, toddlers</a:t>
+                        <a:t>baby, kids, girls, toys, gifts, boys, toddler, birthday, </a:t>
                       </a:r>
-                      <a:endParaRPr lang="es-MX" sz="1100" kern="100">
+                      <a:r>
+                        <a:rPr lang="en-US" sz="1100" kern="100" dirty="0" err="1">
+                          <a:solidFill>
+                            <a:schemeClr val="bg1"/>
+                          </a:solidFill>
+                          <a:effectLst/>
+                          <a:latin typeface="Maven Pro" panose="020B0604020202020204" charset="0"/>
+                        </a:rPr>
+                        <a:t>christmas</a:t>
+                      </a:r>
+                      <a:r>
+                        <a:rPr lang="en-US" sz="1100" kern="100" dirty="0">
+                          <a:solidFill>
+                            <a:schemeClr val="bg1"/>
+                          </a:solidFill>
+                          <a:effectLst/>
+                          <a:latin typeface="Maven Pro" panose="020B0604020202020204" charset="0"/>
+                        </a:rPr>
+                        <a:t>, gift, toy, old, ages, months, newborn, infant, year, set, girl, toddlers</a:t>
+                      </a:r>
+                      <a:endParaRPr lang="es-MX" sz="1100" kern="100" dirty="0">
                         <a:solidFill>
                           <a:schemeClr val="bg1"/>
                         </a:solidFill>
@@ -18969,8 +19099,8 @@
         </p:nvSpPr>
         <p:spPr>
           <a:xfrm>
-            <a:off x="618824" y="837075"/>
-            <a:ext cx="7866900" cy="3786900"/>
+            <a:off x="618824" y="837074"/>
+            <a:ext cx="7866900" cy="4306425"/>
           </a:xfrm>
           <a:prstGeom prst="rect">
             <a:avLst/>
@@ -18982,29 +19112,34 @@
           </a:bodyPr>
           <a:lstStyle/>
           <a:p>
-            <a:pPr marL="381000" indent="-228600" algn="l">
-              <a:buFont typeface="+mj-lt"/>
-              <a:buAutoNum type="arabicPeriod"/>
+            <a:pPr marL="152400" indent="0">
+              <a:buNone/>
             </a:pPr>
+            <a:r>
+              <a:rPr lang="es-MX" sz="950" b="1" i="0" dirty="0" err="1">
+                <a:effectLst/>
+                <a:latin typeface="Maven Pro" panose="020B0604020202020204" charset="0"/>
+              </a:rPr>
+              <a:t>Cluster</a:t>
+            </a:r>
             <a:r>
               <a:rPr lang="es-MX" sz="950" b="1" i="0" dirty="0">
                 <a:effectLst/>
                 <a:latin typeface="Maven Pro" panose="020B0604020202020204" charset="0"/>
               </a:rPr>
-              <a:t>Productos para Bebés y Niños</a:t>
+              <a:t> 0 - Productos de Cuidado Personal y del Hogar</a:t>
             </a:r>
             <a:r>
               <a:rPr lang="es-MX" sz="950" i="0" dirty="0">
                 <a:effectLst/>
                 <a:latin typeface="Maven Pro" panose="020B0604020202020204" charset="0"/>
               </a:rPr>
-              <a:t>: Se enfoca en productos para bebés y niños, como juguetes, regalos de cumpleaños, ropa infantil, juegos educativos y suministros para el aula. Podría dirigirse a padres, maestros y cuidadores que buscan artículos para el cuidado y entretenimiento de los niños.</a:t>
+              <a:t>: Este nicho incluye una variedad de productos de cuidado personal y del hogar, como productos de cuidado capilar, kits de uñas, productos para el hogar y decoración. Podría interesar a personas que buscan productos para el cuidado personal y la decoración del hogar.</a:t>
             </a:r>
           </a:p>
           <a:p>
-            <a:pPr marL="381000" indent="-228600" algn="l">
-              <a:buFont typeface="+mj-lt"/>
-              <a:buAutoNum type="arabicPeriod"/>
+            <a:pPr marL="152400" indent="0" algn="l">
+              <a:buNone/>
             </a:pPr>
             <a:endParaRPr lang="es-MX" sz="950" i="0" dirty="0">
               <a:effectLst/>
@@ -19012,16 +19147,22 @@
             </a:endParaRPr>
           </a:p>
           <a:p>
-            <a:pPr marL="381000" indent="-228600" algn="l">
-              <a:buFont typeface="+mj-lt"/>
-              <a:buAutoNum type="arabicPeriod"/>
+            <a:pPr marL="152400" indent="0">
+              <a:buNone/>
             </a:pPr>
+            <a:r>
+              <a:rPr lang="es-MX" sz="950" b="1" i="0" dirty="0" err="1">
+                <a:effectLst/>
+                <a:latin typeface="Maven Pro" panose="020B0604020202020204" charset="0"/>
+              </a:rPr>
+              <a:t>Cluster</a:t>
+            </a:r>
             <a:r>
               <a:rPr lang="es-MX" sz="950" b="1" i="0" dirty="0">
                 <a:effectLst/>
                 <a:latin typeface="Maven Pro" panose="020B0604020202020204" charset="0"/>
               </a:rPr>
-              <a:t>Disfraces y Accesorios para Eventos Especiales: </a:t>
+              <a:t> 1 - Disfraces y Accesorios para Eventos Especiales: </a:t>
             </a:r>
             <a:r>
               <a:rPr lang="es-MX" sz="950" i="0" dirty="0">
@@ -19030,28 +19171,37 @@
               </a:rPr>
               <a:t>Este nicho está relacionado con disfraces y accesorios para eventos especiales, como Halloween y fiestas temáticas. Podría atraer a personas que buscan trajes y accesorios para fiestas de disfraces y eventos festivos.</a:t>
             </a:r>
-          </a:p>
-          <a:p>
-            <a:pPr marL="381000" indent="-228600" algn="l">
-              <a:buFont typeface="+mj-lt"/>
-              <a:buAutoNum type="arabicPeriod"/>
-            </a:pPr>
-            <a:endParaRPr lang="es-MX" sz="950" i="0" dirty="0">
+            <a:endParaRPr lang="es-MX" sz="950" b="1" i="0" dirty="0">
               <a:effectLst/>
               <a:latin typeface="Maven Pro" panose="020B0604020202020204" charset="0"/>
             </a:endParaRPr>
           </a:p>
           <a:p>
-            <a:pPr marL="381000" indent="-228600" algn="l">
-              <a:buFont typeface="+mj-lt"/>
-              <a:buAutoNum type="arabicPeriod"/>
+            <a:pPr marL="152400" indent="0" algn="l">
+              <a:buNone/>
             </a:pPr>
+            <a:endParaRPr lang="es-MX" sz="950" b="1" i="0" dirty="0">
+              <a:effectLst/>
+              <a:latin typeface="Maven Pro" panose="020B0604020202020204" charset="0"/>
+            </a:endParaRPr>
+          </a:p>
+          <a:p>
+            <a:pPr marL="152400" indent="0">
+              <a:buNone/>
+            </a:pPr>
+            <a:r>
+              <a:rPr lang="es-MX" sz="950" b="1" i="0" dirty="0" err="1">
+                <a:effectLst/>
+                <a:latin typeface="Maven Pro" panose="020B0604020202020204" charset="0"/>
+              </a:rPr>
+              <a:t>Cluster</a:t>
+            </a:r>
             <a:r>
               <a:rPr lang="es-MX" sz="950" b="1" i="0" dirty="0">
                 <a:effectLst/>
                 <a:latin typeface="Maven Pro" panose="020B0604020202020204" charset="0"/>
               </a:rPr>
-              <a:t>Bolsas y Organizadores de Almacenamiento</a:t>
+              <a:t> 2 - Bolsas y Organizadores de Almacenamiento</a:t>
             </a:r>
             <a:r>
               <a:rPr lang="es-MX" sz="950" i="0" dirty="0">
@@ -19062,56 +19212,31 @@
             </a:r>
           </a:p>
           <a:p>
-            <a:pPr marL="381000" indent="-228600" algn="l">
-              <a:buFont typeface="+mj-lt"/>
-              <a:buAutoNum type="arabicPeriod"/>
+            <a:pPr marL="152400" indent="0" algn="l">
+              <a:buNone/>
             </a:pPr>
-            <a:endParaRPr lang="es-MX" sz="950" i="0" dirty="0">
+            <a:endParaRPr lang="es-MX" sz="950" b="1" i="0" dirty="0">
               <a:effectLst/>
               <a:latin typeface="Maven Pro" panose="020B0604020202020204" charset="0"/>
             </a:endParaRPr>
           </a:p>
           <a:p>
-            <a:pPr marL="381000" indent="-228600" algn="l">
-              <a:buFont typeface="+mj-lt"/>
-              <a:buAutoNum type="arabicPeriod"/>
+            <a:pPr marL="152400" indent="0" algn="l">
+              <a:buNone/>
             </a:pPr>
+            <a:r>
+              <a:rPr lang="es-MX" sz="950" b="1" i="0" dirty="0" err="1">
+                <a:effectLst/>
+                <a:latin typeface="Maven Pro" panose="020B0604020202020204" charset="0"/>
+              </a:rPr>
+              <a:t>Cluster</a:t>
+            </a:r>
             <a:r>
               <a:rPr lang="es-MX" sz="950" b="1" i="0" dirty="0">
                 <a:effectLst/>
                 <a:latin typeface="Maven Pro" panose="020B0604020202020204" charset="0"/>
               </a:rPr>
-              <a:t>Productos de Cuidado Personal y del Hogar</a:t>
-            </a:r>
-            <a:r>
-              <a:rPr lang="es-MX" sz="950" i="0" dirty="0">
-                <a:effectLst/>
-                <a:latin typeface="Maven Pro" panose="020B0604020202020204" charset="0"/>
-              </a:rPr>
-              <a:t>: Este nicho incluye una variedad de productos de cuidado personal y del hogar, como productos de cuidado capilar, kits de uñas, productos para el hogar y decoración. Podría interesar a personas que buscan productos para el cuidado personal y la decoración del hogar.</a:t>
-            </a:r>
-          </a:p>
-          <a:p>
-            <a:pPr marL="381000" indent="-228600" algn="l">
-              <a:buFont typeface="+mj-lt"/>
-              <a:buAutoNum type="arabicPeriod"/>
-            </a:pPr>
-            <a:endParaRPr lang="es-MX" sz="950" i="0" dirty="0">
-              <a:effectLst/>
-              <a:latin typeface="Maven Pro" panose="020B0604020202020204" charset="0"/>
-            </a:endParaRPr>
-          </a:p>
-          <a:p>
-            <a:pPr marL="381000" indent="-228600" algn="l">
-              <a:buFont typeface="+mj-lt"/>
-              <a:buAutoNum type="arabicPeriod"/>
-            </a:pPr>
-            <a:r>
-              <a:rPr lang="es-MX" sz="950" b="1" i="0" dirty="0">
-                <a:effectLst/>
-                <a:latin typeface="Maven Pro" panose="020B0604020202020204" charset="0"/>
-              </a:rPr>
-              <a:t>Calzado y Zapatos</a:t>
+              <a:t> 3 - Calzado y Zapatos</a:t>
             </a:r>
             <a:r>
               <a:rPr lang="es-MX" sz="950" i="0" dirty="0">
@@ -19136,9 +19261,8 @@
             </a:r>
           </a:p>
           <a:p>
-            <a:pPr marL="381000" indent="-228600" algn="l">
-              <a:buFont typeface="+mj-lt"/>
-              <a:buAutoNum type="arabicPeriod"/>
+            <a:pPr marL="152400" indent="0" algn="l">
+              <a:buNone/>
             </a:pPr>
             <a:endParaRPr lang="es-MX" sz="950" i="0" dirty="0">
               <a:effectLst/>
@@ -19146,29 +19270,34 @@
             </a:endParaRPr>
           </a:p>
           <a:p>
-            <a:pPr marL="381000" indent="-228600" algn="l">
-              <a:buFont typeface="+mj-lt"/>
-              <a:buAutoNum type="arabicPeriod"/>
+            <a:pPr marL="152400" indent="0">
+              <a:buNone/>
             </a:pPr>
+            <a:r>
+              <a:rPr lang="es-MX" sz="950" b="1" i="0" dirty="0" err="1">
+                <a:effectLst/>
+                <a:latin typeface="Maven Pro" panose="020B0604020202020204" charset="0"/>
+              </a:rPr>
+              <a:t>Cluster</a:t>
+            </a:r>
             <a:r>
               <a:rPr lang="es-MX" sz="950" b="1" i="0" dirty="0">
                 <a:effectLst/>
                 <a:latin typeface="Maven Pro" panose="020B0604020202020204" charset="0"/>
               </a:rPr>
-              <a:t>Productos de Cama y Descanso</a:t>
+              <a:t> 4 - Accesorios y Ropa para Mascotas: </a:t>
             </a:r>
             <a:r>
               <a:rPr lang="es-MX" sz="950" i="0" dirty="0">
                 <a:effectLst/>
                 <a:latin typeface="Maven Pro" panose="020B0604020202020204" charset="0"/>
               </a:rPr>
-              <a:t>: Este nicho se enfoca en productos relacionados con la  cama, como almohadas, mantas, sábanas y colchones. También incluye productos de cuidado personal, como aceite de ricino. Podría dirigirse a personas que buscan mejorar su comodidad y descanso.</a:t>
+              <a:t>Esto puede incluir collares, arneses, ropa, y otros accesorios tanto para perros como para gatos.</a:t>
             </a:r>
           </a:p>
           <a:p>
-            <a:pPr marL="381000" indent="-228600" algn="l">
-              <a:buFont typeface="+mj-lt"/>
-              <a:buAutoNum type="arabicPeriod"/>
+            <a:pPr marL="152400" indent="0">
+              <a:buNone/>
             </a:pPr>
             <a:endParaRPr lang="es-MX" sz="950" i="0" dirty="0">
               <a:effectLst/>
@@ -19176,16 +19305,92 @@
             </a:endParaRPr>
           </a:p>
           <a:p>
-            <a:pPr marL="381000" indent="-228600" algn="l">
-              <a:buFont typeface="+mj-lt"/>
-              <a:buAutoNum type="arabicPeriod"/>
+            <a:pPr marL="152400" indent="0">
+              <a:buNone/>
             </a:pPr>
+            <a:r>
+              <a:rPr lang="es-MX" sz="950" b="1" i="0" dirty="0" err="1">
+                <a:effectLst/>
+                <a:latin typeface="Maven Pro" panose="020B0604020202020204" charset="0"/>
+              </a:rPr>
+              <a:t>Cluster</a:t>
+            </a:r>
             <a:r>
               <a:rPr lang="es-MX" sz="950" b="1" i="0" dirty="0">
                 <a:effectLst/>
                 <a:latin typeface="Maven Pro" panose="020B0604020202020204" charset="0"/>
               </a:rPr>
-              <a:t>Ropa y Tops de Moda</a:t>
+              <a:t> 5 - Decoración y Suministros para Fiestas</a:t>
+            </a:r>
+            <a:r>
+              <a:rPr lang="es-MX" sz="950" i="0" dirty="0">
+                <a:effectLst/>
+                <a:latin typeface="Maven Pro" panose="020B0604020202020204" charset="0"/>
+              </a:rPr>
+              <a:t>: Este nicho se enfoca en decoración y suministros para fiestas, especialmente relacionados con Halloween y otras festividades. Podría interesar a personas que buscan decorar sus hogares y organizar eventos festivos.</a:t>
+            </a:r>
+          </a:p>
+          <a:p>
+            <a:pPr marL="152400" indent="0" algn="l">
+              <a:buNone/>
+            </a:pPr>
+            <a:endParaRPr lang="es-MX" sz="950" b="1" i="0" dirty="0">
+              <a:effectLst/>
+              <a:latin typeface="Maven Pro" panose="020B0604020202020204" charset="0"/>
+            </a:endParaRPr>
+          </a:p>
+          <a:p>
+            <a:pPr marL="152400" indent="0" algn="l">
+              <a:buNone/>
+            </a:pPr>
+            <a:r>
+              <a:rPr lang="es-MX" sz="950" b="1" i="0" dirty="0" err="1">
+                <a:effectLst/>
+                <a:latin typeface="Maven Pro" panose="020B0604020202020204" charset="0"/>
+              </a:rPr>
+              <a:t>Cluster</a:t>
+            </a:r>
+            <a:r>
+              <a:rPr lang="es-MX" sz="950" b="1" i="0" dirty="0">
+                <a:effectLst/>
+                <a:latin typeface="Maven Pro" panose="020B0604020202020204" charset="0"/>
+              </a:rPr>
+              <a:t> 6 - Productos para Bebés y Niños</a:t>
+            </a:r>
+            <a:r>
+              <a:rPr lang="es-MX" sz="950" i="0" dirty="0">
+                <a:effectLst/>
+                <a:latin typeface="Maven Pro" panose="020B0604020202020204" charset="0"/>
+              </a:rPr>
+              <a:t>: Se enfoca en productos para bebés y niños, como juguetes, regalos de cumpleaños, ropa infantil, juegos educativos y suministros para el aula. Podría dirigirse a padres, maestros y cuidadores que buscan artículos para el cuidado y entretenimiento de los niños.</a:t>
+            </a:r>
+          </a:p>
+          <a:p>
+            <a:pPr marL="152400" indent="0" algn="l">
+              <a:buNone/>
+            </a:pPr>
+            <a:endParaRPr lang="es-MX" sz="950" i="0" dirty="0">
+              <a:effectLst/>
+              <a:latin typeface="Maven Pro" panose="020B0604020202020204" charset="0"/>
+            </a:endParaRPr>
+          </a:p>
+          <a:p>
+            <a:pPr marL="152400" indent="0" algn="l">
+              <a:buNone/>
+            </a:pPr>
+            <a:r>
+              <a:rPr lang="es-MX" sz="950" b="1" i="0" dirty="0" err="1">
+                <a:effectLst/>
+                <a:latin typeface="Maven Pro" panose="020B0604020202020204" charset="0"/>
+              </a:rPr>
+              <a:t>Cluster</a:t>
+            </a:r>
+            <a:r>
+              <a:rPr lang="es-MX" sz="950" b="1" i="0" dirty="0">
+                <a:effectLst/>
+                <a:latin typeface="Maven Pro" panose="020B0604020202020204" charset="0"/>
+              </a:rPr>
+              <a:t> 7 - Ropa y Tops de Moda</a:t>
             </a:r>
             <a:r>
               <a:rPr lang="es-MX" sz="950" i="0" dirty="0">
@@ -19196,34 +19401,13 @@
             </a:r>
           </a:p>
           <a:p>
-            <a:pPr marL="381000" indent="-228600" algn="l">
-              <a:buFont typeface="+mj-lt"/>
-              <a:buAutoNum type="arabicPeriod"/>
+            <a:pPr marL="152400" indent="0" algn="l">
+              <a:buNone/>
             </a:pPr>
             <a:endParaRPr lang="es-MX" sz="950" i="0" dirty="0">
               <a:effectLst/>
               <a:latin typeface="Maven Pro" panose="020B0604020202020204" charset="0"/>
             </a:endParaRPr>
-          </a:p>
-          <a:p>
-            <a:pPr marL="381000" indent="-228600" algn="l">
-              <a:buFont typeface="+mj-lt"/>
-              <a:buAutoNum type="arabicPeriod"/>
-            </a:pPr>
-            <a:r>
-              <a:rPr lang="es-MX" sz="950" b="1" i="0" dirty="0">
-                <a:effectLst/>
-                <a:latin typeface="Maven Pro" panose="020B0604020202020204" charset="0"/>
-              </a:rPr>
-              <a:t>Decoración y Suministros para Fiestas</a:t>
-            </a:r>
-            <a:r>
-              <a:rPr lang="es-MX" sz="950" i="0" dirty="0">
-                <a:effectLst/>
-                <a:latin typeface="Maven Pro" panose="020B0604020202020204" charset="0"/>
-              </a:rPr>
-              <a:t>: Este nicho se enfoca en decoración y suministros para fiestas, especialmente relacionados con Halloween y otras festividades. Podría interesar a personas que buscan decorar sus hogares y organizar eventos festivos.</a:t>
-            </a:r>
           </a:p>
           <a:p>
             <a:pPr marL="457200" lvl="1" indent="0">
@@ -20512,16 +20696,22 @@
           </a:bodyPr>
           <a:lstStyle/>
           <a:p>
-            <a:pPr marL="381000" indent="-228600" algn="l">
-              <a:buFont typeface="+mj-lt"/>
-              <a:buAutoNum type="arabicPeriod"/>
+            <a:pPr marL="152400" indent="0" algn="l">
+              <a:buNone/>
             </a:pPr>
+            <a:r>
+              <a:rPr lang="es-MX" sz="1100" b="1" i="0" dirty="0" err="1">
+                <a:effectLst/>
+                <a:latin typeface="Maven Pro" panose="020B0604020202020204" charset="0"/>
+              </a:rPr>
+              <a:t>Cluster</a:t>
+            </a:r>
             <a:r>
               <a:rPr lang="es-MX" sz="1100" b="1" i="0" dirty="0">
                 <a:effectLst/>
                 <a:latin typeface="Maven Pro" panose="020B0604020202020204" charset="0"/>
               </a:rPr>
-              <a:t>Maquillaje y Belleza de Ojos: </a:t>
+              <a:t> 0 - Maquillaje y Belleza de Ojos: </a:t>
             </a:r>
             <a:r>
               <a:rPr lang="es-MX" sz="1100" i="0" dirty="0">
@@ -20546,9 +20736,8 @@
             </a:r>
           </a:p>
           <a:p>
-            <a:pPr marL="381000" indent="-228600" algn="l">
-              <a:buFont typeface="+mj-lt"/>
-              <a:buAutoNum type="arabicPeriod"/>
+            <a:pPr marL="152400" indent="0" algn="l">
+              <a:buNone/>
             </a:pPr>
             <a:endParaRPr lang="es-MX" sz="1100" b="1" i="0" dirty="0">
               <a:effectLst/>
@@ -20556,16 +20745,22 @@
             </a:endParaRPr>
           </a:p>
           <a:p>
-            <a:pPr marL="381000" indent="-228600" algn="l">
-              <a:buFont typeface="+mj-lt"/>
-              <a:buAutoNum type="arabicPeriod"/>
+            <a:pPr marL="152400" indent="0" algn="l">
+              <a:buNone/>
             </a:pPr>
+            <a:r>
+              <a:rPr lang="es-MX" sz="1100" b="1" i="0" dirty="0" err="1">
+                <a:effectLst/>
+                <a:latin typeface="Maven Pro" panose="020B0604020202020204" charset="0"/>
+              </a:rPr>
+              <a:t>Cluster</a:t>
+            </a:r>
             <a:r>
               <a:rPr lang="es-MX" sz="1100" b="1" i="0" dirty="0">
                 <a:effectLst/>
                 <a:latin typeface="Maven Pro" panose="020B0604020202020204" charset="0"/>
               </a:rPr>
-              <a:t>Espejos de Maquillaje Iluminados: </a:t>
+              <a:t> 1 - Espejos de Maquillaje Iluminados: </a:t>
             </a:r>
             <a:r>
               <a:rPr lang="es-MX" sz="1100" i="0" dirty="0">
@@ -20590,9 +20785,8 @@
             </a:r>
           </a:p>
           <a:p>
-            <a:pPr marL="381000" indent="-228600" algn="l">
-              <a:buFont typeface="+mj-lt"/>
-              <a:buAutoNum type="arabicPeriod"/>
+            <a:pPr marL="152400" indent="0" algn="l">
+              <a:buNone/>
             </a:pPr>
             <a:endParaRPr lang="es-MX" sz="1100" b="1" i="0" dirty="0">
               <a:effectLst/>
@@ -20600,16 +20794,22 @@
             </a:endParaRPr>
           </a:p>
           <a:p>
-            <a:pPr marL="381000" indent="-228600" algn="l">
-              <a:buFont typeface="+mj-lt"/>
-              <a:buAutoNum type="arabicPeriod"/>
+            <a:pPr marL="152400" indent="0" algn="l">
+              <a:buNone/>
             </a:pPr>
+            <a:r>
+              <a:rPr lang="es-MX" sz="1100" b="1" i="0" dirty="0" err="1">
+                <a:effectLst/>
+                <a:latin typeface="Maven Pro" panose="020B0604020202020204" charset="0"/>
+              </a:rPr>
+              <a:t>Cluster</a:t>
+            </a:r>
             <a:r>
               <a:rPr lang="es-MX" sz="1100" b="1" i="0" dirty="0">
                 <a:effectLst/>
                 <a:latin typeface="Maven Pro" panose="020B0604020202020204" charset="0"/>
               </a:rPr>
-              <a:t>Herramientas y Cepillos de Maquillaje: </a:t>
+              <a:t> 2 - Herramientas y Cepillos de Maquillaje: </a:t>
             </a:r>
             <a:r>
               <a:rPr lang="es-MX" sz="1100" i="0" dirty="0">
@@ -20634,9 +20834,8 @@
             </a:r>
           </a:p>
           <a:p>
-            <a:pPr marL="381000" indent="-228600" algn="l">
-              <a:buFont typeface="+mj-lt"/>
-              <a:buAutoNum type="arabicPeriod"/>
+            <a:pPr marL="152400" indent="0" algn="l">
+              <a:buNone/>
             </a:pPr>
             <a:endParaRPr lang="es-MX" sz="1100" b="1" i="0" dirty="0">
               <a:effectLst/>
@@ -20644,16 +20843,22 @@
             </a:endParaRPr>
           </a:p>
           <a:p>
-            <a:pPr marL="381000" indent="-228600" algn="l">
-              <a:buFont typeface="+mj-lt"/>
-              <a:buAutoNum type="arabicPeriod"/>
+            <a:pPr marL="152400" indent="0" algn="l">
+              <a:buNone/>
             </a:pPr>
+            <a:r>
+              <a:rPr lang="es-MX" sz="1100" b="1" i="0" dirty="0" err="1">
+                <a:effectLst/>
+                <a:latin typeface="Maven Pro" panose="020B0604020202020204" charset="0"/>
+              </a:rPr>
+              <a:t>Cluster</a:t>
+            </a:r>
             <a:r>
               <a:rPr lang="es-MX" sz="1100" b="1" i="0" dirty="0">
                 <a:effectLst/>
                 <a:latin typeface="Maven Pro" panose="020B0604020202020204" charset="0"/>
               </a:rPr>
-              <a:t>Maquillaje Artístico y de Fantasía: </a:t>
+              <a:t> 3 - Maquillaje Artístico y de Fantasía: </a:t>
             </a:r>
             <a:r>
               <a:rPr lang="es-MX" sz="1100" i="0" dirty="0">
@@ -20678,9 +20883,8 @@
             </a:r>
           </a:p>
           <a:p>
-            <a:pPr marL="381000" indent="-228600" algn="l">
-              <a:buFont typeface="+mj-lt"/>
-              <a:buAutoNum type="arabicPeriod"/>
+            <a:pPr marL="152400" indent="0" algn="l">
+              <a:buNone/>
             </a:pPr>
             <a:endParaRPr lang="es-MX" sz="1100" b="1" i="0" dirty="0">
               <a:effectLst/>
@@ -20688,16 +20892,22 @@
             </a:endParaRPr>
           </a:p>
           <a:p>
-            <a:pPr marL="381000" indent="-228600" algn="l">
-              <a:buFont typeface="+mj-lt"/>
-              <a:buAutoNum type="arabicPeriod"/>
+            <a:pPr marL="152400" indent="0" algn="l">
+              <a:buNone/>
             </a:pPr>
+            <a:r>
+              <a:rPr lang="es-MX" sz="1100" b="1" i="0" dirty="0" err="1">
+                <a:effectLst/>
+                <a:latin typeface="Maven Pro" panose="020B0604020202020204" charset="0"/>
+              </a:rPr>
+              <a:t>Cluster</a:t>
+            </a:r>
             <a:r>
               <a:rPr lang="es-MX" sz="1100" b="1" i="0" dirty="0">
                 <a:effectLst/>
                 <a:latin typeface="Maven Pro" panose="020B0604020202020204" charset="0"/>
               </a:rPr>
-              <a:t>Bolsos y Organizadores de Maquillaje de Viaje: </a:t>
+              <a:t> 4 - Bolsos y Organizadores de Maquillaje de Viaje: </a:t>
             </a:r>
             <a:r>
               <a:rPr lang="es-MX" sz="1100" i="0" dirty="0">
@@ -20722,9 +20932,8 @@
             </a:r>
           </a:p>
           <a:p>
-            <a:pPr marL="381000" indent="-228600" algn="l">
-              <a:buFont typeface="+mj-lt"/>
-              <a:buAutoNum type="arabicPeriod"/>
+            <a:pPr marL="152400" indent="0" algn="l">
+              <a:buNone/>
             </a:pPr>
             <a:endParaRPr lang="es-MX" sz="1100" b="1" i="0" dirty="0">
               <a:effectLst/>
@@ -20732,16 +20941,22 @@
             </a:endParaRPr>
           </a:p>
           <a:p>
-            <a:pPr marL="381000" indent="-228600" algn="l">
-              <a:buFont typeface="+mj-lt"/>
-              <a:buAutoNum type="arabicPeriod"/>
+            <a:pPr marL="152400" indent="0" algn="l">
+              <a:buNone/>
             </a:pPr>
+            <a:r>
+              <a:rPr lang="es-MX" sz="1100" b="1" i="0" dirty="0" err="1">
+                <a:effectLst/>
+                <a:latin typeface="Maven Pro" panose="020B0604020202020204" charset="0"/>
+              </a:rPr>
+              <a:t>Cluster</a:t>
+            </a:r>
             <a:r>
               <a:rPr lang="es-MX" sz="1100" b="1" i="0" dirty="0">
                 <a:effectLst/>
                 <a:latin typeface="Maven Pro" panose="020B0604020202020204" charset="0"/>
               </a:rPr>
-              <a:t>Cuidado de la Piel y Productos de Limpieza</a:t>
+              <a:t> 5 - Cuidado de la Piel y Productos de Limpieza</a:t>
             </a:r>
             <a:r>
               <a:rPr lang="es-MX" sz="1100" i="0" dirty="0">
@@ -22200,16 +22415,22 @@
           </a:bodyPr>
           <a:lstStyle/>
           <a:p>
-            <a:pPr marL="381000" indent="-228600" algn="l">
-              <a:buFont typeface="+mj-lt"/>
-              <a:buAutoNum type="arabicPeriod"/>
+            <a:pPr marL="152400" indent="0" algn="l">
+              <a:buNone/>
             </a:pPr>
+            <a:r>
+              <a:rPr lang="es-MX" sz="1100" b="1" i="0" dirty="0" err="1">
+                <a:effectLst/>
+                <a:latin typeface="Maven Pro" panose="020B0604020202020204" charset="0"/>
+              </a:rPr>
+              <a:t>Cluster</a:t>
+            </a:r>
             <a:r>
               <a:rPr lang="es-MX" sz="1100" b="1" i="0" dirty="0">
                 <a:effectLst/>
                 <a:latin typeface="Maven Pro" panose="020B0604020202020204" charset="0"/>
               </a:rPr>
-              <a:t>Productos para el Descanso de Mascotas: </a:t>
+              <a:t> 0 - Productos para el Descanso de Mascotas: </a:t>
             </a:r>
             <a:r>
               <a:rPr lang="es-MX" sz="1100" i="0" dirty="0">
@@ -22234,9 +22455,8 @@
             </a:r>
           </a:p>
           <a:p>
-            <a:pPr marL="381000" indent="-228600" algn="l">
-              <a:buFont typeface="+mj-lt"/>
-              <a:buAutoNum type="arabicPeriod"/>
+            <a:pPr marL="152400" indent="0" algn="l">
+              <a:buNone/>
             </a:pPr>
             <a:endParaRPr lang="es-MX" sz="1100" i="0" dirty="0">
               <a:effectLst/>
@@ -22244,16 +22464,22 @@
             </a:endParaRPr>
           </a:p>
           <a:p>
-            <a:pPr marL="381000" indent="-228600" algn="l">
-              <a:buFont typeface="+mj-lt"/>
-              <a:buAutoNum type="arabicPeriod"/>
+            <a:pPr marL="152400" indent="0" algn="l">
+              <a:buNone/>
             </a:pPr>
+            <a:r>
+              <a:rPr lang="es-MX" sz="1100" b="1" i="0" dirty="0" err="1">
+                <a:effectLst/>
+                <a:latin typeface="Maven Pro" panose="020B0604020202020204" charset="0"/>
+              </a:rPr>
+              <a:t>Cluster</a:t>
+            </a:r>
             <a:r>
               <a:rPr lang="es-MX" sz="1100" b="1" i="0" dirty="0">
                 <a:effectLst/>
                 <a:latin typeface="Maven Pro" panose="020B0604020202020204" charset="0"/>
               </a:rPr>
-              <a:t>Ropa y Accesorios para Mascotas en Clima Frío: </a:t>
+              <a:t> 1 - Ropa y Accesorios para Mascotas en Clima Frío: </a:t>
             </a:r>
             <a:r>
               <a:rPr lang="es-MX" sz="1100" i="0" dirty="0">
@@ -22278,9 +22504,8 @@
             </a:r>
           </a:p>
           <a:p>
-            <a:pPr marL="381000" indent="-228600" algn="l">
-              <a:buFont typeface="+mj-lt"/>
-              <a:buAutoNum type="arabicPeriod"/>
+            <a:pPr marL="152400" indent="0" algn="l">
+              <a:buNone/>
             </a:pPr>
             <a:endParaRPr lang="es-MX" sz="1100" b="1" i="0" dirty="0">
               <a:effectLst/>
@@ -22288,16 +22513,22 @@
             </a:endParaRPr>
           </a:p>
           <a:p>
-            <a:pPr marL="381000" indent="-228600" algn="l">
-              <a:buFont typeface="+mj-lt"/>
-              <a:buAutoNum type="arabicPeriod"/>
+            <a:pPr marL="152400" indent="0" algn="l">
+              <a:buNone/>
             </a:pPr>
+            <a:r>
+              <a:rPr lang="es-MX" sz="1100" b="1" i="0" dirty="0" err="1">
+                <a:effectLst/>
+                <a:latin typeface="Maven Pro" panose="020B0604020202020204" charset="0"/>
+              </a:rPr>
+              <a:t>Cluster</a:t>
+            </a:r>
             <a:r>
               <a:rPr lang="es-MX" sz="1100" b="1" i="0" dirty="0">
                 <a:effectLst/>
                 <a:latin typeface="Maven Pro" panose="020B0604020202020204" charset="0"/>
               </a:rPr>
-              <a:t>Equipamiento para Paseo y Control de Mascotas: </a:t>
+              <a:t> 2 - Equipamiento para Paseo y Control de Mascotas: </a:t>
             </a:r>
             <a:r>
               <a:rPr lang="es-MX" sz="1100" i="0" dirty="0">
@@ -22322,9 +22553,8 @@
             </a:r>
           </a:p>
           <a:p>
-            <a:pPr marL="381000" indent="-228600" algn="l">
-              <a:buFont typeface="+mj-lt"/>
-              <a:buAutoNum type="arabicPeriod"/>
+            <a:pPr marL="152400" indent="0" algn="l">
+              <a:buNone/>
             </a:pPr>
             <a:endParaRPr lang="es-MX" sz="1100" b="1" i="0" dirty="0">
               <a:effectLst/>
@@ -22332,16 +22562,22 @@
             </a:endParaRPr>
           </a:p>
           <a:p>
-            <a:pPr marL="381000" indent="-228600" algn="l">
-              <a:buFont typeface="+mj-lt"/>
-              <a:buAutoNum type="arabicPeriod"/>
+            <a:pPr marL="152400" indent="0" algn="l">
+              <a:buNone/>
             </a:pPr>
+            <a:r>
+              <a:rPr lang="es-MX" sz="1100" b="1" i="0" dirty="0" err="1">
+                <a:effectLst/>
+                <a:latin typeface="Maven Pro" panose="020B0604020202020204" charset="0"/>
+              </a:rPr>
+              <a:t>Cluster</a:t>
+            </a:r>
             <a:r>
               <a:rPr lang="es-MX" sz="1100" b="1" i="0" dirty="0">
                 <a:effectLst/>
                 <a:latin typeface="Maven Pro" panose="020B0604020202020204" charset="0"/>
               </a:rPr>
-              <a:t>Productos para la Alimentación y Cuidado de Mascotas: </a:t>
+              <a:t> 3 - Productos para la Alimentación y Cuidado de Mascotas: </a:t>
             </a:r>
             <a:r>
               <a:rPr lang="es-MX" sz="1100" i="0" dirty="0">
@@ -22366,9 +22602,8 @@
             </a:r>
           </a:p>
           <a:p>
-            <a:pPr marL="381000" indent="-228600" algn="l">
-              <a:buFont typeface="+mj-lt"/>
-              <a:buAutoNum type="arabicPeriod"/>
+            <a:pPr marL="152400" indent="0" algn="l">
+              <a:buNone/>
             </a:pPr>
             <a:endParaRPr lang="es-MX" sz="1100" b="1" i="0" dirty="0">
               <a:effectLst/>
@@ -22376,16 +22611,22 @@
             </a:endParaRPr>
           </a:p>
           <a:p>
-            <a:pPr marL="381000" indent="-228600" algn="l">
-              <a:buFont typeface="+mj-lt"/>
-              <a:buAutoNum type="arabicPeriod"/>
+            <a:pPr marL="152400" indent="0" algn="l">
+              <a:buNone/>
             </a:pPr>
+            <a:r>
+              <a:rPr lang="es-MX" sz="1100" b="1" i="0" dirty="0" err="1">
+                <a:effectLst/>
+                <a:latin typeface="Maven Pro" panose="020B0604020202020204" charset="0"/>
+              </a:rPr>
+              <a:t>Cluster</a:t>
+            </a:r>
             <a:r>
               <a:rPr lang="es-MX" sz="1100" b="1" i="0" dirty="0">
                 <a:effectLst/>
                 <a:latin typeface="Maven Pro" panose="020B0604020202020204" charset="0"/>
               </a:rPr>
-              <a:t>Fuentes de Agua Automáticas para Mascotas: </a:t>
+              <a:t> 4 - Fuentes de Agua Automáticas para Mascotas: </a:t>
             </a:r>
             <a:r>
               <a:rPr lang="es-MX" sz="1100" i="0" dirty="0">
@@ -22410,9 +22651,8 @@
             </a:r>
           </a:p>
           <a:p>
-            <a:pPr marL="381000" indent="-228600" algn="l">
-              <a:buFont typeface="+mj-lt"/>
-              <a:buAutoNum type="arabicPeriod"/>
+            <a:pPr marL="152400" indent="0" algn="l">
+              <a:buNone/>
             </a:pPr>
             <a:endParaRPr lang="es-MX" sz="1100" b="1" i="0" dirty="0">
               <a:effectLst/>
@@ -22420,16 +22660,22 @@
             </a:endParaRPr>
           </a:p>
           <a:p>
-            <a:pPr marL="381000" indent="-228600" algn="l">
-              <a:buFont typeface="+mj-lt"/>
-              <a:buAutoNum type="arabicPeriod"/>
+            <a:pPr marL="152400" indent="0" algn="l">
+              <a:buNone/>
             </a:pPr>
+            <a:r>
+              <a:rPr lang="es-MX" sz="1100" b="1" i="0" dirty="0" err="1">
+                <a:effectLst/>
+                <a:latin typeface="Maven Pro" panose="020B0604020202020204" charset="0"/>
+              </a:rPr>
+              <a:t>Cluster</a:t>
+            </a:r>
             <a:r>
               <a:rPr lang="es-MX" sz="1100" b="1" i="0" dirty="0">
                 <a:effectLst/>
                 <a:latin typeface="Maven Pro" panose="020B0604020202020204" charset="0"/>
               </a:rPr>
-              <a:t>Arnés y Accesorios para Paseos de Mascotas: </a:t>
+              <a:t> 5 - Arnés y Accesorios para Paseos de Mascotas: </a:t>
             </a:r>
             <a:r>
               <a:rPr lang="es-MX" sz="1100" i="0" dirty="0">
@@ -23689,16 +23935,22 @@
           </a:bodyPr>
           <a:lstStyle/>
           <a:p>
-            <a:pPr marL="381000" indent="-228600" algn="l">
-              <a:buFont typeface="+mj-lt"/>
-              <a:buAutoNum type="arabicPeriod"/>
+            <a:pPr marL="152400" indent="0" algn="l">
+              <a:buNone/>
             </a:pPr>
+            <a:r>
+              <a:rPr lang="es-MX" sz="1100" b="1" i="0" dirty="0" err="1">
+                <a:effectLst/>
+                <a:latin typeface="Maven Pro" panose="020B0604020202020204" charset="0"/>
+              </a:rPr>
+              <a:t>Cluster</a:t>
+            </a:r>
             <a:r>
               <a:rPr lang="es-MX" sz="1100" b="1" i="0" dirty="0">
                 <a:effectLst/>
                 <a:latin typeface="Maven Pro" panose="020B0604020202020204" charset="0"/>
               </a:rPr>
-              <a:t>Juguetes para Niños y Fiestas Infantiles: </a:t>
+              <a:t> 0 - Juguetes para Niños y Fiestas Infantiles: </a:t>
             </a:r>
             <a:r>
               <a:rPr lang="es-MX" sz="1100" i="0" dirty="0">
@@ -23709,9 +23961,8 @@
             </a:r>
           </a:p>
           <a:p>
-            <a:pPr marL="381000" indent="-228600" algn="l">
-              <a:buFont typeface="+mj-lt"/>
-              <a:buAutoNum type="arabicPeriod"/>
+            <a:pPr marL="152400" indent="0" algn="l">
+              <a:buNone/>
             </a:pPr>
             <a:endParaRPr lang="es-MX" sz="1100" b="1" i="0" dirty="0">
               <a:effectLst/>
@@ -23719,16 +23970,22 @@
             </a:endParaRPr>
           </a:p>
           <a:p>
-            <a:pPr marL="381000" indent="-228600" algn="l">
-              <a:buFont typeface="+mj-lt"/>
-              <a:buAutoNum type="arabicPeriod"/>
+            <a:pPr marL="152400" indent="0" algn="l">
+              <a:buNone/>
             </a:pPr>
+            <a:r>
+              <a:rPr lang="es-MX" sz="1100" b="1" i="0" dirty="0" err="1">
+                <a:effectLst/>
+                <a:latin typeface="Maven Pro" panose="020B0604020202020204" charset="0"/>
+              </a:rPr>
+              <a:t>Cluster</a:t>
+            </a:r>
             <a:r>
               <a:rPr lang="es-MX" sz="1100" b="1" i="0" dirty="0">
                 <a:effectLst/>
                 <a:latin typeface="Maven Pro" panose="020B0604020202020204" charset="0"/>
               </a:rPr>
-              <a:t>Juguetes Educativos para Niños Pequeños: </a:t>
+              <a:t> 1 - Juguetes Educativos para Niños Pequeños: </a:t>
             </a:r>
             <a:r>
               <a:rPr lang="es-MX" sz="1100" i="0" dirty="0">
@@ -23739,9 +23996,8 @@
             </a:r>
           </a:p>
           <a:p>
-            <a:pPr marL="381000" indent="-228600" algn="l">
-              <a:buFont typeface="+mj-lt"/>
-              <a:buAutoNum type="arabicPeriod"/>
+            <a:pPr marL="152400" indent="0" algn="l">
+              <a:buNone/>
             </a:pPr>
             <a:endParaRPr lang="es-MX" sz="1100" b="1" i="0" dirty="0">
               <a:effectLst/>
@@ -23749,16 +24005,22 @@
             </a:endParaRPr>
           </a:p>
           <a:p>
-            <a:pPr marL="381000" indent="-228600" algn="l">
-              <a:buFont typeface="+mj-lt"/>
-              <a:buAutoNum type="arabicPeriod"/>
+            <a:pPr marL="152400" indent="0" algn="l">
+              <a:buNone/>
             </a:pPr>
+            <a:r>
+              <a:rPr lang="es-MX" sz="1100" b="1" i="0" dirty="0" err="1">
+                <a:effectLst/>
+                <a:latin typeface="Maven Pro" panose="020B0604020202020204" charset="0"/>
+              </a:rPr>
+              <a:t>Cluster</a:t>
+            </a:r>
             <a:r>
               <a:rPr lang="es-MX" sz="1100" b="1" i="0" dirty="0">
                 <a:effectLst/>
                 <a:latin typeface="Maven Pro" panose="020B0604020202020204" charset="0"/>
               </a:rPr>
-              <a:t>Vehículos de Control Remoto y Juguetes de Carreras: </a:t>
+              <a:t> 2 - Vehículos de Control Remoto y Juguetes de Carreras: </a:t>
             </a:r>
             <a:r>
               <a:rPr lang="es-MX" sz="1100" i="0" dirty="0">
@@ -23769,9 +24031,8 @@
             </a:r>
           </a:p>
           <a:p>
-            <a:pPr marL="381000" indent="-228600" algn="l">
-              <a:buFont typeface="+mj-lt"/>
-              <a:buAutoNum type="arabicPeriod"/>
+            <a:pPr marL="152400" indent="0" algn="l">
+              <a:buNone/>
             </a:pPr>
             <a:endParaRPr lang="es-MX" sz="1100" b="1" i="0" dirty="0">
               <a:effectLst/>
@@ -23779,16 +24040,22 @@
             </a:endParaRPr>
           </a:p>
           <a:p>
-            <a:pPr marL="381000" indent="-228600" algn="l">
-              <a:buFont typeface="+mj-lt"/>
-              <a:buAutoNum type="arabicPeriod"/>
+            <a:pPr marL="152400" indent="0" algn="l">
+              <a:buNone/>
             </a:pPr>
+            <a:r>
+              <a:rPr lang="es-MX" sz="1100" b="1" i="0" dirty="0" err="1">
+                <a:effectLst/>
+                <a:latin typeface="Maven Pro" panose="020B0604020202020204" charset="0"/>
+              </a:rPr>
+              <a:t>Cluster</a:t>
+            </a:r>
             <a:r>
               <a:rPr lang="es-MX" sz="1100" b="1" i="0" dirty="0">
                 <a:effectLst/>
                 <a:latin typeface="Maven Pro" panose="020B0604020202020204" charset="0"/>
               </a:rPr>
-              <a:t>Juguetes Sensoriales y Antiestrés: </a:t>
+              <a:t> 3 - Juguetes Sensoriales y Antiestrés: </a:t>
             </a:r>
             <a:r>
               <a:rPr lang="es-MX" sz="1100" i="0" dirty="0">
@@ -23813,9 +24080,8 @@
             </a:r>
           </a:p>
           <a:p>
-            <a:pPr marL="381000" indent="-228600" algn="l">
-              <a:buFont typeface="+mj-lt"/>
-              <a:buAutoNum type="arabicPeriod"/>
+            <a:pPr marL="152400" indent="0" algn="l">
+              <a:buNone/>
             </a:pPr>
             <a:endParaRPr lang="es-MX" sz="1100" b="1" i="0" dirty="0">
               <a:effectLst/>
@@ -23823,16 +24089,22 @@
             </a:endParaRPr>
           </a:p>
           <a:p>
-            <a:pPr marL="381000" indent="-228600" algn="l">
-              <a:buFont typeface="+mj-lt"/>
-              <a:buAutoNum type="arabicPeriod"/>
+            <a:pPr marL="152400" indent="0" algn="l">
+              <a:buNone/>
             </a:pPr>
+            <a:r>
+              <a:rPr lang="es-MX" sz="1100" b="1" i="0" dirty="0" err="1">
+                <a:effectLst/>
+                <a:latin typeface="Maven Pro" panose="020B0604020202020204" charset="0"/>
+              </a:rPr>
+              <a:t>Cluster</a:t>
+            </a:r>
             <a:r>
               <a:rPr lang="es-MX" sz="1100" b="1" i="0" dirty="0">
                 <a:effectLst/>
                 <a:latin typeface="Maven Pro" panose="020B0604020202020204" charset="0"/>
               </a:rPr>
-              <a:t>Peluches y Muñecos de Peluche: </a:t>
+              <a:t> 4 - Peluches y Muñecos de Peluche: </a:t>
             </a:r>
             <a:r>
               <a:rPr lang="es-MX" sz="1100" i="0" dirty="0">
@@ -23843,9 +24115,8 @@
             </a:r>
           </a:p>
           <a:p>
-            <a:pPr marL="381000" indent="-228600" algn="l">
-              <a:buFont typeface="+mj-lt"/>
-              <a:buAutoNum type="arabicPeriod"/>
+            <a:pPr marL="152400" indent="0" algn="l">
+              <a:buNone/>
             </a:pPr>
             <a:endParaRPr lang="es-MX" sz="1100" b="1" i="0" dirty="0">
               <a:effectLst/>
@@ -23853,16 +24124,29 @@
             </a:endParaRPr>
           </a:p>
           <a:p>
-            <a:pPr marL="381000" indent="-228600" algn="l">
-              <a:buFont typeface="+mj-lt"/>
-              <a:buAutoNum type="arabicPeriod"/>
+            <a:pPr marL="152400" indent="0" algn="l">
+              <a:buNone/>
             </a:pPr>
+            <a:r>
+              <a:rPr lang="es-MX" sz="1100" b="1" i="0" dirty="0" err="1">
+                <a:effectLst/>
+                <a:latin typeface="Maven Pro" panose="020B0604020202020204" charset="0"/>
+              </a:rPr>
+              <a:t>Cluster</a:t>
+            </a:r>
+            <a:r>
+              <a:rPr lang="es-MX" sz="1100" b="1" i="0">
+                <a:effectLst/>
+                <a:latin typeface="Maven Pro" panose="020B0604020202020204" charset="0"/>
+              </a:rPr>
+              <a:t> 5 - Juguetes </a:t>
+            </a:r>
             <a:r>
               <a:rPr lang="es-MX" sz="1100" b="1" i="0" dirty="0">
                 <a:effectLst/>
                 <a:latin typeface="Maven Pro" panose="020B0604020202020204" charset="0"/>
               </a:rPr>
-              <a:t>Juguetes de Construcción y Creatividad: </a:t>
+              <a:t>de Construcción y Creatividad: </a:t>
             </a:r>
             <a:r>
               <a:rPr lang="es-MX" sz="1100" i="0" dirty="0">
@@ -24836,7 +25120,7 @@
             </a:r>
             <a:r>
               <a:rPr lang="es-MX" sz="1400" dirty="0"/>
-              <a:t> en Amazon. Para esta tarea, se empleó una herramienta de pago llamada </a:t>
+              <a:t> en la tienda de Amazon Estados unidos. Para esta tarea, se empleó una herramienta de pago llamada </a:t>
             </a:r>
             <a:r>
               <a:rPr lang="es-MX" sz="1400" dirty="0" err="1"/>

--- a/Proyecto_integrador.pptx
+++ b/Proyecto_integrador.pptx
@@ -5,7 +5,7 @@
     <p:sldMasterId id="2147483670" r:id="rId1"/>
   </p:sldMasterIdLst>
   <p:notesMasterIdLst>
-    <p:notesMasterId r:id="rId32"/>
+    <p:notesMasterId r:id="rId34"/>
   </p:notesMasterIdLst>
   <p:sldIdLst>
     <p:sldId id="256" r:id="rId2"/>
@@ -37,31 +37,33 @@
     <p:sldId id="323" r:id="rId28"/>
     <p:sldId id="325" r:id="rId29"/>
     <p:sldId id="326" r:id="rId30"/>
-    <p:sldId id="268" r:id="rId31"/>
+    <p:sldId id="327" r:id="rId31"/>
+    <p:sldId id="328" r:id="rId32"/>
+    <p:sldId id="268" r:id="rId33"/>
   </p:sldIdLst>
   <p:sldSz cx="9144000" cy="5143500" type="screen16x9"/>
   <p:notesSz cx="6858000" cy="9144000"/>
   <p:embeddedFontLst>
     <p:embeddedFont>
       <p:font typeface="Fira Sans Extra Condensed Medium" panose="020B0604020202020204" charset="0"/>
-      <p:regular r:id="rId33"/>
-      <p:bold r:id="rId34"/>
-      <p:italic r:id="rId35"/>
-      <p:boldItalic r:id="rId36"/>
+      <p:regular r:id="rId35"/>
+      <p:bold r:id="rId36"/>
+      <p:italic r:id="rId37"/>
+      <p:boldItalic r:id="rId38"/>
     </p:embeddedFont>
     <p:embeddedFont>
       <p:font typeface="Maven Pro" panose="020B0604020202020204" charset="0"/>
-      <p:regular r:id="rId37"/>
-      <p:bold r:id="rId38"/>
+      <p:regular r:id="rId39"/>
+      <p:bold r:id="rId40"/>
     </p:embeddedFont>
     <p:embeddedFont>
       <p:font typeface="Nunito Light" pitchFamily="2" charset="0"/>
-      <p:regular r:id="rId39"/>
-      <p:italic r:id="rId40"/>
+      <p:regular r:id="rId41"/>
+      <p:italic r:id="rId42"/>
     </p:embeddedFont>
     <p:embeddedFont>
       <p:font typeface="Share Tech" panose="020B0604020202020204" charset="0"/>
-      <p:regular r:id="rId41"/>
+      <p:regular r:id="rId43"/>
     </p:embeddedFont>
   </p:embeddedFontLst>
   <p:defaultTextStyle>
@@ -3318,6 +3320,226 @@
 </file>
 
 <file path=ppt/notesSlides/notesSlide30.xml><?xml version="1.0" encoding="utf-8"?>
+<p:notes xmlns:a="http://schemas.openxmlformats.org/drawingml/2006/main" xmlns:r="http://schemas.openxmlformats.org/officeDocument/2006/relationships" xmlns:p="http://schemas.openxmlformats.org/presentationml/2006/main" showMasterSp="0" showMasterPhAnim="0">
+  <p:cSld>
+    <p:spTree>
+      <p:nvGrpSpPr>
+        <p:cNvPr id="1" name="Shape 684"/>
+        <p:cNvGrpSpPr/>
+        <p:nvPr/>
+      </p:nvGrpSpPr>
+      <p:grpSpPr>
+        <a:xfrm>
+          <a:off x="0" y="0"/>
+          <a:ext cx="0" cy="0"/>
+          <a:chOff x="0" y="0"/>
+          <a:chExt cx="0" cy="0"/>
+        </a:xfrm>
+      </p:grpSpPr>
+      <p:sp>
+        <p:nvSpPr>
+          <p:cNvPr id="685" name="Google Shape;685;g6c60e245bf_1_31323:notes"/>
+          <p:cNvSpPr>
+            <a:spLocks noGrp="1" noRot="1" noChangeAspect="1"/>
+          </p:cNvSpPr>
+          <p:nvPr>
+            <p:ph type="sldImg" idx="2"/>
+          </p:nvPr>
+        </p:nvSpPr>
+        <p:spPr>
+          <a:xfrm>
+            <a:off x="381000" y="685800"/>
+            <a:ext cx="6096000" cy="3429000"/>
+          </a:xfrm>
+          <a:custGeom>
+            <a:avLst/>
+            <a:gdLst/>
+            <a:ahLst/>
+            <a:cxnLst/>
+            <a:rect l="l" t="t" r="r" b="b"/>
+            <a:pathLst>
+              <a:path w="120000" h="120000" extrusionOk="0">
+                <a:moveTo>
+                  <a:pt x="0" y="0"/>
+                </a:moveTo>
+                <a:lnTo>
+                  <a:pt x="120000" y="0"/>
+                </a:lnTo>
+                <a:lnTo>
+                  <a:pt x="120000" y="120000"/>
+                </a:lnTo>
+                <a:lnTo>
+                  <a:pt x="0" y="120000"/>
+                </a:lnTo>
+                <a:close/>
+              </a:path>
+            </a:pathLst>
+          </a:custGeom>
+        </p:spPr>
+      </p:sp>
+      <p:sp>
+        <p:nvSpPr>
+          <p:cNvPr id="686" name="Google Shape;686;g6c60e245bf_1_31323:notes"/>
+          <p:cNvSpPr txBox="1">
+            <a:spLocks noGrp="1"/>
+          </p:cNvSpPr>
+          <p:nvPr>
+            <p:ph type="body" idx="1"/>
+          </p:nvPr>
+        </p:nvSpPr>
+        <p:spPr>
+          <a:xfrm>
+            <a:off x="685800" y="4343400"/>
+            <a:ext cx="5486400" cy="4114800"/>
+          </a:xfrm>
+          <a:prstGeom prst="rect">
+            <a:avLst/>
+          </a:prstGeom>
+        </p:spPr>
+        <p:txBody>
+          <a:bodyPr spcFirstLastPara="1" wrap="square" lIns="91425" tIns="91425" rIns="91425" bIns="91425" anchor="t" anchorCtr="0">
+            <a:noAutofit/>
+          </a:bodyPr>
+          <a:lstStyle/>
+          <a:p>
+            <a:pPr marL="0" lvl="0" indent="0" algn="l" rtl="0">
+              <a:spcBef>
+                <a:spcPts val="0"/>
+              </a:spcBef>
+              <a:spcAft>
+                <a:spcPts val="0"/>
+              </a:spcAft>
+              <a:buNone/>
+            </a:pPr>
+            <a:endParaRPr/>
+          </a:p>
+        </p:txBody>
+      </p:sp>
+    </p:spTree>
+    <p:extLst>
+      <p:ext uri="{BB962C8B-B14F-4D97-AF65-F5344CB8AC3E}">
+        <p14:creationId xmlns:p14="http://schemas.microsoft.com/office/powerpoint/2010/main" val="4133963130"/>
+      </p:ext>
+    </p:extLst>
+  </p:cSld>
+  <p:clrMapOvr>
+    <a:masterClrMapping/>
+  </p:clrMapOvr>
+</p:notes>
+</file>
+
+<file path=ppt/notesSlides/notesSlide31.xml><?xml version="1.0" encoding="utf-8"?>
+<p:notes xmlns:a="http://schemas.openxmlformats.org/drawingml/2006/main" xmlns:r="http://schemas.openxmlformats.org/officeDocument/2006/relationships" xmlns:p="http://schemas.openxmlformats.org/presentationml/2006/main" showMasterSp="0" showMasterPhAnim="0">
+  <p:cSld>
+    <p:spTree>
+      <p:nvGrpSpPr>
+        <p:cNvPr id="1" name="Shape 462"/>
+        <p:cNvGrpSpPr/>
+        <p:nvPr/>
+      </p:nvGrpSpPr>
+      <p:grpSpPr>
+        <a:xfrm>
+          <a:off x="0" y="0"/>
+          <a:ext cx="0" cy="0"/>
+          <a:chOff x="0" y="0"/>
+          <a:chExt cx="0" cy="0"/>
+        </a:xfrm>
+      </p:grpSpPr>
+      <p:sp>
+        <p:nvSpPr>
+          <p:cNvPr id="463" name="Google Shape;463;g6c60e245bf_1_31874:notes"/>
+          <p:cNvSpPr>
+            <a:spLocks noGrp="1" noRot="1" noChangeAspect="1"/>
+          </p:cNvSpPr>
+          <p:nvPr>
+            <p:ph type="sldImg" idx="2"/>
+          </p:nvPr>
+        </p:nvSpPr>
+        <p:spPr>
+          <a:xfrm>
+            <a:off x="381000" y="685800"/>
+            <a:ext cx="6096000" cy="3429000"/>
+          </a:xfrm>
+          <a:custGeom>
+            <a:avLst/>
+            <a:gdLst/>
+            <a:ahLst/>
+            <a:cxnLst/>
+            <a:rect l="l" t="t" r="r" b="b"/>
+            <a:pathLst>
+              <a:path w="120000" h="120000" extrusionOk="0">
+                <a:moveTo>
+                  <a:pt x="0" y="0"/>
+                </a:moveTo>
+                <a:lnTo>
+                  <a:pt x="120000" y="0"/>
+                </a:lnTo>
+                <a:lnTo>
+                  <a:pt x="120000" y="120000"/>
+                </a:lnTo>
+                <a:lnTo>
+                  <a:pt x="0" y="120000"/>
+                </a:lnTo>
+                <a:close/>
+              </a:path>
+            </a:pathLst>
+          </a:custGeom>
+        </p:spPr>
+      </p:sp>
+      <p:sp>
+        <p:nvSpPr>
+          <p:cNvPr id="464" name="Google Shape;464;g6c60e245bf_1_31874:notes"/>
+          <p:cNvSpPr txBox="1">
+            <a:spLocks noGrp="1"/>
+          </p:cNvSpPr>
+          <p:nvPr>
+            <p:ph type="body" idx="1"/>
+          </p:nvPr>
+        </p:nvSpPr>
+        <p:spPr>
+          <a:xfrm>
+            <a:off x="685800" y="4343400"/>
+            <a:ext cx="5486400" cy="4114800"/>
+          </a:xfrm>
+          <a:prstGeom prst="rect">
+            <a:avLst/>
+          </a:prstGeom>
+        </p:spPr>
+        <p:txBody>
+          <a:bodyPr spcFirstLastPara="1" wrap="square" lIns="91425" tIns="91425" rIns="91425" bIns="91425" anchor="t" anchorCtr="0">
+            <a:noAutofit/>
+          </a:bodyPr>
+          <a:lstStyle/>
+          <a:p>
+            <a:pPr marL="0" lvl="0" indent="0" algn="l" rtl="0">
+              <a:spcBef>
+                <a:spcPts val="0"/>
+              </a:spcBef>
+              <a:spcAft>
+                <a:spcPts val="0"/>
+              </a:spcAft>
+              <a:buNone/>
+            </a:pPr>
+            <a:endParaRPr dirty="0">
+              <a:latin typeface="Maven Pro" panose="020B0604020202020204" charset="0"/>
+            </a:endParaRPr>
+          </a:p>
+        </p:txBody>
+      </p:sp>
+    </p:spTree>
+    <p:extLst>
+      <p:ext uri="{BB962C8B-B14F-4D97-AF65-F5344CB8AC3E}">
+        <p14:creationId xmlns:p14="http://schemas.microsoft.com/office/powerpoint/2010/main" val="2157481681"/>
+      </p:ext>
+    </p:extLst>
+  </p:cSld>
+  <p:clrMapOvr>
+    <a:masterClrMapping/>
+  </p:clrMapOvr>
+</p:notes>
+</file>
+
+<file path=ppt/notesSlides/notesSlide32.xml><?xml version="1.0" encoding="utf-8"?>
 <p:notes xmlns:a="http://schemas.openxmlformats.org/drawingml/2006/main" xmlns:r="http://schemas.openxmlformats.org/officeDocument/2006/relationships" xmlns:p="http://schemas.openxmlformats.org/presentationml/2006/main" showMasterSp="0" showMasterPhAnim="0">
   <p:cSld>
     <p:spTree>
@@ -17977,10 +18199,10 @@
       </p:sp>
       <p:graphicFrame>
         <p:nvGraphicFramePr>
-          <p:cNvPr id="2" name="Table 1">
+          <p:cNvPr id="4" name="Table 3">
             <a:extLst>
               <a:ext uri="{FF2B5EF4-FFF2-40B4-BE49-F238E27FC236}">
-                <a16:creationId xmlns:a16="http://schemas.microsoft.com/office/drawing/2014/main" id="{193CA5D3-C2F2-4773-C720-7A6C3998B57D}"/>
+                <a16:creationId xmlns:a16="http://schemas.microsoft.com/office/drawing/2014/main" id="{ABC9F7B1-4C5C-5BDD-8A00-29DF5F980608}"/>
               </a:ext>
             </a:extLst>
           </p:cNvPr>
@@ -17990,14 +18212,14 @@
           <p:nvPr>
             <p:extLst>
               <p:ext uri="{D42A27DB-BD31-4B8C-83A1-F6EECF244321}">
-                <p14:modId xmlns:p14="http://schemas.microsoft.com/office/powerpoint/2010/main" val="3203966967"/>
+                <p14:modId xmlns:p14="http://schemas.microsoft.com/office/powerpoint/2010/main" val="304851533"/>
               </p:ext>
             </p:extLst>
           </p:nvPr>
         </p:nvGraphicFramePr>
         <p:xfrm>
-          <a:off x="1074420" y="1281904"/>
-          <a:ext cx="6705600" cy="3278774"/>
+          <a:off x="762346" y="1076036"/>
+          <a:ext cx="6192635" cy="3611522"/>
         </p:xfrm>
         <a:graphic>
           <a:graphicData uri="http://schemas.openxmlformats.org/drawingml/2006/table">
@@ -18006,53 +18228,63 @@
                 <a:tableStyleId>{99500015-8BAD-46A8-B74F-FC1E559183CE}</a:tableStyleId>
               </a:tblPr>
               <a:tblGrid>
-                <a:gridCol w="1288253">
+                <a:gridCol w="891577">
                   <a:extLst>
                     <a:ext uri="{9D8B030D-6E8A-4147-A177-3AD203B41FA5}">
-                      <a16:colId xmlns:a16="http://schemas.microsoft.com/office/drawing/2014/main" val="3227430044"/>
+                      <a16:colId xmlns:a16="http://schemas.microsoft.com/office/drawing/2014/main" val="461753581"/>
                     </a:ext>
                   </a:extLst>
                 </a:gridCol>
-                <a:gridCol w="5417347">
+                <a:gridCol w="5301058">
                   <a:extLst>
                     <a:ext uri="{9D8B030D-6E8A-4147-A177-3AD203B41FA5}">
-                      <a16:colId xmlns:a16="http://schemas.microsoft.com/office/drawing/2014/main" val="2823247506"/>
+                      <a16:colId xmlns:a16="http://schemas.microsoft.com/office/drawing/2014/main" val="4277162531"/>
                     </a:ext>
                   </a:extLst>
                 </a:gridCol>
               </a:tblGrid>
-              <a:tr h="178937">
+              <a:tr h="176992">
                 <a:tc>
                   <a:txBody>
                     <a:bodyPr/>
                     <a:lstStyle/>
                     <a:p>
-                      <a:pPr>
+                      <a:pPr marR="0" algn="l" rtl="0">
                         <a:lnSpc>
                           <a:spcPct val="107000"/>
                         </a:lnSpc>
+                        <a:spcBef>
+                          <a:spcPts val="0"/>
+                        </a:spcBef>
                         <a:spcAft>
                           <a:spcPts val="800"/>
                         </a:spcAft>
+                        <a:buClr>
+                          <a:srgbClr val="000000"/>
+                        </a:buClr>
+                        <a:buFont typeface="Arial"/>
                       </a:pPr>
                       <a:r>
-                        <a:rPr lang="en-US" sz="1400" b="1" kern="100" dirty="0">
+                        <a:rPr lang="en-US" sz="1400" b="1" i="0" u="none" strike="noStrike" kern="100" cap="none" dirty="0">
                           <a:solidFill>
                             <a:schemeClr val="bg1"/>
                           </a:solidFill>
                           <a:effectLst/>
                           <a:latin typeface="Maven Pro" panose="020B0604020202020204" charset="0"/>
+                          <a:cs typeface="Arial"/>
+                          <a:sym typeface="Arial"/>
                         </a:rPr>
                         <a:t>Cluster</a:t>
                       </a:r>
-                      <a:endParaRPr lang="es-MX" sz="1400" b="1" kern="100" dirty="0">
+                      <a:endParaRPr lang="es-MX" sz="1400" b="1" i="0" u="none" strike="noStrike" kern="100" cap="none" dirty="0">
                         <a:solidFill>
                           <a:schemeClr val="bg1"/>
                         </a:solidFill>
                         <a:effectLst/>
                         <a:latin typeface="Maven Pro" panose="020B0604020202020204" charset="0"/>
                         <a:ea typeface="Calibri" panose="020F0502020204030204" pitchFamily="34" charset="0"/>
-                        <a:cs typeface="Times New Roman" panose="02020603050405020304" pitchFamily="18" charset="0"/>
+                        <a:cs typeface="Arial"/>
+                        <a:sym typeface="Arial"/>
                       </a:endParaRPr>
                     </a:p>
                   </a:txBody>
@@ -18063,42 +18295,42 @@
                     <a:bodyPr/>
                     <a:lstStyle/>
                     <a:p>
-                      <a:pPr>
+                      <a:pPr marR="0" algn="l" rtl="0">
                         <a:lnSpc>
                           <a:spcPct val="107000"/>
                         </a:lnSpc>
+                        <a:spcBef>
+                          <a:spcPts val="0"/>
+                        </a:spcBef>
                         <a:spcAft>
                           <a:spcPts val="800"/>
                         </a:spcAft>
+                        <a:buClr>
+                          <a:srgbClr val="000000"/>
+                        </a:buClr>
+                        <a:buFont typeface="Arial"/>
                       </a:pPr>
                       <a:r>
-                        <a:rPr lang="en-US" sz="1400" b="1" kern="100" dirty="0">
+                        <a:rPr lang="en-US" sz="1400" b="1" i="0" u="none" strike="noStrike" kern="100" cap="none" dirty="0">
                           <a:solidFill>
                             <a:schemeClr val="bg1"/>
                           </a:solidFill>
                           <a:effectLst/>
                           <a:latin typeface="Maven Pro" panose="020B0604020202020204" charset="0"/>
+                          <a:cs typeface="Arial"/>
+                          <a:sym typeface="Arial"/>
                         </a:rPr>
-                        <a:t>Top </a:t>
+                        <a:t>Palabras Clave</a:t>
                       </a:r>
-                      <a:r>
-                        <a:rPr lang="en-US" sz="1400" b="1" kern="100" dirty="0" err="1">
-                          <a:solidFill>
-                            <a:schemeClr val="bg1"/>
-                          </a:solidFill>
-                          <a:effectLst/>
-                          <a:latin typeface="Maven Pro" panose="020B0604020202020204" charset="0"/>
-                        </a:rPr>
-                        <a:t>Términos</a:t>
-                      </a:r>
-                      <a:endParaRPr lang="es-MX" sz="1400" b="1" kern="100" dirty="0">
+                      <a:endParaRPr lang="es-MX" sz="1400" b="1" i="0" u="none" strike="noStrike" kern="100" cap="none" dirty="0">
                         <a:solidFill>
                           <a:schemeClr val="bg1"/>
                         </a:solidFill>
                         <a:effectLst/>
                         <a:latin typeface="Maven Pro" panose="020B0604020202020204" charset="0"/>
                         <a:ea typeface="Calibri" panose="020F0502020204030204" pitchFamily="34" charset="0"/>
-                        <a:cs typeface="Times New Roman" panose="02020603050405020304" pitchFamily="18" charset="0"/>
+                        <a:cs typeface="Arial"/>
+                        <a:sym typeface="Arial"/>
                       </a:endParaRPr>
                     </a:p>
                   </a:txBody>
@@ -18106,42 +18338,52 @@
                 </a:tc>
                 <a:extLst>
                   <a:ext uri="{0D108BD9-81ED-4DB2-BD59-A6C34878D82A}">
-                    <a16:rowId xmlns:a16="http://schemas.microsoft.com/office/drawing/2014/main" val="8941894"/>
+                    <a16:rowId xmlns:a16="http://schemas.microsoft.com/office/drawing/2014/main" val="1739546326"/>
                   </a:ext>
                 </a:extLst>
               </a:tr>
-              <a:tr h="374033">
+              <a:tr h="355689">
                 <a:tc>
                   <a:txBody>
                     <a:bodyPr/>
                     <a:lstStyle/>
                     <a:p>
-                      <a:pPr>
+                      <a:pPr marR="0" algn="l" rtl="0">
                         <a:lnSpc>
                           <a:spcPct val="107000"/>
                         </a:lnSpc>
+                        <a:spcBef>
+                          <a:spcPts val="0"/>
+                        </a:spcBef>
                         <a:spcAft>
                           <a:spcPts val="800"/>
                         </a:spcAft>
+                        <a:buClr>
+                          <a:srgbClr val="000000"/>
+                        </a:buClr>
+                        <a:buFont typeface="Arial"/>
                       </a:pPr>
                       <a:r>
-                        <a:rPr lang="en-US" sz="1100" kern="100" dirty="0">
+                        <a:rPr lang="en-US" sz="1100" b="0" i="0" u="none" strike="noStrike" kern="100" cap="none" dirty="0">
                           <a:solidFill>
                             <a:schemeClr val="bg1"/>
                           </a:solidFill>
                           <a:effectLst/>
                           <a:latin typeface="Maven Pro" panose="020B0604020202020204" charset="0"/>
+                          <a:cs typeface="Arial"/>
+                          <a:sym typeface="Arial"/>
                         </a:rPr>
-                        <a:t>Cluster 0</a:t>
+                        <a:t>0</a:t>
                       </a:r>
-                      <a:endParaRPr lang="es-MX" sz="1100" kern="100" dirty="0">
+                      <a:endParaRPr lang="es-MX" sz="1100" b="0" i="0" u="none" strike="noStrike" kern="100" cap="none" dirty="0">
                         <a:solidFill>
                           <a:schemeClr val="bg1"/>
                         </a:solidFill>
                         <a:effectLst/>
                         <a:latin typeface="Maven Pro" panose="020B0604020202020204" charset="0"/>
                         <a:ea typeface="Calibri" panose="020F0502020204030204" pitchFamily="34" charset="0"/>
-                        <a:cs typeface="Times New Roman" panose="02020603050405020304" pitchFamily="18" charset="0"/>
+                        <a:cs typeface="Arial"/>
+                        <a:sym typeface="Arial"/>
                       </a:endParaRPr>
                     </a:p>
                   </a:txBody>
@@ -18152,52 +18394,42 @@
                     <a:bodyPr/>
                     <a:lstStyle/>
                     <a:p>
-                      <a:pPr>
+                      <a:pPr marR="0" algn="l" rtl="0">
                         <a:lnSpc>
                           <a:spcPct val="107000"/>
                         </a:lnSpc>
+                        <a:spcBef>
+                          <a:spcPts val="0"/>
+                        </a:spcBef>
                         <a:spcAft>
                           <a:spcPts val="800"/>
                         </a:spcAft>
+                        <a:buClr>
+                          <a:srgbClr val="000000"/>
+                        </a:buClr>
+                        <a:buFont typeface="Arial"/>
                       </a:pPr>
                       <a:r>
-                        <a:rPr lang="en-US" sz="1100" kern="100" dirty="0">
+                        <a:rPr lang="en-US" sz="1100" b="0" i="0" u="none" strike="noStrike" kern="100" cap="none">
                           <a:solidFill>
                             <a:schemeClr val="bg1"/>
                           </a:solidFill>
                           <a:effectLst/>
                           <a:latin typeface="Maven Pro" panose="020B0604020202020204" charset="0"/>
+                          <a:cs typeface="Arial"/>
+                          <a:sym typeface="Arial"/>
                         </a:rPr>
-                        <a:t>hair, nail, nails, gel, lashes, lash, polish, eyelashes, glue, natural, false, extensions, oil, women, </a:t>
+                        <a:t>baby, toddler, girls, place, childrens, sleeve, newborn, months, long, infant, clothes, girl, graphic, cotton, boy, boys, tshirt, gymboree, pants, fall</a:t>
                       </a:r>
-                      <a:r>
-                        <a:rPr lang="en-US" sz="1100" kern="100" dirty="0" err="1">
-                          <a:solidFill>
-                            <a:schemeClr val="bg1"/>
-                          </a:solidFill>
-                          <a:effectLst/>
-                          <a:latin typeface="Maven Pro" panose="020B0604020202020204" charset="0"/>
-                        </a:rPr>
-                        <a:t>diy</a:t>
-                      </a:r>
-                      <a:r>
-                        <a:rPr lang="en-US" sz="1100" kern="100" dirty="0">
-                          <a:solidFill>
-                            <a:schemeClr val="bg1"/>
-                          </a:solidFill>
-                          <a:effectLst/>
-                          <a:latin typeface="Maven Pro" panose="020B0604020202020204" charset="0"/>
-                        </a:rPr>
-                        <a:t>, extension, tips, kit, wigs, eyelash</a:t>
-                      </a:r>
-                      <a:endParaRPr lang="es-MX" sz="1100" kern="100" dirty="0">
+                      <a:endParaRPr lang="es-MX" sz="1100" b="0" i="0" u="none" strike="noStrike" kern="100" cap="none">
                         <a:solidFill>
                           <a:schemeClr val="bg1"/>
                         </a:solidFill>
                         <a:effectLst/>
                         <a:latin typeface="Maven Pro" panose="020B0604020202020204" charset="0"/>
                         <a:ea typeface="Calibri" panose="020F0502020204030204" pitchFamily="34" charset="0"/>
-                        <a:cs typeface="Times New Roman" panose="02020603050405020304" pitchFamily="18" charset="0"/>
+                        <a:cs typeface="Arial"/>
+                        <a:sym typeface="Arial"/>
                       </a:endParaRPr>
                     </a:p>
                   </a:txBody>
@@ -18205,42 +18437,52 @@
                 </a:tc>
                 <a:extLst>
                   <a:ext uri="{0D108BD9-81ED-4DB2-BD59-A6C34878D82A}">
-                    <a16:rowId xmlns:a16="http://schemas.microsoft.com/office/drawing/2014/main" val="3456384119"/>
+                    <a16:rowId xmlns:a16="http://schemas.microsoft.com/office/drawing/2014/main" val="4208025678"/>
                   </a:ext>
                 </a:extLst>
               </a:tr>
-              <a:tr h="451120">
+              <a:tr h="355689">
                 <a:tc>
                   <a:txBody>
                     <a:bodyPr/>
                     <a:lstStyle/>
                     <a:p>
-                      <a:pPr>
+                      <a:pPr marR="0" algn="l" rtl="0">
                         <a:lnSpc>
                           <a:spcPct val="107000"/>
                         </a:lnSpc>
+                        <a:spcBef>
+                          <a:spcPts val="0"/>
+                        </a:spcBef>
                         <a:spcAft>
                           <a:spcPts val="800"/>
                         </a:spcAft>
+                        <a:buClr>
+                          <a:srgbClr val="000000"/>
+                        </a:buClr>
+                        <a:buFont typeface="Arial"/>
                       </a:pPr>
                       <a:r>
-                        <a:rPr lang="en-US" sz="1100" kern="100" dirty="0">
+                        <a:rPr lang="en-US" sz="1100" b="0" i="0" u="none" strike="noStrike" kern="100" cap="none">
                           <a:solidFill>
                             <a:schemeClr val="bg1"/>
                           </a:solidFill>
                           <a:effectLst/>
                           <a:latin typeface="Maven Pro" panose="020B0604020202020204" charset="0"/>
+                          <a:cs typeface="Arial"/>
+                          <a:sym typeface="Arial"/>
                         </a:rPr>
-                        <a:t>Cluster 1</a:t>
+                        <a:t>1</a:t>
                       </a:r>
-                      <a:endParaRPr lang="es-MX" sz="1100" kern="100" dirty="0">
+                      <a:endParaRPr lang="es-MX" sz="1100" b="0" i="0" u="none" strike="noStrike" kern="100" cap="none">
                         <a:solidFill>
                           <a:schemeClr val="bg1"/>
                         </a:solidFill>
                         <a:effectLst/>
                         <a:latin typeface="Maven Pro" panose="020B0604020202020204" charset="0"/>
                         <a:ea typeface="Calibri" panose="020F0502020204030204" pitchFamily="34" charset="0"/>
-                        <a:cs typeface="Times New Roman" panose="02020603050405020304" pitchFamily="18" charset="0"/>
+                        <a:cs typeface="Arial"/>
+                        <a:sym typeface="Arial"/>
                       </a:endParaRPr>
                     </a:p>
                   </a:txBody>
@@ -18251,42 +18493,66 @@
                     <a:bodyPr/>
                     <a:lstStyle/>
                     <a:p>
-                      <a:pPr>
+                      <a:pPr marR="0" algn="l" rtl="0">
                         <a:lnSpc>
                           <a:spcPct val="107000"/>
                         </a:lnSpc>
+                        <a:spcBef>
+                          <a:spcPts val="0"/>
+                        </a:spcBef>
                         <a:spcAft>
                           <a:spcPts val="800"/>
                         </a:spcAft>
+                        <a:buClr>
+                          <a:srgbClr val="000000"/>
+                        </a:buClr>
+                        <a:buFont typeface="Arial"/>
                       </a:pPr>
                       <a:r>
-                        <a:rPr lang="en-US" sz="1100" kern="100" dirty="0" err="1">
+                        <a:rPr lang="en-US" sz="1100" b="0" i="0" u="none" strike="noStrike" kern="100" cap="none" dirty="0">
                           <a:solidFill>
                             <a:schemeClr val="bg1"/>
                           </a:solidFill>
                           <a:effectLst/>
                           <a:latin typeface="Maven Pro" panose="020B0604020202020204" charset="0"/>
+                          <a:cs typeface="Arial"/>
+                          <a:sym typeface="Arial"/>
                         </a:rPr>
-                        <a:t>halloween</a:t>
+                        <a:t>bag, gifts, toys, kids, birthday, girls, boys, gift, women, </a:t>
                       </a:r>
                       <a:r>
-                        <a:rPr lang="en-US" sz="1100" kern="100" dirty="0">
+                        <a:rPr lang="en-US" sz="1100" b="0" i="0" u="none" strike="noStrike" kern="100" cap="none" dirty="0" err="1">
                           <a:solidFill>
                             <a:schemeClr val="bg1"/>
                           </a:solidFill>
                           <a:effectLst/>
                           <a:latin typeface="Maven Pro" panose="020B0604020202020204" charset="0"/>
+                          <a:cs typeface="Arial"/>
+                          <a:sym typeface="Arial"/>
                         </a:rPr>
-                        <a:t>, costume, party, decorations, cosplay, decor, outdoor, kids, lights, dress, yard, pumpkin, girls, spider, indoor, decoration, led, witch, costumes, pcs</a:t>
+                        <a:t>christmas</a:t>
                       </a:r>
-                      <a:endParaRPr lang="es-MX" sz="1100" kern="100" dirty="0">
+                      <a:r>
+                        <a:rPr lang="en-US" sz="1100" b="0" i="0" u="none" strike="noStrike" kern="100" cap="none" dirty="0">
+                          <a:solidFill>
+                            <a:schemeClr val="bg1"/>
+                          </a:solidFill>
+                          <a:effectLst/>
+                          <a:latin typeface="Maven Pro" panose="020B0604020202020204" charset="0"/>
+                          <a:cs typeface="Arial"/>
+                          <a:sym typeface="Arial"/>
+                        </a:rPr>
+                        <a:t>, travel, old, toy, bags, party, year, crossbody, makeup, ages, learning</a:t>
+                      </a:r>
+                      <a:endParaRPr lang="es-MX" sz="1100" b="0" i="0" u="none" strike="noStrike" kern="100" cap="none" dirty="0">
                         <a:solidFill>
                           <a:schemeClr val="bg1"/>
                         </a:solidFill>
                         <a:effectLst/>
                         <a:latin typeface="Maven Pro" panose="020B0604020202020204" charset="0"/>
                         <a:ea typeface="Calibri" panose="020F0502020204030204" pitchFamily="34" charset="0"/>
-                        <a:cs typeface="Times New Roman" panose="02020603050405020304" pitchFamily="18" charset="0"/>
+                        <a:cs typeface="Arial"/>
+                        <a:sym typeface="Arial"/>
                       </a:endParaRPr>
                     </a:p>
                   </a:txBody>
@@ -18294,42 +18560,52 @@
                 </a:tc>
                 <a:extLst>
                   <a:ext uri="{0D108BD9-81ED-4DB2-BD59-A6C34878D82A}">
-                    <a16:rowId xmlns:a16="http://schemas.microsoft.com/office/drawing/2014/main" val="1157638736"/>
+                    <a16:rowId xmlns:a16="http://schemas.microsoft.com/office/drawing/2014/main" val="3198067216"/>
                   </a:ext>
                 </a:extLst>
               </a:tr>
-              <a:tr h="374033">
+              <a:tr h="541218">
                 <a:tc>
                   <a:txBody>
                     <a:bodyPr/>
                     <a:lstStyle/>
                     <a:p>
-                      <a:pPr>
+                      <a:pPr marR="0" algn="l" rtl="0">
                         <a:lnSpc>
                           <a:spcPct val="107000"/>
                         </a:lnSpc>
+                        <a:spcBef>
+                          <a:spcPts val="0"/>
+                        </a:spcBef>
                         <a:spcAft>
                           <a:spcPts val="800"/>
                         </a:spcAft>
+                        <a:buClr>
+                          <a:srgbClr val="000000"/>
+                        </a:buClr>
+                        <a:buFont typeface="Arial"/>
                       </a:pPr>
                       <a:r>
-                        <a:rPr lang="en-US" sz="1100" kern="100">
+                        <a:rPr lang="en-US" sz="1100" b="0" i="0" u="none" strike="noStrike" kern="100" cap="none">
                           <a:solidFill>
                             <a:schemeClr val="bg1"/>
                           </a:solidFill>
                           <a:effectLst/>
                           <a:latin typeface="Maven Pro" panose="020B0604020202020204" charset="0"/>
+                          <a:cs typeface="Arial"/>
+                          <a:sym typeface="Arial"/>
                         </a:rPr>
-                        <a:t>Cluster 2</a:t>
+                        <a:t>2</a:t>
                       </a:r>
-                      <a:endParaRPr lang="es-MX" sz="1100" kern="100">
+                      <a:endParaRPr lang="es-MX" sz="1100" b="0" i="0" u="none" strike="noStrike" kern="100" cap="none">
                         <a:solidFill>
                           <a:schemeClr val="bg1"/>
                         </a:solidFill>
                         <a:effectLst/>
                         <a:latin typeface="Maven Pro" panose="020B0604020202020204" charset="0"/>
                         <a:ea typeface="Calibri" panose="020F0502020204030204" pitchFamily="34" charset="0"/>
-                        <a:cs typeface="Times New Roman" panose="02020603050405020304" pitchFamily="18" charset="0"/>
+                        <a:cs typeface="Arial"/>
+                        <a:sym typeface="Arial"/>
                       </a:endParaRPr>
                     </a:p>
                   </a:txBody>
@@ -18340,72 +18616,66 @@
                     <a:bodyPr/>
                     <a:lstStyle/>
                     <a:p>
-                      <a:pPr>
+                      <a:pPr marR="0" algn="l" rtl="0">
                         <a:lnSpc>
                           <a:spcPct val="107000"/>
                         </a:lnSpc>
+                        <a:spcBef>
+                          <a:spcPts val="0"/>
+                        </a:spcBef>
                         <a:spcAft>
                           <a:spcPts val="800"/>
                         </a:spcAft>
+                        <a:buClr>
+                          <a:srgbClr val="000000"/>
+                        </a:buClr>
+                        <a:buFont typeface="Arial"/>
                       </a:pPr>
                       <a:r>
-                        <a:rPr lang="en-US" sz="1100" kern="100" dirty="0">
+                        <a:rPr lang="en-US" sz="1100" b="0" i="0" u="none" strike="noStrike" kern="100" cap="none" dirty="0">
                           <a:solidFill>
                             <a:schemeClr val="bg1"/>
                           </a:solidFill>
                           <a:effectLst/>
                           <a:latin typeface="Maven Pro" panose="020B0604020202020204" charset="0"/>
+                          <a:cs typeface="Arial"/>
+                          <a:sym typeface="Arial"/>
                         </a:rPr>
-                        <a:t>bag, crossbody, bare, travel, sock, </a:t>
+                        <a:t>costume, </a:t>
                       </a:r>
                       <a:r>
-                        <a:rPr lang="en-US" sz="1100" kern="100" dirty="0" err="1">
+                        <a:rPr lang="en-US" sz="1100" b="0" i="0" u="none" strike="noStrike" kern="100" cap="none" dirty="0" err="1">
                           <a:solidFill>
                             <a:schemeClr val="bg1"/>
                           </a:solidFill>
                           <a:effectLst/>
                           <a:latin typeface="Maven Pro" panose="020B0604020202020204" charset="0"/>
+                          <a:cs typeface="Arial"/>
+                          <a:sym typeface="Arial"/>
                         </a:rPr>
-                        <a:t>nfl</a:t>
+                        <a:t>halloween</a:t>
                       </a:r>
                       <a:r>
-                        <a:rPr lang="en-US" sz="1100" kern="100" dirty="0">
+                        <a:rPr lang="en-US" sz="1100" b="0" i="0" u="none" strike="noStrike" kern="100" cap="none" dirty="0">
                           <a:solidFill>
                             <a:schemeClr val="bg1"/>
                           </a:solidFill>
                           <a:effectLst/>
                           <a:latin typeface="Maven Pro" panose="020B0604020202020204" charset="0"/>
+                          <a:cs typeface="Arial"/>
+                          <a:sym typeface="Arial"/>
                         </a:rPr>
-                        <a:t>, feet, bags, women, large, team, makeup, color, </a:t>
+                        <a:t>, cosplay, dress, girls, women, party, costumes, wig, kids, adult, outfit, accessories, princess, set, headband, men, renaissance, hat, outfits</a:t>
                       </a:r>
-                      <a:r>
-                        <a:rPr lang="en-US" sz="1100" kern="100" dirty="0" err="1">
-                          <a:solidFill>
-                            <a:schemeClr val="bg1"/>
-                          </a:solidFill>
-                          <a:effectLst/>
-                          <a:latin typeface="Maven Pro" panose="020B0604020202020204" charset="0"/>
-                        </a:rPr>
-                        <a:t>mvp</a:t>
-                      </a:r>
-                      <a:r>
-                        <a:rPr lang="en-US" sz="1100" kern="100" dirty="0">
-                          <a:solidFill>
-                            <a:schemeClr val="bg1"/>
-                          </a:solidFill>
-                          <a:effectLst/>
-                          <a:latin typeface="Maven Pro" panose="020B0604020202020204" charset="0"/>
-                        </a:rPr>
-                        <a:t>, shoulder, crew, purse, tote, cosmetic, clear</a:t>
-                      </a:r>
-                      <a:endParaRPr lang="es-MX" sz="1100" kern="100" dirty="0">
+                      <a:endParaRPr lang="es-MX" sz="1100" b="0" i="0" u="none" strike="noStrike" kern="100" cap="none" dirty="0">
                         <a:solidFill>
                           <a:schemeClr val="bg1"/>
                         </a:solidFill>
                         <a:effectLst/>
                         <a:latin typeface="Maven Pro" panose="020B0604020202020204" charset="0"/>
                         <a:ea typeface="Calibri" panose="020F0502020204030204" pitchFamily="34" charset="0"/>
-                        <a:cs typeface="Times New Roman" panose="02020603050405020304" pitchFamily="18" charset="0"/>
+                        <a:cs typeface="Arial"/>
+                        <a:sym typeface="Arial"/>
                       </a:endParaRPr>
                     </a:p>
                   </a:txBody>
@@ -18413,42 +18683,52 @@
                 </a:tc>
                 <a:extLst>
                   <a:ext uri="{0D108BD9-81ED-4DB2-BD59-A6C34878D82A}">
-                    <a16:rowId xmlns:a16="http://schemas.microsoft.com/office/drawing/2014/main" val="999008137"/>
+                    <a16:rowId xmlns:a16="http://schemas.microsoft.com/office/drawing/2014/main" val="3475922541"/>
                   </a:ext>
                 </a:extLst>
               </a:tr>
-              <a:tr h="374033">
+              <a:tr h="541218">
                 <a:tc>
                   <a:txBody>
                     <a:bodyPr/>
                     <a:lstStyle/>
                     <a:p>
-                      <a:pPr>
+                      <a:pPr marR="0" algn="l" rtl="0">
                         <a:lnSpc>
                           <a:spcPct val="107000"/>
                         </a:lnSpc>
+                        <a:spcBef>
+                          <a:spcPts val="0"/>
+                        </a:spcBef>
                         <a:spcAft>
                           <a:spcPts val="800"/>
                         </a:spcAft>
+                        <a:buClr>
+                          <a:srgbClr val="000000"/>
+                        </a:buClr>
+                        <a:buFont typeface="Arial"/>
                       </a:pPr>
                       <a:r>
-                        <a:rPr lang="en-US" sz="1100" kern="100">
+                        <a:rPr lang="en-US" sz="1100" b="0" i="0" u="none" strike="noStrike" kern="100" cap="none">
                           <a:solidFill>
                             <a:schemeClr val="bg1"/>
                           </a:solidFill>
                           <a:effectLst/>
                           <a:latin typeface="Maven Pro" panose="020B0604020202020204" charset="0"/>
+                          <a:cs typeface="Arial"/>
+                          <a:sym typeface="Arial"/>
                         </a:rPr>
-                        <a:t>Cluster 3</a:t>
+                        <a:t>3</a:t>
                       </a:r>
-                      <a:endParaRPr lang="es-MX" sz="1100" kern="100">
+                      <a:endParaRPr lang="es-MX" sz="1100" b="0" i="0" u="none" strike="noStrike" kern="100" cap="none">
                         <a:solidFill>
                           <a:schemeClr val="bg1"/>
                         </a:solidFill>
                         <a:effectLst/>
                         <a:latin typeface="Maven Pro" panose="020B0604020202020204" charset="0"/>
                         <a:ea typeface="Calibri" panose="020F0502020204030204" pitchFamily="34" charset="0"/>
-                        <a:cs typeface="Times New Roman" panose="02020603050405020304" pitchFamily="18" charset="0"/>
+                        <a:cs typeface="Arial"/>
+                        <a:sym typeface="Arial"/>
                       </a:endParaRPr>
                     </a:p>
                   </a:txBody>
@@ -18459,82 +18739,42 @@
                     <a:bodyPr/>
                     <a:lstStyle/>
                     <a:p>
-                      <a:pPr>
+                      <a:pPr marR="0" algn="l" rtl="0">
                         <a:lnSpc>
                           <a:spcPct val="107000"/>
                         </a:lnSpc>
+                        <a:spcBef>
+                          <a:spcPts val="0"/>
+                        </a:spcBef>
                         <a:spcAft>
                           <a:spcPts val="800"/>
                         </a:spcAft>
+                        <a:buClr>
+                          <a:srgbClr val="000000"/>
+                        </a:buClr>
+                        <a:buFont typeface="Arial"/>
                       </a:pPr>
                       <a:r>
-                        <a:rPr lang="en-US" sz="1100" kern="100" dirty="0" err="1">
+                        <a:rPr lang="en-US" sz="1100" b="0" i="0" u="none" strike="noStrike" kern="100" cap="none">
                           <a:solidFill>
                             <a:schemeClr val="bg1"/>
                           </a:solidFill>
                           <a:effectLst/>
                           <a:latin typeface="Maven Pro" panose="020B0604020202020204" charset="0"/>
+                          <a:cs typeface="Arial"/>
+                          <a:sym typeface="Arial"/>
                         </a:rPr>
-                        <a:t>womens</a:t>
+                        <a:t>halloween, decorations, lights, outdoor, decor, party, yard, indoor, pumpkin, spider, decoration, led, garden, ghost, scary, lawn, candles, skeleton, home, hanging</a:t>
                       </a:r>
-                      <a:r>
-                        <a:rPr lang="en-US" sz="1100" kern="100" dirty="0">
-                          <a:solidFill>
-                            <a:schemeClr val="bg1"/>
-                          </a:solidFill>
-                          <a:effectLst/>
-                          <a:latin typeface="Maven Pro" panose="020B0604020202020204" charset="0"/>
-                        </a:rPr>
-                        <a:t>, </a:t>
-                      </a:r>
-                      <a:r>
-                        <a:rPr lang="en-US" sz="1100" kern="100" dirty="0" err="1">
-                          <a:solidFill>
-                            <a:schemeClr val="bg1"/>
-                          </a:solidFill>
-                          <a:effectLst/>
-                          <a:latin typeface="Maven Pro" panose="020B0604020202020204" charset="0"/>
-                        </a:rPr>
-                        <a:t>mens</a:t>
-                      </a:r>
-                      <a:r>
-                        <a:rPr lang="en-US" sz="1100" kern="100" dirty="0">
-                          <a:solidFill>
-                            <a:schemeClr val="bg1"/>
-                          </a:solidFill>
-                          <a:effectLst/>
-                          <a:latin typeface="Maven Pro" panose="020B0604020202020204" charset="0"/>
-                        </a:rPr>
-                        <a:t>, shoes, women, boots, toe, dress, high, casual, pants, </a:t>
-                      </a:r>
-                      <a:r>
-                        <a:rPr lang="en-US" sz="1100" kern="100" dirty="0" err="1">
-                          <a:solidFill>
-                            <a:schemeClr val="bg1"/>
-                          </a:solidFill>
-                          <a:effectLst/>
-                          <a:latin typeface="Maven Pro" panose="020B0604020202020204" charset="0"/>
-                        </a:rPr>
-                        <a:t>psd</a:t>
-                      </a:r>
-                      <a:r>
-                        <a:rPr lang="en-US" sz="1100" kern="100" dirty="0">
-                          <a:solidFill>
-                            <a:schemeClr val="bg1"/>
-                          </a:solidFill>
-                          <a:effectLst/>
-                          <a:latin typeface="Maven Pro" panose="020B0604020202020204" charset="0"/>
-                        </a:rPr>
-                        <a:t>, slip, sandals, boxer, jacket, ankle, briefs, sneakers, yoga, walking</a:t>
-                      </a:r>
-                      <a:endParaRPr lang="es-MX" sz="1100" kern="100" dirty="0">
+                      <a:endParaRPr lang="es-MX" sz="1100" b="0" i="0" u="none" strike="noStrike" kern="100" cap="none">
                         <a:solidFill>
                           <a:schemeClr val="bg1"/>
                         </a:solidFill>
                         <a:effectLst/>
                         <a:latin typeface="Maven Pro" panose="020B0604020202020204" charset="0"/>
                         <a:ea typeface="Calibri" panose="020F0502020204030204" pitchFamily="34" charset="0"/>
-                        <a:cs typeface="Times New Roman" panose="02020603050405020304" pitchFamily="18" charset="0"/>
+                        <a:cs typeface="Arial"/>
+                        <a:sym typeface="Arial"/>
                       </a:endParaRPr>
                     </a:p>
                   </a:txBody>
@@ -18542,42 +18782,52 @@
                 </a:tc>
                 <a:extLst>
                   <a:ext uri="{0D108BD9-81ED-4DB2-BD59-A6C34878D82A}">
-                    <a16:rowId xmlns:a16="http://schemas.microsoft.com/office/drawing/2014/main" val="307210309"/>
+                    <a16:rowId xmlns:a16="http://schemas.microsoft.com/office/drawing/2014/main" val="3064887175"/>
                   </a:ext>
                 </a:extLst>
               </a:tr>
-              <a:tr h="374033">
+              <a:tr h="541218">
                 <a:tc>
                   <a:txBody>
                     <a:bodyPr/>
                     <a:lstStyle/>
                     <a:p>
-                      <a:pPr>
+                      <a:pPr marR="0" algn="l" rtl="0">
                         <a:lnSpc>
                           <a:spcPct val="107000"/>
                         </a:lnSpc>
+                        <a:spcBef>
+                          <a:spcPts val="0"/>
+                        </a:spcBef>
                         <a:spcAft>
                           <a:spcPts val="800"/>
                         </a:spcAft>
+                        <a:buClr>
+                          <a:srgbClr val="000000"/>
+                        </a:buClr>
+                        <a:buFont typeface="Arial"/>
                       </a:pPr>
                       <a:r>
-                        <a:rPr lang="en-US" sz="1100" kern="100">
+                        <a:rPr lang="en-US" sz="1100" b="0" i="0" u="none" strike="noStrike" kern="100" cap="none">
                           <a:solidFill>
                             <a:schemeClr val="bg1"/>
                           </a:solidFill>
                           <a:effectLst/>
                           <a:latin typeface="Maven Pro" panose="020B0604020202020204" charset="0"/>
+                          <a:cs typeface="Arial"/>
+                          <a:sym typeface="Arial"/>
                         </a:rPr>
-                        <a:t>Cluster 4</a:t>
+                        <a:t>4</a:t>
                       </a:r>
-                      <a:endParaRPr lang="es-MX" sz="1100" kern="100">
+                      <a:endParaRPr lang="es-MX" sz="1100" b="0" i="0" u="none" strike="noStrike" kern="100" cap="none">
                         <a:solidFill>
                           <a:schemeClr val="bg1"/>
                         </a:solidFill>
                         <a:effectLst/>
                         <a:latin typeface="Maven Pro" panose="020B0604020202020204" charset="0"/>
                         <a:ea typeface="Calibri" panose="020F0502020204030204" pitchFamily="34" charset="0"/>
-                        <a:cs typeface="Times New Roman" panose="02020603050405020304" pitchFamily="18" charset="0"/>
+                        <a:cs typeface="Arial"/>
+                        <a:sym typeface="Arial"/>
                       </a:endParaRPr>
                     </a:p>
                   </a:txBody>
@@ -18588,32 +18838,90 @@
                     <a:bodyPr/>
                     <a:lstStyle/>
                     <a:p>
-                      <a:pPr>
+                      <a:pPr marR="0" algn="l" rtl="0">
                         <a:lnSpc>
                           <a:spcPct val="107000"/>
                         </a:lnSpc>
+                        <a:spcBef>
+                          <a:spcPts val="0"/>
+                        </a:spcBef>
                         <a:spcAft>
                           <a:spcPts val="800"/>
                         </a:spcAft>
+                        <a:buClr>
+                          <a:srgbClr val="000000"/>
+                        </a:buClr>
+                        <a:buFont typeface="Arial"/>
                       </a:pPr>
                       <a:r>
-                        <a:rPr lang="en-US" sz="1100" kern="100" dirty="0">
+                        <a:rPr lang="en-US" sz="1100" b="0" i="0" u="none" strike="noStrike" kern="100" cap="none" dirty="0">
                           <a:solidFill>
                             <a:schemeClr val="bg1"/>
                           </a:solidFill>
                           <a:effectLst/>
                           <a:latin typeface="Maven Pro" panose="020B0604020202020204" charset="0"/>
+                          <a:cs typeface="Arial"/>
+                          <a:sym typeface="Arial"/>
                         </a:rPr>
-                        <a:t>dog, dogs, small, medium, pet, large, collar, puppy, cat, food, adjustable, water, harness, toys, training, chew, cats, soft, muzzle, clothes</a:t>
+                        <a:t>shoes, boots, toe, </a:t>
                       </a:r>
-                      <a:endParaRPr lang="es-MX" sz="1100" kern="100" dirty="0">
+                      <a:r>
+                        <a:rPr lang="en-US" sz="1100" b="0" i="0" u="none" strike="noStrike" kern="100" cap="none" dirty="0" err="1">
+                          <a:solidFill>
+                            <a:schemeClr val="bg1"/>
+                          </a:solidFill>
+                          <a:effectLst/>
+                          <a:latin typeface="Maven Pro" panose="020B0604020202020204" charset="0"/>
+                          <a:cs typeface="Arial"/>
+                          <a:sym typeface="Arial"/>
+                        </a:rPr>
+                        <a:t>womens</a:t>
+                      </a:r>
+                      <a:r>
+                        <a:rPr lang="en-US" sz="1100" b="0" i="0" u="none" strike="noStrike" kern="100" cap="none" dirty="0">
+                          <a:solidFill>
+                            <a:schemeClr val="bg1"/>
+                          </a:solidFill>
+                          <a:effectLst/>
+                          <a:latin typeface="Maven Pro" panose="020B0604020202020204" charset="0"/>
+                          <a:cs typeface="Arial"/>
+                          <a:sym typeface="Arial"/>
+                        </a:rPr>
+                        <a:t>, slip, sandals, sneakers, ankle, walking, comfortable, women, heel, lightweight, platform, </a:t>
+                      </a:r>
+                      <a:r>
+                        <a:rPr lang="en-US" sz="1100" b="0" i="0" u="none" strike="noStrike" kern="100" cap="none" dirty="0" err="1">
+                          <a:solidFill>
+                            <a:schemeClr val="bg1"/>
+                          </a:solidFill>
+                          <a:effectLst/>
+                          <a:latin typeface="Maven Pro" panose="020B0604020202020204" charset="0"/>
+                          <a:cs typeface="Arial"/>
+                          <a:sym typeface="Arial"/>
+                        </a:rPr>
+                        <a:t>mens</a:t>
+                      </a:r>
+                      <a:r>
+                        <a:rPr lang="en-US" sz="1100" b="0" i="0" u="none" strike="noStrike" kern="100" cap="none" dirty="0">
+                          <a:solidFill>
+                            <a:schemeClr val="bg1"/>
+                          </a:solidFill>
+                          <a:effectLst/>
+                          <a:latin typeface="Maven Pro" panose="020B0604020202020204" charset="0"/>
+                          <a:cs typeface="Arial"/>
+                          <a:sym typeface="Arial"/>
+                        </a:rPr>
+                        <a:t>, chunky, dress, casual, heels, low</a:t>
+                      </a:r>
+                      <a:endParaRPr lang="es-MX" sz="1100" b="0" i="0" u="none" strike="noStrike" kern="100" cap="none" dirty="0">
                         <a:solidFill>
                           <a:schemeClr val="bg1"/>
                         </a:solidFill>
                         <a:effectLst/>
                         <a:latin typeface="Maven Pro" panose="020B0604020202020204" charset="0"/>
                         <a:ea typeface="Calibri" panose="020F0502020204030204" pitchFamily="34" charset="0"/>
-                        <a:cs typeface="Times New Roman" panose="02020603050405020304" pitchFamily="18" charset="0"/>
+                        <a:cs typeface="Arial"/>
+                        <a:sym typeface="Arial"/>
                       </a:endParaRPr>
                     </a:p>
                   </a:txBody>
@@ -18621,42 +18929,52 @@
                 </a:tc>
                 <a:extLst>
                   <a:ext uri="{0D108BD9-81ED-4DB2-BD59-A6C34878D82A}">
-                    <a16:rowId xmlns:a16="http://schemas.microsoft.com/office/drawing/2014/main" val="2885833945"/>
+                    <a16:rowId xmlns:a16="http://schemas.microsoft.com/office/drawing/2014/main" val="3887386762"/>
                   </a:ext>
                 </a:extLst>
               </a:tr>
-              <a:tr h="374033">
+              <a:tr h="355689">
                 <a:tc>
                   <a:txBody>
                     <a:bodyPr/>
                     <a:lstStyle/>
                     <a:p>
-                      <a:pPr>
+                      <a:pPr marR="0" algn="l" rtl="0">
                         <a:lnSpc>
                           <a:spcPct val="107000"/>
                         </a:lnSpc>
+                        <a:spcBef>
+                          <a:spcPts val="0"/>
+                        </a:spcBef>
                         <a:spcAft>
                           <a:spcPts val="800"/>
                         </a:spcAft>
+                        <a:buClr>
+                          <a:srgbClr val="000000"/>
+                        </a:buClr>
+                        <a:buFont typeface="Arial"/>
                       </a:pPr>
                       <a:r>
-                        <a:rPr lang="en-US" sz="1100" kern="100">
+                        <a:rPr lang="en-US" sz="1100" b="0" i="0" u="none" strike="noStrike" kern="100" cap="none">
                           <a:solidFill>
                             <a:schemeClr val="bg1"/>
                           </a:solidFill>
                           <a:effectLst/>
                           <a:latin typeface="Maven Pro" panose="020B0604020202020204" charset="0"/>
+                          <a:cs typeface="Arial"/>
+                          <a:sym typeface="Arial"/>
                         </a:rPr>
-                        <a:t>Cluster 5</a:t>
+                        <a:t>5</a:t>
                       </a:r>
-                      <a:endParaRPr lang="es-MX" sz="1100" kern="100">
+                      <a:endParaRPr lang="es-MX" sz="1100" b="0" i="0" u="none" strike="noStrike" kern="100" cap="none">
                         <a:solidFill>
                           <a:schemeClr val="bg1"/>
                         </a:solidFill>
                         <a:effectLst/>
                         <a:latin typeface="Maven Pro" panose="020B0604020202020204" charset="0"/>
                         <a:ea typeface="Calibri" panose="020F0502020204030204" pitchFamily="34" charset="0"/>
-                        <a:cs typeface="Times New Roman" panose="02020603050405020304" pitchFamily="18" charset="0"/>
+                        <a:cs typeface="Arial"/>
+                        <a:sym typeface="Arial"/>
                       </a:endParaRPr>
                     </a:p>
                   </a:txBody>
@@ -18667,32 +18985,102 @@
                     <a:bodyPr/>
                     <a:lstStyle/>
                     <a:p>
-                      <a:pPr>
+                      <a:pPr marR="0" algn="l" rtl="0">
                         <a:lnSpc>
                           <a:spcPct val="107000"/>
                         </a:lnSpc>
+                        <a:spcBef>
+                          <a:spcPts val="0"/>
+                        </a:spcBef>
                         <a:spcAft>
                           <a:spcPts val="800"/>
                         </a:spcAft>
+                        <a:buClr>
+                          <a:srgbClr val="000000"/>
+                        </a:buClr>
+                        <a:buFont typeface="Arial"/>
                       </a:pPr>
                       <a:r>
-                        <a:rPr lang="en-US" sz="1100" kern="100" dirty="0">
+                        <a:rPr lang="en-US" sz="1100" b="0" i="0" u="none" strike="noStrike" kern="100" cap="none" dirty="0" err="1">
                           <a:solidFill>
                             <a:schemeClr val="bg1"/>
                           </a:solidFill>
                           <a:effectLst/>
                           <a:latin typeface="Maven Pro" panose="020B0604020202020204" charset="0"/>
+                          <a:cs typeface="Arial"/>
+                          <a:sym typeface="Arial"/>
                         </a:rPr>
-                        <a:t>pack, oz, set, black, inch, storage, home, white, party, 12, light, kitchen, women, water, pillow, table, free, cover, bathroom, decor</a:t>
+                        <a:t>womens</a:t>
                       </a:r>
-                      <a:endParaRPr lang="es-MX" sz="1100" kern="100" dirty="0">
+                      <a:r>
+                        <a:rPr lang="en-US" sz="1100" b="0" i="0" u="none" strike="noStrike" kern="100" cap="none" dirty="0">
+                          <a:solidFill>
+                            <a:schemeClr val="bg1"/>
+                          </a:solidFill>
+                          <a:effectLst/>
+                          <a:latin typeface="Maven Pro" panose="020B0604020202020204" charset="0"/>
+                          <a:cs typeface="Arial"/>
+                          <a:sym typeface="Arial"/>
+                        </a:rPr>
+                        <a:t>, sleeve, </a:t>
+                      </a:r>
+                      <a:r>
+                        <a:rPr lang="en-US" sz="1100" b="0" i="0" u="none" strike="noStrike" kern="100" cap="none" dirty="0" err="1">
+                          <a:solidFill>
+                            <a:schemeClr val="bg1"/>
+                          </a:solidFill>
+                          <a:effectLst/>
+                          <a:latin typeface="Maven Pro" panose="020B0604020202020204" charset="0"/>
+                          <a:cs typeface="Arial"/>
+                          <a:sym typeface="Arial"/>
+                        </a:rPr>
+                        <a:t>mens</a:t>
+                      </a:r>
+                      <a:r>
+                        <a:rPr lang="en-US" sz="1100" b="0" i="0" u="none" strike="noStrike" kern="100" cap="none" dirty="0">
+                          <a:solidFill>
+                            <a:schemeClr val="bg1"/>
+                          </a:solidFill>
+                          <a:effectLst/>
+                          <a:latin typeface="Maven Pro" panose="020B0604020202020204" charset="0"/>
+                          <a:cs typeface="Arial"/>
+                          <a:sym typeface="Arial"/>
+                        </a:rPr>
+                        <a:t>, tops, casual, women, long, shirts, shirt, short, pullover, dress, pants, jacket, neck, </a:t>
+                      </a:r>
+                      <a:r>
+                        <a:rPr lang="en-US" sz="1100" b="0" i="0" u="none" strike="noStrike" kern="100" cap="none" dirty="0" err="1">
+                          <a:solidFill>
+                            <a:schemeClr val="bg1"/>
+                          </a:solidFill>
+                          <a:effectLst/>
+                          <a:latin typeface="Maven Pro" panose="020B0604020202020204" charset="0"/>
+                          <a:cs typeface="Arial"/>
+                          <a:sym typeface="Arial"/>
+                        </a:rPr>
+                        <a:t>psd</a:t>
+                      </a:r>
+                      <a:r>
+                        <a:rPr lang="en-US" sz="1100" b="0" i="0" u="none" strike="noStrike" kern="100" cap="none" dirty="0">
+                          <a:solidFill>
+                            <a:schemeClr val="bg1"/>
+                          </a:solidFill>
+                          <a:effectLst/>
+                          <a:latin typeface="Maven Pro" panose="020B0604020202020204" charset="0"/>
+                          <a:cs typeface="Arial"/>
+                          <a:sym typeface="Arial"/>
+                        </a:rPr>
+                        <a:t>, fit, summer, boxer, yoga</a:t>
+                      </a:r>
+                      <a:endParaRPr lang="es-MX" sz="1100" b="0" i="0" u="none" strike="noStrike" kern="100" cap="none" dirty="0">
                         <a:solidFill>
                           <a:schemeClr val="bg1"/>
                         </a:solidFill>
                         <a:effectLst/>
                         <a:latin typeface="Maven Pro" panose="020B0604020202020204" charset="0"/>
                         <a:ea typeface="Calibri" panose="020F0502020204030204" pitchFamily="34" charset="0"/>
-                        <a:cs typeface="Times New Roman" panose="02020603050405020304" pitchFamily="18" charset="0"/>
+                        <a:cs typeface="Arial"/>
+                        <a:sym typeface="Arial"/>
                       </a:endParaRPr>
                     </a:p>
                   </a:txBody>
@@ -18700,42 +19088,52 @@
                 </a:tc>
                 <a:extLst>
                   <a:ext uri="{0D108BD9-81ED-4DB2-BD59-A6C34878D82A}">
-                    <a16:rowId xmlns:a16="http://schemas.microsoft.com/office/drawing/2014/main" val="2261204826"/>
+                    <a16:rowId xmlns:a16="http://schemas.microsoft.com/office/drawing/2014/main" val="490858691"/>
                   </a:ext>
                 </a:extLst>
               </a:tr>
-              <a:tr h="374033">
+              <a:tr h="355689">
                 <a:tc>
                   <a:txBody>
                     <a:bodyPr/>
                     <a:lstStyle/>
                     <a:p>
-                      <a:pPr>
+                      <a:pPr marR="0" algn="l" rtl="0">
                         <a:lnSpc>
                           <a:spcPct val="107000"/>
                         </a:lnSpc>
+                        <a:spcBef>
+                          <a:spcPts val="0"/>
+                        </a:spcBef>
                         <a:spcAft>
                           <a:spcPts val="800"/>
                         </a:spcAft>
+                        <a:buClr>
+                          <a:srgbClr val="000000"/>
+                        </a:buClr>
+                        <a:buFont typeface="Arial"/>
                       </a:pPr>
                       <a:r>
-                        <a:rPr lang="en-US" sz="1100" kern="100">
+                        <a:rPr lang="en-US" sz="1100" b="0" i="0" u="none" strike="noStrike" kern="100" cap="none">
                           <a:solidFill>
                             <a:schemeClr val="bg1"/>
                           </a:solidFill>
                           <a:effectLst/>
                           <a:latin typeface="Maven Pro" panose="020B0604020202020204" charset="0"/>
+                          <a:cs typeface="Arial"/>
+                          <a:sym typeface="Arial"/>
                         </a:rPr>
-                        <a:t>Cluster 6</a:t>
+                        <a:t>6</a:t>
                       </a:r>
-                      <a:endParaRPr lang="es-MX" sz="1100" kern="100">
+                      <a:endParaRPr lang="es-MX" sz="1100" b="0" i="0" u="none" strike="noStrike" kern="100" cap="none">
                         <a:solidFill>
                           <a:schemeClr val="bg1"/>
                         </a:solidFill>
                         <a:effectLst/>
                         <a:latin typeface="Maven Pro" panose="020B0604020202020204" charset="0"/>
                         <a:ea typeface="Calibri" panose="020F0502020204030204" pitchFamily="34" charset="0"/>
-                        <a:cs typeface="Times New Roman" panose="02020603050405020304" pitchFamily="18" charset="0"/>
+                        <a:cs typeface="Arial"/>
+                        <a:sym typeface="Arial"/>
                       </a:endParaRPr>
                     </a:p>
                   </a:txBody>
@@ -18746,52 +19144,42 @@
                     <a:bodyPr/>
                     <a:lstStyle/>
                     <a:p>
-                      <a:pPr>
+                      <a:pPr marR="0" algn="l" rtl="0">
                         <a:lnSpc>
                           <a:spcPct val="107000"/>
                         </a:lnSpc>
+                        <a:spcBef>
+                          <a:spcPts val="0"/>
+                        </a:spcBef>
                         <a:spcAft>
                           <a:spcPts val="800"/>
                         </a:spcAft>
+                        <a:buClr>
+                          <a:srgbClr val="000000"/>
+                        </a:buClr>
+                        <a:buFont typeface="Arial"/>
                       </a:pPr>
                       <a:r>
-                        <a:rPr lang="en-US" sz="1100" kern="100" dirty="0">
+                        <a:rPr lang="en-US" sz="1100" b="0" i="0" u="none" strike="noStrike" kern="100" cap="none" dirty="0">
                           <a:solidFill>
                             <a:schemeClr val="bg1"/>
                           </a:solidFill>
                           <a:effectLst/>
                           <a:latin typeface="Maven Pro" panose="020B0604020202020204" charset="0"/>
+                          <a:cs typeface="Arial"/>
+                          <a:sym typeface="Arial"/>
                         </a:rPr>
-                        <a:t>baby, kids, girls, toys, gifts, boys, toddler, birthday, </a:t>
+                        <a:t>pack, oz, hair, set, inch, black, women, nail, oil, party, home, white, kit, pillow, 12, light, water, men, soft, free</a:t>
                       </a:r>
-                      <a:r>
-                        <a:rPr lang="en-US" sz="1100" kern="100" dirty="0" err="1">
-                          <a:solidFill>
-                            <a:schemeClr val="bg1"/>
-                          </a:solidFill>
-                          <a:effectLst/>
-                          <a:latin typeface="Maven Pro" panose="020B0604020202020204" charset="0"/>
-                        </a:rPr>
-                        <a:t>christmas</a:t>
-                      </a:r>
-                      <a:r>
-                        <a:rPr lang="en-US" sz="1100" kern="100" dirty="0">
-                          <a:solidFill>
-                            <a:schemeClr val="bg1"/>
-                          </a:solidFill>
-                          <a:effectLst/>
-                          <a:latin typeface="Maven Pro" panose="020B0604020202020204" charset="0"/>
-                        </a:rPr>
-                        <a:t>, gift, toy, old, ages, months, newborn, infant, year, set, girl, toddlers</a:t>
-                      </a:r>
-                      <a:endParaRPr lang="es-MX" sz="1100" kern="100" dirty="0">
+                      <a:endParaRPr lang="es-MX" sz="1100" b="0" i="0" u="none" strike="noStrike" kern="100" cap="none" dirty="0">
                         <a:solidFill>
                           <a:schemeClr val="bg1"/>
                         </a:solidFill>
                         <a:effectLst/>
                         <a:latin typeface="Maven Pro" panose="020B0604020202020204" charset="0"/>
                         <a:ea typeface="Calibri" panose="020F0502020204030204" pitchFamily="34" charset="0"/>
-                        <a:cs typeface="Times New Roman" panose="02020603050405020304" pitchFamily="18" charset="0"/>
+                        <a:cs typeface="Arial"/>
+                        <a:sym typeface="Arial"/>
                       </a:endParaRPr>
                     </a:p>
                   </a:txBody>
@@ -18799,42 +19187,52 @@
                 </a:tc>
                 <a:extLst>
                   <a:ext uri="{0D108BD9-81ED-4DB2-BD59-A6C34878D82A}">
-                    <a16:rowId xmlns:a16="http://schemas.microsoft.com/office/drawing/2014/main" val="2187854781"/>
+                    <a16:rowId xmlns:a16="http://schemas.microsoft.com/office/drawing/2014/main" val="3057803711"/>
                   </a:ext>
                 </a:extLst>
               </a:tr>
-              <a:tr h="374033">
+              <a:tr h="355689">
                 <a:tc>
                   <a:txBody>
                     <a:bodyPr/>
                     <a:lstStyle/>
                     <a:p>
-                      <a:pPr>
+                      <a:pPr marR="0" algn="l" rtl="0">
                         <a:lnSpc>
                           <a:spcPct val="107000"/>
                         </a:lnSpc>
+                        <a:spcBef>
+                          <a:spcPts val="0"/>
+                        </a:spcBef>
                         <a:spcAft>
                           <a:spcPts val="800"/>
                         </a:spcAft>
+                        <a:buClr>
+                          <a:srgbClr val="000000"/>
+                        </a:buClr>
+                        <a:buFont typeface="Arial"/>
                       </a:pPr>
                       <a:r>
-                        <a:rPr lang="en-US" sz="1100" kern="100">
+                        <a:rPr lang="en-US" sz="1100" b="0" i="0" u="none" strike="noStrike" kern="100" cap="none">
                           <a:solidFill>
                             <a:schemeClr val="bg1"/>
                           </a:solidFill>
                           <a:effectLst/>
                           <a:latin typeface="Maven Pro" panose="020B0604020202020204" charset="0"/>
+                          <a:cs typeface="Arial"/>
+                          <a:sym typeface="Arial"/>
                         </a:rPr>
-                        <a:t>Cluster 7</a:t>
+                        <a:t>7</a:t>
                       </a:r>
-                      <a:endParaRPr lang="es-MX" sz="1100" kern="100">
+                      <a:endParaRPr lang="es-MX" sz="1100" b="0" i="0" u="none" strike="noStrike" kern="100" cap="none">
                         <a:solidFill>
                           <a:schemeClr val="bg1"/>
                         </a:solidFill>
                         <a:effectLst/>
                         <a:latin typeface="Maven Pro" panose="020B0604020202020204" charset="0"/>
                         <a:ea typeface="Calibri" panose="020F0502020204030204" pitchFamily="34" charset="0"/>
-                        <a:cs typeface="Times New Roman" panose="02020603050405020304" pitchFamily="18" charset="0"/>
+                        <a:cs typeface="Arial"/>
+                        <a:sym typeface="Arial"/>
                       </a:endParaRPr>
                     </a:p>
                   </a:txBody>
@@ -18845,72 +19243,66 @@
                     <a:bodyPr/>
                     <a:lstStyle/>
                     <a:p>
-                      <a:pPr>
+                      <a:pPr marR="0" algn="l" rtl="0">
                         <a:lnSpc>
                           <a:spcPct val="107000"/>
                         </a:lnSpc>
+                        <a:spcBef>
+                          <a:spcPts val="0"/>
+                        </a:spcBef>
                         <a:spcAft>
                           <a:spcPts val="800"/>
                         </a:spcAft>
+                        <a:buClr>
+                          <a:srgbClr val="000000"/>
+                        </a:buClr>
+                        <a:buFont typeface="Arial"/>
                       </a:pPr>
                       <a:r>
-                        <a:rPr lang="en-US" sz="1100" kern="100" dirty="0">
+                        <a:rPr lang="en-US" sz="1100" b="0" i="0" u="none" strike="noStrike" kern="100" cap="none" dirty="0">
                           <a:solidFill>
                             <a:schemeClr val="bg1"/>
                           </a:solidFill>
                           <a:effectLst/>
                           <a:latin typeface="Maven Pro" panose="020B0604020202020204" charset="0"/>
+                          <a:cs typeface="Arial"/>
+                          <a:sym typeface="Arial"/>
                         </a:rPr>
-                        <a:t>sleeve, long, tops, shirts, casual, short, </a:t>
+                        <a:t>dog, storage, organizer, bathroom, dogs, large, small, kitchen, desk, mat, room, office, wall, holder, store, shelf, </a:t>
                       </a:r>
                       <a:r>
-                        <a:rPr lang="en-US" sz="1100" kern="100" dirty="0" err="1">
+                        <a:rPr lang="en-US" sz="1100" b="0" i="0" u="none" strike="noStrike" kern="100" cap="none" dirty="0" err="1">
                           <a:solidFill>
                             <a:schemeClr val="bg1"/>
                           </a:solidFill>
                           <a:effectLst/>
                           <a:latin typeface="Maven Pro" panose="020B0604020202020204" charset="0"/>
+                          <a:cs typeface="Arial"/>
+                          <a:sym typeface="Arial"/>
                         </a:rPr>
-                        <a:t>womens</a:t>
+                        <a:t>yslmnor</a:t>
                       </a:r>
                       <a:r>
-                        <a:rPr lang="en-US" sz="1100" kern="100" dirty="0">
+                        <a:rPr lang="en-US" sz="1100" b="0" i="0" u="none" strike="noStrike" kern="100" cap="none" dirty="0">
                           <a:solidFill>
                             <a:schemeClr val="bg1"/>
                           </a:solidFill>
                           <a:effectLst/>
                           <a:latin typeface="Maven Pro" panose="020B0604020202020204" charset="0"/>
+                          <a:cs typeface="Arial"/>
+                          <a:sym typeface="Arial"/>
                         </a:rPr>
-                        <a:t>, shirt, graphic, women, pullover, </a:t>
+                        <a:t>, bedroom, rack, frame</a:t>
                       </a:r>
-                      <a:r>
-                        <a:rPr lang="en-US" sz="1100" kern="100" dirty="0" err="1">
-                          <a:solidFill>
-                            <a:schemeClr val="bg1"/>
-                          </a:solidFill>
-                          <a:effectLst/>
-                          <a:latin typeface="Maven Pro" panose="020B0604020202020204" charset="0"/>
-                        </a:rPr>
-                        <a:t>tshirt</a:t>
-                      </a:r>
-                      <a:r>
-                        <a:rPr lang="en-US" sz="1100" kern="100" dirty="0">
-                          <a:solidFill>
-                            <a:schemeClr val="bg1"/>
-                          </a:solidFill>
-                          <a:effectLst/>
-                          <a:latin typeface="Maven Pro" panose="020B0604020202020204" charset="0"/>
-                        </a:rPr>
-                        <a:t>, neck, sweatshirt, fall, crewneck, dress, summer, toddler, loose</a:t>
-                      </a:r>
-                      <a:endParaRPr lang="es-MX" sz="1100" kern="100" dirty="0">
+                      <a:endParaRPr lang="es-MX" sz="1100" b="0" i="0" u="none" strike="noStrike" kern="100" cap="none" dirty="0">
                         <a:solidFill>
                           <a:schemeClr val="bg1"/>
                         </a:solidFill>
                         <a:effectLst/>
                         <a:latin typeface="Maven Pro" panose="020B0604020202020204" charset="0"/>
                         <a:ea typeface="Calibri" panose="020F0502020204030204" pitchFamily="34" charset="0"/>
-                        <a:cs typeface="Times New Roman" panose="02020603050405020304" pitchFamily="18" charset="0"/>
+                        <a:cs typeface="Arial"/>
+                        <a:sym typeface="Arial"/>
                       </a:endParaRPr>
                     </a:p>
                   </a:txBody>
@@ -18918,7 +19310,7 @@
                 </a:tc>
                 <a:extLst>
                   <a:ext uri="{0D108BD9-81ED-4DB2-BD59-A6C34878D82A}">
-                    <a16:rowId xmlns:a16="http://schemas.microsoft.com/office/drawing/2014/main" val="4105077950"/>
+                    <a16:rowId xmlns:a16="http://schemas.microsoft.com/office/drawing/2014/main" val="2870587773"/>
                   </a:ext>
                 </a:extLst>
               </a:tr>
@@ -19099,7 +19491,7 @@
         </p:nvSpPr>
         <p:spPr>
           <a:xfrm>
-            <a:off x="618824" y="837074"/>
+            <a:off x="618824" y="777038"/>
             <a:ext cx="7866900" cy="4306425"/>
           </a:xfrm>
           <a:prstGeom prst="rect">
@@ -19127,18 +19519,18 @@
                 <a:effectLst/>
                 <a:latin typeface="Maven Pro" panose="020B0604020202020204" charset="0"/>
               </a:rPr>
-              <a:t> 0 - Productos de Cuidado Personal y del Hogar</a:t>
+              <a:t> 0 - Ropa Infantil y para Bebés</a:t>
             </a:r>
             <a:r>
               <a:rPr lang="es-MX" sz="950" i="0" dirty="0">
                 <a:effectLst/>
                 <a:latin typeface="Maven Pro" panose="020B0604020202020204" charset="0"/>
               </a:rPr>
-              <a:t>: Este nicho incluye una variedad de productos de cuidado personal y del hogar, como productos de cuidado capilar, kits de uñas, productos para el hogar y decoración. Podría interesar a personas que buscan productos para el cuidado personal y la decoración del hogar.</a:t>
+              <a:t>: Incluye ropa para bebés y niños pequeños, como camisetas, pantalones y prendas de algodón. Este nicho abarca desde ropa para recién nacidos hasta prendas para niños de mayor edad, orientado a padres que buscan ropa cómoda y de calidad para sus hijos.</a:t>
             </a:r>
           </a:p>
           <a:p>
-            <a:pPr marL="152400" indent="0" algn="l">
+            <a:pPr marL="152400" indent="0">
               <a:buNone/>
             </a:pPr>
             <a:endParaRPr lang="es-MX" sz="950" i="0" dirty="0">
@@ -19162,25 +19554,21 @@
                 <a:effectLst/>
                 <a:latin typeface="Maven Pro" panose="020B0604020202020204" charset="0"/>
               </a:rPr>
-              <a:t> 1 - Disfraces y Accesorios para Eventos Especiales: </a:t>
+              <a:t> 1 - Juguetes y Regalos para Niños</a:t>
             </a:r>
             <a:r>
               <a:rPr lang="es-MX" sz="950" i="0" dirty="0">
                 <a:effectLst/>
                 <a:latin typeface="Maven Pro" panose="020B0604020202020204" charset="0"/>
               </a:rPr>
-              <a:t>Este nicho está relacionado con disfraces y accesorios para eventos especiales, como Halloween y fiestas temáticas. Podría atraer a personas que buscan trajes y accesorios para fiestas de disfraces y eventos festivos.</a:t>
+              <a:t>: Se centra en juguetes y artículos de regalo para niños, adecuados para cumpleaños y ocasiones especiales. Este nicho incluye desde juguetes educativos hasta accesorios de viaje, dirigido a padres y familiares que buscan regalos prácticos y divertidos para niños.</a:t>
             </a:r>
-            <a:endParaRPr lang="es-MX" sz="950" b="1" i="0" dirty="0">
-              <a:effectLst/>
-              <a:latin typeface="Maven Pro" panose="020B0604020202020204" charset="0"/>
-            </a:endParaRPr>
-          </a:p>
-          <a:p>
-            <a:pPr marL="152400" indent="0" algn="l">
+          </a:p>
+          <a:p>
+            <a:pPr marL="152400" indent="0">
               <a:buNone/>
             </a:pPr>
-            <a:endParaRPr lang="es-MX" sz="950" b="1" i="0" dirty="0">
+            <a:endParaRPr lang="es-MX" sz="950" i="0" dirty="0">
               <a:effectLst/>
               <a:latin typeface="Maven Pro" panose="020B0604020202020204" charset="0"/>
             </a:endParaRPr>
@@ -19201,27 +19589,27 @@
                 <a:effectLst/>
                 <a:latin typeface="Maven Pro" panose="020B0604020202020204" charset="0"/>
               </a:rPr>
-              <a:t> 2 - Bolsas y Organizadores de Almacenamiento</a:t>
+              <a:t> 2 - Disfraces y Accesorios para Fiestas: </a:t>
             </a:r>
             <a:r>
               <a:rPr lang="es-MX" sz="950" i="0" dirty="0">
                 <a:effectLst/>
                 <a:latin typeface="Maven Pro" panose="020B0604020202020204" charset="0"/>
               </a:rPr>
-              <a:t>: Este nicho se centra en bolsas y organizadores de almacenamiento de diversos tipos, incluyendo bolsas de viaje, bolsas de comida y organizadores de armarios. Podría dirigirse a personas que necesitan soluciones de almacenamiento y organización en su vida cotidiana.</a:t>
+              <a:t>Incluye disfraces y accesorios para fiestas y eventos temáticos, como Halloween y cosplay. Este nicho ofrece desde trajes de princesa hasta disfraces para adultos, ideal para individuos y familias que disfrutan de la celebración de eventos y fiestas temáticas.</a:t>
             </a:r>
           </a:p>
           <a:p>
-            <a:pPr marL="152400" indent="0" algn="l">
+            <a:pPr marL="152400" indent="0">
               <a:buNone/>
             </a:pPr>
-            <a:endParaRPr lang="es-MX" sz="950" b="1" i="0" dirty="0">
+            <a:endParaRPr lang="es-MX" sz="950" i="0" dirty="0">
               <a:effectLst/>
               <a:latin typeface="Maven Pro" panose="020B0604020202020204" charset="0"/>
             </a:endParaRPr>
           </a:p>
           <a:p>
-            <a:pPr marL="152400" indent="0" algn="l">
+            <a:pPr marL="152400" indent="0">
               <a:buNone/>
             </a:pPr>
             <a:r>
@@ -19236,32 +19624,18 @@
                 <a:effectLst/>
                 <a:latin typeface="Maven Pro" panose="020B0604020202020204" charset="0"/>
               </a:rPr>
-              <a:t> 3 - Calzado y Zapatos</a:t>
+              <a:t> 3 - Decoraciones para Halloween y Fiestas</a:t>
             </a:r>
             <a:r>
               <a:rPr lang="es-MX" sz="950" i="0" dirty="0">
                 <a:effectLst/>
                 <a:latin typeface="Maven Pro" panose="020B0604020202020204" charset="0"/>
               </a:rPr>
-              <a:t>: Este </a:t>
+              <a:t>: Agrupa artículos de decoración para Halloween y otras fiestas, incluyendo luces y adornos para interiores y exteriores. Este nicho está orientado a personas que buscan crear un ambiente festivo y temático en sus hogares y jardines.</a:t>
             </a:r>
-            <a:r>
-              <a:rPr lang="es-MX" sz="950" i="0" dirty="0" err="1">
-                <a:effectLst/>
-                <a:latin typeface="Maven Pro" panose="020B0604020202020204" charset="0"/>
-              </a:rPr>
-              <a:t>cluster</a:t>
-            </a:r>
-            <a:r>
-              <a:rPr lang="es-MX" sz="950" i="0" dirty="0">
-                <a:effectLst/>
-                <a:latin typeface="Maven Pro" panose="020B0604020202020204" charset="0"/>
-              </a:rPr>
-              <a:t> está relacionado con calzado y zapatos de diferentes estilos y para diferentes ocasiones, tanto para mujeres como para hombres. Podría atraer a personas que buscan calzado de moda y cómodo.</a:t>
-            </a:r>
-          </a:p>
-          <a:p>
-            <a:pPr marL="152400" indent="0" algn="l">
+          </a:p>
+          <a:p>
+            <a:pPr marL="152400" indent="0">
               <a:buNone/>
             </a:pPr>
             <a:endParaRPr lang="es-MX" sz="950" i="0" dirty="0">
@@ -19285,14 +19659,14 @@
                 <a:effectLst/>
                 <a:latin typeface="Maven Pro" panose="020B0604020202020204" charset="0"/>
               </a:rPr>
-              <a:t> 4 - Accesorios y Ropa para Mascotas: </a:t>
+              <a:t> 4 - Calzado Versátil para Mujeres y Hombres</a:t>
             </a:r>
             <a:r>
               <a:rPr lang="es-MX" sz="950" i="0" dirty="0">
                 <a:effectLst/>
                 <a:latin typeface="Maven Pro" panose="020B0604020202020204" charset="0"/>
               </a:rPr>
-              <a:t>Esto puede incluir collares, arneses, ropa, y otros accesorios tanto para perros como para gatos.</a:t>
+              <a:t>: Se enfoca en una variedad de calzados, como zapatos, botas y sandalias. Este nicho incluye desde calzado casual hasta modelos más formales, ideal para consumidores que buscan comodidad y estilo en su vestimenta diaria.</a:t>
             </a:r>
           </a:p>
           <a:p>
@@ -19320,18 +19694,18 @@
                 <a:effectLst/>
                 <a:latin typeface="Maven Pro" panose="020B0604020202020204" charset="0"/>
               </a:rPr>
-              <a:t> 5 - Decoración y Suministros para Fiestas</a:t>
+              <a:t> 5 - Ropa Casual y Deportiva</a:t>
             </a:r>
             <a:r>
               <a:rPr lang="es-MX" sz="950" i="0" dirty="0">
                 <a:effectLst/>
                 <a:latin typeface="Maven Pro" panose="020B0604020202020204" charset="0"/>
               </a:rPr>
-              <a:t>: Este nicho se enfoca en decoración y suministros para fiestas, especialmente relacionados con Halloween y otras festividades. Podría interesar a personas que buscan decorar sus hogares y organizar eventos festivos.</a:t>
+              <a:t>: Contiene una amplia gama de ropa casual y deportiva para hombres y mujeres. Este nicho es para aquellos que buscan prendas cómodas y versátiles para el uso diario, el trabajo y actividades deportivas.</a:t>
             </a:r>
           </a:p>
           <a:p>
-            <a:pPr marL="152400" indent="0" algn="l">
+            <a:pPr marL="152400" indent="0">
               <a:buNone/>
             </a:pPr>
             <a:endParaRPr lang="es-MX" sz="950" b="1" i="0" dirty="0">
@@ -19340,7 +19714,7 @@
             </a:endParaRPr>
           </a:p>
           <a:p>
-            <a:pPr marL="152400" indent="0" algn="l">
+            <a:pPr marL="152400" indent="0">
               <a:buNone/>
             </a:pPr>
             <a:r>
@@ -19355,27 +19729,27 @@
                 <a:effectLst/>
                 <a:latin typeface="Maven Pro" panose="020B0604020202020204" charset="0"/>
               </a:rPr>
-              <a:t> 6 - Productos para Bebés y Niños</a:t>
+              <a:t> 6 - Artículos de Belleza y Cuidado Personal</a:t>
             </a:r>
             <a:r>
               <a:rPr lang="es-MX" sz="950" i="0" dirty="0">
                 <a:effectLst/>
                 <a:latin typeface="Maven Pro" panose="020B0604020202020204" charset="0"/>
               </a:rPr>
-              <a:t>: Se enfoca en productos para bebés y niños, como juguetes, regalos de cumpleaños, ropa infantil, juegos educativos y suministros para el aula. Podría dirigirse a padres, maestros y cuidadores que buscan artículos para el cuidado y entretenimiento de los niños.</a:t>
+              <a:t>: Incluye productos para el cuidado del cabello, la piel y uñas, así como accesorios para el hogar. Este nicho está dirigido a personas interesadas en el cuidado personal y la decoración del hogar.</a:t>
             </a:r>
           </a:p>
           <a:p>
-            <a:pPr marL="152400" indent="0" algn="l">
+            <a:pPr marL="152400" indent="0">
               <a:buNone/>
             </a:pPr>
-            <a:endParaRPr lang="es-MX" sz="950" i="0" dirty="0">
+            <a:endParaRPr lang="es-MX" sz="950" b="1" i="0" dirty="0">
               <a:effectLst/>
               <a:latin typeface="Maven Pro" panose="020B0604020202020204" charset="0"/>
             </a:endParaRPr>
           </a:p>
           <a:p>
-            <a:pPr marL="152400" indent="0" algn="l">
+            <a:pPr marL="152400" indent="0">
               <a:buNone/>
             </a:pPr>
             <a:r>
@@ -19390,36 +19764,15 @@
                 <a:effectLst/>
                 <a:latin typeface="Maven Pro" panose="020B0604020202020204" charset="0"/>
               </a:rPr>
-              <a:t> 7 - Ropa y Tops de Moda</a:t>
+              <a:t> 7 - Soluciones de Almacenamiento y Organización</a:t>
             </a:r>
             <a:r>
               <a:rPr lang="es-MX" sz="950" i="0" dirty="0">
                 <a:effectLst/>
                 <a:latin typeface="Maven Pro" panose="020B0604020202020204" charset="0"/>
               </a:rPr>
-              <a:t>: Este nicho se relaciona con ropa de moda, incluyendo camisetas, blusas y sudaderas, tanto para mujeres como para niños. Podría atraer a aquellos interesados en la moda y las tendencias actuales.</a:t>
+              <a:t>: Se centra en productos de almacenamiento y organización para diversas áreas del hogar. Este nicho incluye desde organizadores de baño hasta estantes de cocina, ideal para individuos que buscan optimizar el espacio y mantener el orden en sus hogares.</a:t>
             </a:r>
-          </a:p>
-          <a:p>
-            <a:pPr marL="152400" indent="0" algn="l">
-              <a:buNone/>
-            </a:pPr>
-            <a:endParaRPr lang="es-MX" sz="950" i="0" dirty="0">
-              <a:effectLst/>
-              <a:latin typeface="Maven Pro" panose="020B0604020202020204" charset="0"/>
-            </a:endParaRPr>
-          </a:p>
-          <a:p>
-            <a:pPr marL="457200" lvl="1" indent="0">
-              <a:lnSpc>
-                <a:spcPct val="100000"/>
-              </a:lnSpc>
-              <a:spcBef>
-                <a:spcPts val="0"/>
-              </a:spcBef>
-              <a:buNone/>
-            </a:pPr>
-            <a:endParaRPr lang="es-MX" sz="800" dirty="0"/>
           </a:p>
         </p:txBody>
       </p:sp>
@@ -19648,10 +20001,10 @@
       </p:sp>
       <p:graphicFrame>
         <p:nvGraphicFramePr>
-          <p:cNvPr id="2" name="Table 1">
+          <p:cNvPr id="3" name="Table 2">
             <a:extLst>
               <a:ext uri="{FF2B5EF4-FFF2-40B4-BE49-F238E27FC236}">
-                <a16:creationId xmlns:a16="http://schemas.microsoft.com/office/drawing/2014/main" id="{7279AAEE-EDD0-2939-CB54-2728B6E20151}"/>
+                <a16:creationId xmlns:a16="http://schemas.microsoft.com/office/drawing/2014/main" id="{BD853C83-F8CA-B993-244E-C39DEC455A8D}"/>
               </a:ext>
             </a:extLst>
           </p:cNvPr>
@@ -19661,14 +20014,14 @@
           <p:nvPr>
             <p:extLst>
               <p:ext uri="{D42A27DB-BD31-4B8C-83A1-F6EECF244321}">
-                <p14:modId xmlns:p14="http://schemas.microsoft.com/office/powerpoint/2010/main" val="2863201325"/>
+                <p14:modId xmlns:p14="http://schemas.microsoft.com/office/powerpoint/2010/main" val="3281953911"/>
               </p:ext>
             </p:extLst>
           </p:nvPr>
         </p:nvGraphicFramePr>
         <p:xfrm>
-          <a:off x="777240" y="1234440"/>
-          <a:ext cx="6964680" cy="3589017"/>
+          <a:off x="757729" y="1266280"/>
+          <a:ext cx="6455872" cy="3465545"/>
         </p:xfrm>
         <a:graphic>
           <a:graphicData uri="http://schemas.openxmlformats.org/drawingml/2006/table">
@@ -19677,22 +20030,22 @@
                 <a:tableStyleId>{99500015-8BAD-46A8-B74F-FC1E559183CE}</a:tableStyleId>
               </a:tblPr>
               <a:tblGrid>
-                <a:gridCol w="979680">
+                <a:gridCol w="929476">
                   <a:extLst>
                     <a:ext uri="{9D8B030D-6E8A-4147-A177-3AD203B41FA5}">
-                      <a16:colId xmlns:a16="http://schemas.microsoft.com/office/drawing/2014/main" val="370880675"/>
+                      <a16:colId xmlns:a16="http://schemas.microsoft.com/office/drawing/2014/main" val="445091219"/>
                     </a:ext>
                   </a:extLst>
                 </a:gridCol>
-                <a:gridCol w="5985000">
+                <a:gridCol w="5526396">
                   <a:extLst>
                     <a:ext uri="{9D8B030D-6E8A-4147-A177-3AD203B41FA5}">
-                      <a16:colId xmlns:a16="http://schemas.microsoft.com/office/drawing/2014/main" val="1561335822"/>
+                      <a16:colId xmlns:a16="http://schemas.microsoft.com/office/drawing/2014/main" val="3322030192"/>
                     </a:ext>
                   </a:extLst>
                 </a:gridCol>
               </a:tblGrid>
-              <a:tr h="224415">
+              <a:tr h="216695">
                 <a:tc>
                   <a:txBody>
                     <a:bodyPr/>
@@ -19769,19 +20122,7 @@
                           <a:cs typeface="Arial"/>
                           <a:sym typeface="Arial"/>
                         </a:rPr>
-                        <a:t>Top </a:t>
-                      </a:r>
-                      <a:r>
-                        <a:rPr lang="en-US" sz="1400" b="1" i="0" u="none" strike="noStrike" kern="100" cap="none" dirty="0" err="1">
-                          <a:solidFill>
-                            <a:schemeClr val="bg1"/>
-                          </a:solidFill>
-                          <a:effectLst/>
-                          <a:latin typeface="Maven Pro" panose="020B0604020202020204" charset="0"/>
-                          <a:cs typeface="Arial"/>
-                          <a:sym typeface="Arial"/>
-                        </a:rPr>
-                        <a:t>Términos</a:t>
+                        <a:t>Palabras Clave</a:t>
                       </a:r>
                       <a:endParaRPr lang="es-MX" sz="1400" b="1" i="0" u="none" strike="noStrike" kern="100" cap="none" dirty="0">
                         <a:solidFill>
@@ -19799,11 +20140,11 @@
                 </a:tc>
                 <a:extLst>
                   <a:ext uri="{0D108BD9-81ED-4DB2-BD59-A6C34878D82A}">
-                    <a16:rowId xmlns:a16="http://schemas.microsoft.com/office/drawing/2014/main" val="338079958"/>
+                    <a16:rowId xmlns:a16="http://schemas.microsoft.com/office/drawing/2014/main" val="3426993532"/>
                   </a:ext>
                 </a:extLst>
               </a:tr>
-              <a:tr h="560767">
+              <a:tr h="541475">
                 <a:tc>
                   <a:txBody>
                     <a:bodyPr/>
@@ -19834,7 +20175,7 @@
                           <a:cs typeface="Arial"/>
                           <a:sym typeface="Arial"/>
                         </a:rPr>
-                        <a:t>Cluster 0</a:t>
+                        <a:t>0</a:t>
                       </a:r>
                       <a:endParaRPr lang="es-MX" sz="1100" b="0" i="0" u="none" strike="noStrike" kern="100" cap="none" dirty="0">
                         <a:solidFill>
@@ -19871,7 +20212,7 @@
                         <a:buFont typeface="Arial"/>
                       </a:pPr>
                       <a:r>
-                        <a:rPr lang="en-US" sz="1100" b="0" i="0" u="none" strike="noStrike" kern="100" cap="none">
+                        <a:rPr lang="en-US" sz="1100" b="0" i="0" u="none" strike="noStrike" kern="100" cap="none" dirty="0">
                           <a:solidFill>
                             <a:schemeClr val="bg1"/>
                           </a:solidFill>
@@ -19880,9 +20221,33 @@
                           <a:cs typeface="Arial"/>
                           <a:sym typeface="Arial"/>
                         </a:rPr>
-                        <a:t>powder, brush, foundation, sponge, makeup, brushes, puff, blending, set, blender, beauty, liquid, sponges, face, cream, blush, synthetic, concealer, loose, soft</a:t>
+                        <a:t>lip, glitter, eye, eyeliner, makeup, pencil, eyeshadow, eyebrow, stick, waterproof, matte, lipstick, lasting, long, palette, liquid, shimmer, </a:t>
                       </a:r>
-                      <a:endParaRPr lang="es-MX" sz="1100" b="0" i="0" u="none" strike="noStrike" kern="100" cap="none">
+                      <a:r>
+                        <a:rPr lang="en-US" sz="1100" b="0" i="0" u="none" strike="noStrike" kern="100" cap="none" dirty="0" err="1">
+                          <a:solidFill>
+                            <a:schemeClr val="bg1"/>
+                          </a:solidFill>
+                          <a:effectLst/>
+                          <a:latin typeface="Maven Pro" panose="020B0604020202020204" charset="0"/>
+                          <a:cs typeface="Arial"/>
+                          <a:sym typeface="Arial"/>
+                        </a:rPr>
+                        <a:t>nyx</a:t>
+                      </a:r>
+                      <a:r>
+                        <a:rPr lang="en-US" sz="1100" b="0" i="0" u="none" strike="noStrike" kern="100" cap="none" dirty="0">
+                          <a:solidFill>
+                            <a:schemeClr val="bg1"/>
+                          </a:solidFill>
+                          <a:effectLst/>
+                          <a:latin typeface="Maven Pro" panose="020B0604020202020204" charset="0"/>
+                          <a:cs typeface="Arial"/>
+                          <a:sym typeface="Arial"/>
+                        </a:rPr>
+                        <a:t>, professional, brown</a:t>
+                      </a:r>
+                      <a:endParaRPr lang="es-MX" sz="1100" b="0" i="0" u="none" strike="noStrike" kern="100" cap="none" dirty="0">
                         <a:solidFill>
                           <a:schemeClr val="bg1"/>
                         </a:solidFill>
@@ -19898,11 +20263,11 @@
                 </a:tc>
                 <a:extLst>
                   <a:ext uri="{0D108BD9-81ED-4DB2-BD59-A6C34878D82A}">
-                    <a16:rowId xmlns:a16="http://schemas.microsoft.com/office/drawing/2014/main" val="793841859"/>
+                    <a16:rowId xmlns:a16="http://schemas.microsoft.com/office/drawing/2014/main" val="794513275"/>
                   </a:ext>
                 </a:extLst>
               </a:tr>
-              <a:tr h="560767">
+              <a:tr h="541475">
                 <a:tc>
                   <a:txBody>
                     <a:bodyPr/>
@@ -19933,7 +20298,7 @@
                           <a:cs typeface="Arial"/>
                           <a:sym typeface="Arial"/>
                         </a:rPr>
-                        <a:t>Cluster 1</a:t>
+                        <a:t>1</a:t>
                       </a:r>
                       <a:endParaRPr lang="es-MX" sz="1100" b="0" i="0" u="none" strike="noStrike" kern="100" cap="none">
                         <a:solidFill>
@@ -19979,7 +20344,7 @@
                           <a:cs typeface="Arial"/>
                           <a:sym typeface="Arial"/>
                         </a:rPr>
-                        <a:t>mirror, vanity, lighted, lights, led, magnification, magnifying, touch, 10x, dimmable, makeup, light, portable, travel, rechargeable, adjustable, compact, lighting, screen, sided</a:t>
+                        <a:t>bag, travel, cosmetic, toiletry, women, organizer, pouch, bags, large, makeup, clear, zipper, portable, toiletries, accessories, purse, case, waterproof, girls, cute</a:t>
                       </a:r>
                       <a:endParaRPr lang="es-MX" sz="1100" b="0" i="0" u="none" strike="noStrike" kern="100" cap="none" dirty="0">
                         <a:solidFill>
@@ -19997,11 +20362,11 @@
                 </a:tc>
                 <a:extLst>
                   <a:ext uri="{0D108BD9-81ED-4DB2-BD59-A6C34878D82A}">
-                    <a16:rowId xmlns:a16="http://schemas.microsoft.com/office/drawing/2014/main" val="2826322827"/>
+                    <a16:rowId xmlns:a16="http://schemas.microsoft.com/office/drawing/2014/main" val="2300202519"/>
                   </a:ext>
                 </a:extLst>
               </a:tr>
-              <a:tr h="560767">
+              <a:tr h="541475">
                 <a:tc>
                   <a:txBody>
                     <a:bodyPr/>
@@ -20032,7 +20397,7 @@
                           <a:cs typeface="Arial"/>
                           <a:sym typeface="Arial"/>
                         </a:rPr>
-                        <a:t>Cluster 2</a:t>
+                        <a:t>2</a:t>
                       </a:r>
                       <a:endParaRPr lang="es-MX" sz="1100" b="0" i="0" u="none" strike="noStrike" kern="100" cap="none">
                         <a:solidFill>
@@ -20078,7 +20443,7 @@
                           <a:cs typeface="Arial"/>
                           <a:sym typeface="Arial"/>
                         </a:rPr>
-                        <a:t>lip, eyeliner, eye, makeup, eyebrow, pencil, matte, waterproof, stick, eyeshadow, lipstick, lasting, long, palette, liquid, shimmer, </a:t>
+                        <a:t>face, makeup, oz, skin, remover, </a:t>
                       </a:r>
                       <a:r>
                         <a:rPr lang="en-US" sz="1100" b="0" i="0" u="none" strike="noStrike" kern="100" cap="none" dirty="0" err="1">
@@ -20090,7 +20455,7 @@
                           <a:cs typeface="Arial"/>
                           <a:sym typeface="Arial"/>
                         </a:rPr>
-                        <a:t>nyx</a:t>
+                        <a:t>halloween</a:t>
                       </a:r>
                       <a:r>
                         <a:rPr lang="en-US" sz="1100" b="0" i="0" u="none" strike="noStrike" kern="100" cap="none" dirty="0">
@@ -20102,7 +20467,31 @@
                           <a:cs typeface="Arial"/>
                           <a:sym typeface="Arial"/>
                         </a:rPr>
-                        <a:t>, professional, brown, gloss</a:t>
+                        <a:t>, facial, hair, headband, blood, pack, </a:t>
+                      </a:r>
+                      <a:r>
+                        <a:rPr lang="en-US" sz="1100" b="0" i="0" u="none" strike="noStrike" kern="100" cap="none" dirty="0" err="1">
+                          <a:solidFill>
+                            <a:schemeClr val="bg1"/>
+                          </a:solidFill>
+                          <a:effectLst/>
+                          <a:latin typeface="Maven Pro" panose="020B0604020202020204" charset="0"/>
+                          <a:cs typeface="Arial"/>
+                          <a:sym typeface="Arial"/>
+                        </a:rPr>
+                        <a:t>fl</a:t>
+                      </a:r>
+                      <a:r>
+                        <a:rPr lang="en-US" sz="1100" b="0" i="0" u="none" strike="noStrike" kern="100" cap="none" dirty="0">
+                          <a:solidFill>
+                            <a:schemeClr val="bg1"/>
+                          </a:solidFill>
+                          <a:effectLst/>
+                          <a:latin typeface="Maven Pro" panose="020B0604020202020204" charset="0"/>
+                          <a:cs typeface="Arial"/>
+                          <a:sym typeface="Arial"/>
+                        </a:rPr>
+                        <a:t>, paint, body, cleansing, primer, foundation, count, fake, organizer</a:t>
                       </a:r>
                       <a:endParaRPr lang="es-MX" sz="1100" b="0" i="0" u="none" strike="noStrike" kern="100" cap="none" dirty="0">
                         <a:solidFill>
@@ -20120,11 +20509,11 @@
                 </a:tc>
                 <a:extLst>
                   <a:ext uri="{0D108BD9-81ED-4DB2-BD59-A6C34878D82A}">
-                    <a16:rowId xmlns:a16="http://schemas.microsoft.com/office/drawing/2014/main" val="4259461378"/>
+                    <a16:rowId xmlns:a16="http://schemas.microsoft.com/office/drawing/2014/main" val="2509553630"/>
                   </a:ext>
                 </a:extLst>
               </a:tr>
-              <a:tr h="560767">
+              <a:tr h="541475">
                 <a:tc>
                   <a:txBody>
                     <a:bodyPr/>
@@ -20155,7 +20544,7 @@
                           <a:cs typeface="Arial"/>
                           <a:sym typeface="Arial"/>
                         </a:rPr>
-                        <a:t>Cluster 3</a:t>
+                        <a:t>3</a:t>
                       </a:r>
                       <a:endParaRPr lang="es-MX" sz="1100" b="0" i="0" u="none" strike="noStrike" kern="100" cap="none">
                         <a:solidFill>
@@ -20201,7 +20590,7 @@
                           <a:cs typeface="Arial"/>
                           <a:sym typeface="Arial"/>
                         </a:rPr>
-                        <a:t>bag, travel, cosmetic, toiletry, women, organizer, pouch, bags, large, makeup, clear, zipper, portable, toiletries, case, accessories, purse, waterproof, girls, cute</a:t>
+                        <a:t>powder, brush, foundation, sponge, makeup, brushes, puff, blending, set, blender, beauty, liquid, sponges, face, cream, blush, synthetic, concealer, triangle, soft</a:t>
                       </a:r>
                       <a:endParaRPr lang="es-MX" sz="1100" b="0" i="0" u="none" strike="noStrike" kern="100" cap="none" dirty="0">
                         <a:solidFill>
@@ -20219,11 +20608,11 @@
                 </a:tc>
                 <a:extLst>
                   <a:ext uri="{0D108BD9-81ED-4DB2-BD59-A6C34878D82A}">
-                    <a16:rowId xmlns:a16="http://schemas.microsoft.com/office/drawing/2014/main" val="3242789126"/>
+                    <a16:rowId xmlns:a16="http://schemas.microsoft.com/office/drawing/2014/main" val="1902656540"/>
                   </a:ext>
                 </a:extLst>
               </a:tr>
-              <a:tr h="560767">
+              <a:tr h="541475">
                 <a:tc>
                   <a:txBody>
                     <a:bodyPr/>
@@ -20254,7 +20643,7 @@
                           <a:cs typeface="Arial"/>
                           <a:sym typeface="Arial"/>
                         </a:rPr>
-                        <a:t>Cluster 4</a:t>
+                        <a:t>4</a:t>
                       </a:r>
                       <a:endParaRPr lang="es-MX" sz="1100" b="0" i="0" u="none" strike="noStrike" kern="100" cap="none">
                         <a:solidFill>
@@ -20300,7 +20689,7 @@
                           <a:cs typeface="Arial"/>
                           <a:sym typeface="Arial"/>
                         </a:rPr>
-                        <a:t>face, makeup, skin, oz, remover, hair, body, </a:t>
+                        <a:t>lashes, eyelash, eyelashes, mascara, lash, extension, cluster, individual, false, extensions, black, curl, makeup, eye, clusters, mink, wands, </a:t>
                       </a:r>
                       <a:r>
                         <a:rPr lang="en-US" sz="1100" b="0" i="0" u="none" strike="noStrike" kern="100" cap="none" dirty="0" err="1">
@@ -20312,7 +20701,7 @@
                           <a:cs typeface="Arial"/>
                           <a:sym typeface="Arial"/>
                         </a:rPr>
-                        <a:t>halloween</a:t>
+                        <a:t>diy</a:t>
                       </a:r>
                       <a:r>
                         <a:rPr lang="en-US" sz="1100" b="0" i="0" u="none" strike="noStrike" kern="100" cap="none" dirty="0">
@@ -20324,31 +20713,7 @@
                           <a:cs typeface="Arial"/>
                           <a:sym typeface="Arial"/>
                         </a:rPr>
-                        <a:t>, facial, headband, blood, paint, glitter, pack, cleansing, </a:t>
-                      </a:r>
-                      <a:r>
-                        <a:rPr lang="en-US" sz="1100" b="0" i="0" u="none" strike="noStrike" kern="100" cap="none" dirty="0" err="1">
-                          <a:solidFill>
-                            <a:schemeClr val="bg1"/>
-                          </a:solidFill>
-                          <a:effectLst/>
-                          <a:latin typeface="Maven Pro" panose="020B0604020202020204" charset="0"/>
-                          <a:cs typeface="Arial"/>
-                          <a:sym typeface="Arial"/>
-                        </a:rPr>
-                        <a:t>fl</a:t>
-                      </a:r>
-                      <a:r>
-                        <a:rPr lang="en-US" sz="1100" b="0" i="0" u="none" strike="noStrike" kern="100" cap="none" dirty="0">
-                          <a:solidFill>
-                            <a:schemeClr val="bg1"/>
-                          </a:solidFill>
-                          <a:effectLst/>
-                          <a:latin typeface="Maven Pro" panose="020B0604020202020204" charset="0"/>
-                          <a:cs typeface="Arial"/>
-                          <a:sym typeface="Arial"/>
-                        </a:rPr>
-                        <a:t>, primer, foundation, count, fake</a:t>
+                        <a:t>, natural, brush</a:t>
                       </a:r>
                       <a:endParaRPr lang="es-MX" sz="1100" b="0" i="0" u="none" strike="noStrike" kern="100" cap="none" dirty="0">
                         <a:solidFill>
@@ -20366,11 +20731,11 @@
                 </a:tc>
                 <a:extLst>
                   <a:ext uri="{0D108BD9-81ED-4DB2-BD59-A6C34878D82A}">
-                    <a16:rowId xmlns:a16="http://schemas.microsoft.com/office/drawing/2014/main" val="3815748210"/>
+                    <a16:rowId xmlns:a16="http://schemas.microsoft.com/office/drawing/2014/main" val="3705639744"/>
                   </a:ext>
                 </a:extLst>
               </a:tr>
-              <a:tr h="560767">
+              <a:tr h="541475">
                 <a:tc>
                   <a:txBody>
                     <a:bodyPr/>
@@ -20401,7 +20766,7 @@
                           <a:cs typeface="Arial"/>
                           <a:sym typeface="Arial"/>
                         </a:rPr>
-                        <a:t>Cluster 5</a:t>
+                        <a:t>5</a:t>
                       </a:r>
                       <a:endParaRPr lang="es-MX" sz="1100" b="0" i="0" u="none" strike="noStrike" kern="100" cap="none">
                         <a:solidFill>
@@ -20447,43 +20812,7 @@
                           <a:cs typeface="Arial"/>
                           <a:sym typeface="Arial"/>
                         </a:rPr>
-                        <a:t>lashes, mascara, eyelash, eyelashes, lash, extension, cluster, black, individual, false, eye, makeup, extensions, volume, curl, clusters, mink, loreal, </a:t>
-                      </a:r>
-                      <a:r>
-                        <a:rPr lang="en-US" sz="1100" b="0" i="0" u="none" strike="noStrike" kern="100" cap="none" dirty="0" err="1">
-                          <a:solidFill>
-                            <a:schemeClr val="bg1"/>
-                          </a:solidFill>
-                          <a:effectLst/>
-                          <a:latin typeface="Maven Pro" panose="020B0604020202020204" charset="0"/>
-                          <a:cs typeface="Arial"/>
-                          <a:sym typeface="Arial"/>
-                        </a:rPr>
-                        <a:t>paris</a:t>
-                      </a:r>
-                      <a:r>
-                        <a:rPr lang="en-US" sz="1100" b="0" i="0" u="none" strike="noStrike" kern="100" cap="none" dirty="0">
-                          <a:solidFill>
-                            <a:schemeClr val="bg1"/>
-                          </a:solidFill>
-                          <a:effectLst/>
-                          <a:latin typeface="Maven Pro" panose="020B0604020202020204" charset="0"/>
-                          <a:cs typeface="Arial"/>
-                          <a:sym typeface="Arial"/>
-                        </a:rPr>
-                        <a:t>, </a:t>
-                      </a:r>
-                      <a:r>
-                        <a:rPr lang="en-US" sz="1100" b="0" i="0" u="none" strike="noStrike" kern="100" cap="none" dirty="0" err="1">
-                          <a:solidFill>
-                            <a:schemeClr val="bg1"/>
-                          </a:solidFill>
-                          <a:effectLst/>
-                          <a:latin typeface="Maven Pro" panose="020B0604020202020204" charset="0"/>
-                          <a:cs typeface="Arial"/>
-                          <a:sym typeface="Arial"/>
-                        </a:rPr>
-                        <a:t>diy</a:t>
+                        <a:t>mirror, vanity, lighted, lights, led, magnification, magnifying, touch, 10x, dimmable, makeup, light, rechargeable, travel, portable, adjustable, compact, lighting, screen, color</a:t>
                       </a:r>
                       <a:endParaRPr lang="es-MX" sz="1100" b="0" i="0" u="none" strike="noStrike" kern="100" cap="none" dirty="0">
                         <a:solidFill>
@@ -20501,7 +20830,7 @@
                 </a:tc>
                 <a:extLst>
                   <a:ext uri="{0D108BD9-81ED-4DB2-BD59-A6C34878D82A}">
-                    <a16:rowId xmlns:a16="http://schemas.microsoft.com/office/drawing/2014/main" val="1097370299"/>
+                    <a16:rowId xmlns:a16="http://schemas.microsoft.com/office/drawing/2014/main" val="1057684929"/>
                   </a:ext>
                 </a:extLst>
               </a:tr>
@@ -20683,8 +21012,8 @@
         </p:nvSpPr>
         <p:spPr>
           <a:xfrm>
-            <a:off x="618824" y="837075"/>
-            <a:ext cx="7866900" cy="3786900"/>
+            <a:off x="618824" y="837074"/>
+            <a:ext cx="7866900" cy="4187507"/>
           </a:xfrm>
           <a:prstGeom prst="rect">
             <a:avLst/>
@@ -20711,35 +21040,21 @@
                 <a:effectLst/>
                 <a:latin typeface="Maven Pro" panose="020B0604020202020204" charset="0"/>
               </a:rPr>
-              <a:t> 0 - Maquillaje y Belleza de Ojos: </a:t>
+              <a:t> 0 - Maquillaje de Ojos y Labios</a:t>
             </a:r>
             <a:r>
               <a:rPr lang="es-MX" sz="1100" i="0" dirty="0">
                 <a:effectLst/>
                 <a:latin typeface="Maven Pro" panose="020B0604020202020204" charset="0"/>
               </a:rPr>
-              <a:t>Este </a:t>
+              <a:t>: Incluye productos como delineadores, sombras de ojos, lápices para cejas, y labiales. Este nicho abarca desde productos a prueba de agua hasta paletas de maquillaje profesionales, orientado a consumidores interesados en maquillaje de ojos y labios de larga duración y alta calidad.</a:t>
             </a:r>
-            <a:r>
-              <a:rPr lang="es-MX" sz="1100" i="0" dirty="0" err="1">
-                <a:effectLst/>
-                <a:latin typeface="Maven Pro" panose="020B0604020202020204" charset="0"/>
-              </a:rPr>
-              <a:t>cluster</a:t>
-            </a:r>
-            <a:r>
-              <a:rPr lang="es-MX" sz="1100" i="0" dirty="0">
-                <a:effectLst/>
-                <a:latin typeface="Maven Pro" panose="020B0604020202020204" charset="0"/>
-              </a:rPr>
-              <a:t> se enfoca en productos de maquillaje y belleza para los ojos, incluyendo lápices labiales, delineadores de ojos, sombras de ojos y máscaras de pestañas. Podría dirigirse a personas interesadas en resaltar y realzar la belleza de sus ojos con una amplia gama de colores y estilos.</a:t>
-            </a:r>
           </a:p>
           <a:p>
             <a:pPr marL="152400" indent="0" algn="l">
               <a:buNone/>
             </a:pPr>
-            <a:endParaRPr lang="es-MX" sz="1100" b="1" i="0" dirty="0">
+            <a:endParaRPr lang="es-MX" sz="1100" i="0" dirty="0">
               <a:effectLst/>
               <a:latin typeface="Maven Pro" panose="020B0604020202020204" charset="0"/>
             </a:endParaRPr>
@@ -20760,35 +21075,21 @@
                 <a:effectLst/>
                 <a:latin typeface="Maven Pro" panose="020B0604020202020204" charset="0"/>
               </a:rPr>
-              <a:t> 1 - Espejos de Maquillaje Iluminados: </a:t>
+              <a:t> 1 - Bolsas de Viaje y Organizadores de Cosméticos</a:t>
             </a:r>
             <a:r>
               <a:rPr lang="es-MX" sz="1100" i="0" dirty="0">
                 <a:effectLst/>
                 <a:latin typeface="Maven Pro" panose="020B0604020202020204" charset="0"/>
               </a:rPr>
-              <a:t>Este </a:t>
+              <a:t>: Se centra en bolsas de viaje y organizadores para cosméticos. Este nicho incluye desde estuches impermeables hasta bolsas con diseños lindos, dirigido a mujeres que buscan soluciones prácticas para organizar y transportar sus productos de belleza.</a:t>
             </a:r>
-            <a:r>
-              <a:rPr lang="es-MX" sz="1100" i="0" dirty="0" err="1">
-                <a:effectLst/>
-                <a:latin typeface="Maven Pro" panose="020B0604020202020204" charset="0"/>
-              </a:rPr>
-              <a:t>cluster</a:t>
-            </a:r>
-            <a:r>
-              <a:rPr lang="es-MX" sz="1100" i="0" dirty="0">
-                <a:effectLst/>
-                <a:latin typeface="Maven Pro" panose="020B0604020202020204" charset="0"/>
-              </a:rPr>
-              <a:t> se relaciona con espejos de maquillaje que incorporan iluminación y funciones ajustables. Podría atraer a personas que buscan espejos de maquillaje de alta calidad para asegurarse de que su maquillaje se aplique correctamente.</a:t>
-            </a:r>
           </a:p>
           <a:p>
             <a:pPr marL="152400" indent="0" algn="l">
               <a:buNone/>
             </a:pPr>
-            <a:endParaRPr lang="es-MX" sz="1100" b="1" i="0" dirty="0">
+            <a:endParaRPr lang="es-MX" sz="1100" i="0" dirty="0">
               <a:effectLst/>
               <a:latin typeface="Maven Pro" panose="020B0604020202020204" charset="0"/>
             </a:endParaRPr>
@@ -20809,35 +21110,35 @@
                 <a:effectLst/>
                 <a:latin typeface="Maven Pro" panose="020B0604020202020204" charset="0"/>
               </a:rPr>
-              <a:t> 2 - Herramientas y Cepillos de Maquillaje: </a:t>
+              <a:t> 2 - Productos de Maquillaje Facial y Remoción</a:t>
             </a:r>
             <a:r>
               <a:rPr lang="es-MX" sz="1100" i="0" dirty="0">
                 <a:effectLst/>
                 <a:latin typeface="Maven Pro" panose="020B0604020202020204" charset="0"/>
               </a:rPr>
-              <a:t>Este </a:t>
+              <a:t>: Incluye productos para la piel, limpiadores faciales y maquillaje para el rostro. Este nicho ofrece productos como </a:t>
             </a:r>
             <a:r>
               <a:rPr lang="es-MX" sz="1100" i="0" dirty="0" err="1">
                 <a:effectLst/>
                 <a:latin typeface="Maven Pro" panose="020B0604020202020204" charset="0"/>
               </a:rPr>
-              <a:t>cluster</a:t>
+              <a:t>primers</a:t>
             </a:r>
             <a:r>
               <a:rPr lang="es-MX" sz="1100" i="0" dirty="0">
                 <a:effectLst/>
                 <a:latin typeface="Maven Pro" panose="020B0604020202020204" charset="0"/>
               </a:rPr>
-              <a:t> está centrado en herramientas y cepillos de maquillaje, incluyendo brochas, esponjas y sets de maquillaje. Podría dirigirse a entusiastas del maquillaje que buscan herramientas de calidad para lograr una aplicación de maquillaje profesional.</a:t>
+              <a:t>, bases de maquillaje y pinturas faciales para ocasiones especiales como Halloween, ideal para consumidores que buscan desde cuidado de la piel hasta maquillaje temático.</a:t>
             </a:r>
           </a:p>
           <a:p>
             <a:pPr marL="152400" indent="0" algn="l">
               <a:buNone/>
             </a:pPr>
-            <a:endParaRPr lang="es-MX" sz="1100" b="1" i="0" dirty="0">
+            <a:endParaRPr lang="es-MX" sz="1100" i="0" dirty="0">
               <a:effectLst/>
               <a:latin typeface="Maven Pro" panose="020B0604020202020204" charset="0"/>
             </a:endParaRPr>
@@ -20858,35 +21159,21 @@
                 <a:effectLst/>
                 <a:latin typeface="Maven Pro" panose="020B0604020202020204" charset="0"/>
               </a:rPr>
-              <a:t> 3 - Maquillaje Artístico y de Fantasía: </a:t>
+              <a:t> 3 - Herramientas para Aplicación de Maquillaje</a:t>
             </a:r>
             <a:r>
               <a:rPr lang="es-MX" sz="1100" i="0" dirty="0">
                 <a:effectLst/>
                 <a:latin typeface="Maven Pro" panose="020B0604020202020204" charset="0"/>
               </a:rPr>
-              <a:t>Este </a:t>
+              <a:t>: Agrupa brochas, esponjas y otros accesorios para la aplicación de maquillaje. Este nicho está orientado a consumidores que buscan herramientas de calidad para una aplicación precisa y uniforme del maquillaje.</a:t>
             </a:r>
-            <a:r>
-              <a:rPr lang="es-MX" sz="1100" i="0" dirty="0" err="1">
-                <a:effectLst/>
-                <a:latin typeface="Maven Pro" panose="020B0604020202020204" charset="0"/>
-              </a:rPr>
-              <a:t>cluster</a:t>
-            </a:r>
-            <a:r>
-              <a:rPr lang="es-MX" sz="1100" i="0" dirty="0">
-                <a:effectLst/>
-                <a:latin typeface="Maven Pro" panose="020B0604020202020204" charset="0"/>
-              </a:rPr>
-              <a:t> se relaciona con productos de maquillaje utilizados para crear looks artísticos y de fantasía, como maquillaje para Halloween, cosplay y efectos especiales. Podría atraer a aquellos que buscan productos para caracterización y disfraces.</a:t>
-            </a:r>
           </a:p>
           <a:p>
             <a:pPr marL="152400" indent="0" algn="l">
               <a:buNone/>
             </a:pPr>
-            <a:endParaRPr lang="es-MX" sz="1100" b="1" i="0" dirty="0">
+            <a:endParaRPr lang="es-MX" sz="1100" i="0" dirty="0">
               <a:effectLst/>
               <a:latin typeface="Maven Pro" panose="020B0604020202020204" charset="0"/>
             </a:endParaRPr>
@@ -20907,35 +21194,35 @@
                 <a:effectLst/>
                 <a:latin typeface="Maven Pro" panose="020B0604020202020204" charset="0"/>
               </a:rPr>
-              <a:t> 4 - Bolsos y Organizadores de Maquillaje de Viaje: </a:t>
+              <a:t> 4 - Pestañas Postizas y Accesorios: </a:t>
             </a:r>
             <a:r>
               <a:rPr lang="es-MX" sz="1100" i="0" dirty="0">
                 <a:effectLst/>
                 <a:latin typeface="Maven Pro" panose="020B0604020202020204" charset="0"/>
               </a:rPr>
-              <a:t>Este </a:t>
+              <a:t>Se enfoca en pestañas postizas y productos relacionados. Este nicho incluye desde extensiones de pestañas individuales hasta pestañas de </a:t>
             </a:r>
             <a:r>
               <a:rPr lang="es-MX" sz="1100" i="0" dirty="0" err="1">
                 <a:effectLst/>
                 <a:latin typeface="Maven Pro" panose="020B0604020202020204" charset="0"/>
               </a:rPr>
-              <a:t>cluster</a:t>
+              <a:t>mink</a:t>
             </a:r>
             <a:r>
               <a:rPr lang="es-MX" sz="1100" i="0" dirty="0">
                 <a:effectLst/>
                 <a:latin typeface="Maven Pro" panose="020B0604020202020204" charset="0"/>
               </a:rPr>
-              <a:t> se centra en bolsos y organizadores de maquillaje diseñados para viajes y almacenamiento. Podría dirigirse a personas que necesitan soluciones de almacenamiento y transporte para sus productos de belleza mientras están en movimiento.</a:t>
+              <a:t> y herramientas para su aplicación, ideal para consumidores interesados en realzar su mirada con pestañas voluminosas y naturales.</a:t>
             </a:r>
           </a:p>
           <a:p>
             <a:pPr marL="152400" indent="0" algn="l">
               <a:buNone/>
             </a:pPr>
-            <a:endParaRPr lang="es-MX" sz="1100" b="1" i="0" dirty="0">
+            <a:endParaRPr lang="es-MX" sz="1100" i="0" dirty="0">
               <a:effectLst/>
               <a:latin typeface="Maven Pro" panose="020B0604020202020204" charset="0"/>
             </a:endParaRPr>
@@ -20956,28 +21243,14 @@
                 <a:effectLst/>
                 <a:latin typeface="Maven Pro" panose="020B0604020202020204" charset="0"/>
               </a:rPr>
-              <a:t> 5 - Cuidado de la Piel y Productos de Limpieza</a:t>
+              <a:t> 5 - Espejos de Maquillaje Iluminados</a:t>
             </a:r>
             <a:r>
               <a:rPr lang="es-MX" sz="1100" i="0" dirty="0">
                 <a:effectLst/>
                 <a:latin typeface="Maven Pro" panose="020B0604020202020204" charset="0"/>
               </a:rPr>
-              <a:t>: Este </a:t>
-            </a:r>
-            <a:r>
-              <a:rPr lang="es-MX" sz="1100" i="0" dirty="0" err="1">
-                <a:effectLst/>
-                <a:latin typeface="Maven Pro" panose="020B0604020202020204" charset="0"/>
-              </a:rPr>
-              <a:t>cluster</a:t>
-            </a:r>
-            <a:r>
-              <a:rPr lang="es-MX" sz="1100" i="0" dirty="0">
-                <a:effectLst/>
-                <a:latin typeface="Maven Pro" panose="020B0604020202020204" charset="0"/>
-              </a:rPr>
-              <a:t> incluye productos para el cuidado de la piel, como removedores de maquillaje y limpiadores faciales. Podría atraer a personas preocupadas por el cuidado de su piel y la eliminación efectiva del maquillaje.</a:t>
+              <a:t>: Contiene espejos de maquillaje con iluminación incorporada. Este nicho es para usuarios que buscan espejos con características como aumento, luces LED y portabilidad, proporcionando una solución óptima para el maquillaje en diferentes condiciones de iluminación.</a:t>
             </a:r>
           </a:p>
         </p:txBody>
@@ -21547,10 +21820,10 @@
       </p:sp>
       <p:graphicFrame>
         <p:nvGraphicFramePr>
-          <p:cNvPr id="3" name="Table 2">
+          <p:cNvPr id="5" name="Table 4">
             <a:extLst>
               <a:ext uri="{FF2B5EF4-FFF2-40B4-BE49-F238E27FC236}">
-                <a16:creationId xmlns:a16="http://schemas.microsoft.com/office/drawing/2014/main" id="{D65B98A4-EDD7-4A44-2821-B94170BACBED}"/>
+                <a16:creationId xmlns:a16="http://schemas.microsoft.com/office/drawing/2014/main" id="{526D6894-C6A8-CD9E-524A-AA60D942EB6A}"/>
               </a:ext>
             </a:extLst>
           </p:cNvPr>
@@ -21560,14 +21833,14 @@
           <p:nvPr>
             <p:extLst>
               <p:ext uri="{D42A27DB-BD31-4B8C-83A1-F6EECF244321}">
-                <p14:modId xmlns:p14="http://schemas.microsoft.com/office/powerpoint/2010/main" val="1900299989"/>
+                <p14:modId xmlns:p14="http://schemas.microsoft.com/office/powerpoint/2010/main" val="991268988"/>
               </p:ext>
             </p:extLst>
           </p:nvPr>
         </p:nvGraphicFramePr>
         <p:xfrm>
-          <a:off x="937260" y="1112521"/>
-          <a:ext cx="6758940" cy="3757307"/>
+          <a:off x="1330763" y="1154662"/>
+          <a:ext cx="6912977" cy="3487608"/>
         </p:xfrm>
         <a:graphic>
           <a:graphicData uri="http://schemas.openxmlformats.org/drawingml/2006/table">
@@ -21576,53 +21849,63 @@
                 <a:tableStyleId>{99500015-8BAD-46A8-B74F-FC1E559183CE}</a:tableStyleId>
               </a:tblPr>
               <a:tblGrid>
-                <a:gridCol w="1190547">
+                <a:gridCol w="995287">
                   <a:extLst>
                     <a:ext uri="{9D8B030D-6E8A-4147-A177-3AD203B41FA5}">
-                      <a16:colId xmlns:a16="http://schemas.microsoft.com/office/drawing/2014/main" val="4152131301"/>
+                      <a16:colId xmlns:a16="http://schemas.microsoft.com/office/drawing/2014/main" val="1290465933"/>
                     </a:ext>
                   </a:extLst>
                 </a:gridCol>
-                <a:gridCol w="5568393">
+                <a:gridCol w="5917690">
                   <a:extLst>
                     <a:ext uri="{9D8B030D-6E8A-4147-A177-3AD203B41FA5}">
-                      <a16:colId xmlns:a16="http://schemas.microsoft.com/office/drawing/2014/main" val="2444922386"/>
+                      <a16:colId xmlns:a16="http://schemas.microsoft.com/office/drawing/2014/main" val="2941088888"/>
                     </a:ext>
                   </a:extLst>
                 </a:gridCol>
               </a:tblGrid>
-              <a:tr h="185912">
+              <a:tr h="212365">
                 <a:tc>
                   <a:txBody>
                     <a:bodyPr/>
                     <a:lstStyle/>
                     <a:p>
-                      <a:pPr>
+                      <a:pPr marR="0" algn="l" rtl="0">
                         <a:lnSpc>
                           <a:spcPct val="107000"/>
                         </a:lnSpc>
+                        <a:spcBef>
+                          <a:spcPts val="0"/>
+                        </a:spcBef>
                         <a:spcAft>
                           <a:spcPts val="800"/>
                         </a:spcAft>
+                        <a:buClr>
+                          <a:srgbClr val="000000"/>
+                        </a:buClr>
+                        <a:buFont typeface="Arial"/>
                       </a:pPr>
                       <a:r>
-                        <a:rPr lang="es-MX" sz="1400" b="1" kern="100" dirty="0" err="1">
+                        <a:rPr lang="en-US" sz="1400" b="1" i="0" u="none" strike="noStrike" kern="100" cap="none" dirty="0">
                           <a:solidFill>
                             <a:schemeClr val="bg1"/>
                           </a:solidFill>
                           <a:effectLst/>
                           <a:latin typeface="Maven Pro" panose="020B0604020202020204" charset="0"/>
+                          <a:cs typeface="Arial"/>
+                          <a:sym typeface="Arial"/>
                         </a:rPr>
                         <a:t>Cluster</a:t>
                       </a:r>
-                      <a:endParaRPr lang="es-MX" sz="1400" b="1" kern="100" dirty="0">
+                      <a:endParaRPr lang="es-MX" sz="1400" b="1" i="0" u="none" strike="noStrike" kern="100" cap="none" dirty="0">
                         <a:solidFill>
                           <a:schemeClr val="bg1"/>
                         </a:solidFill>
                         <a:effectLst/>
                         <a:latin typeface="Maven Pro" panose="020B0604020202020204" charset="0"/>
                         <a:ea typeface="Calibri" panose="020F0502020204030204" pitchFamily="34" charset="0"/>
-                        <a:cs typeface="Times New Roman" panose="02020603050405020304" pitchFamily="18" charset="0"/>
+                        <a:cs typeface="Arial"/>
+                        <a:sym typeface="Arial"/>
                       </a:endParaRPr>
                     </a:p>
                   </a:txBody>
@@ -21633,32 +21916,42 @@
                     <a:bodyPr/>
                     <a:lstStyle/>
                     <a:p>
-                      <a:pPr>
+                      <a:pPr marR="0" algn="l" rtl="0">
                         <a:lnSpc>
                           <a:spcPct val="107000"/>
                         </a:lnSpc>
+                        <a:spcBef>
+                          <a:spcPts val="0"/>
+                        </a:spcBef>
                         <a:spcAft>
                           <a:spcPts val="800"/>
                         </a:spcAft>
+                        <a:buClr>
+                          <a:srgbClr val="000000"/>
+                        </a:buClr>
+                        <a:buFont typeface="Arial"/>
                       </a:pPr>
                       <a:r>
-                        <a:rPr lang="es-MX" sz="1400" b="1" kern="100" dirty="0">
+                        <a:rPr lang="en-US" sz="1400" b="1" i="0" u="none" strike="noStrike" kern="100" cap="none" dirty="0">
                           <a:solidFill>
                             <a:schemeClr val="bg1"/>
                           </a:solidFill>
                           <a:effectLst/>
                           <a:latin typeface="Maven Pro" panose="020B0604020202020204" charset="0"/>
+                          <a:cs typeface="Arial"/>
+                          <a:sym typeface="Arial"/>
                         </a:rPr>
-                        <a:t>Top Términos</a:t>
+                        <a:t>Palabras Clave</a:t>
                       </a:r>
-                      <a:endParaRPr lang="es-MX" sz="1400" b="1" kern="100" dirty="0">
+                      <a:endParaRPr lang="es-MX" sz="1400" b="1" i="0" u="none" strike="noStrike" kern="100" cap="none" dirty="0">
                         <a:solidFill>
                           <a:schemeClr val="bg1"/>
                         </a:solidFill>
                         <a:effectLst/>
                         <a:latin typeface="Maven Pro" panose="020B0604020202020204" charset="0"/>
                         <a:ea typeface="Calibri" panose="020F0502020204030204" pitchFamily="34" charset="0"/>
-                        <a:cs typeface="Times New Roman" panose="02020603050405020304" pitchFamily="18" charset="0"/>
+                        <a:cs typeface="Arial"/>
+                        <a:sym typeface="Arial"/>
                       </a:endParaRPr>
                     </a:p>
                   </a:txBody>
@@ -21666,52 +21959,52 @@
                 </a:tc>
                 <a:extLst>
                   <a:ext uri="{0D108BD9-81ED-4DB2-BD59-A6C34878D82A}">
-                    <a16:rowId xmlns:a16="http://schemas.microsoft.com/office/drawing/2014/main" val="1245219622"/>
+                    <a16:rowId xmlns:a16="http://schemas.microsoft.com/office/drawing/2014/main" val="3270184786"/>
                   </a:ext>
                 </a:extLst>
               </a:tr>
-              <a:tr h="591314">
+              <a:tr h="380493">
                 <a:tc>
                   <a:txBody>
                     <a:bodyPr/>
                     <a:lstStyle/>
                     <a:p>
-                      <a:pPr>
+                      <a:pPr marR="0" algn="l" rtl="0">
                         <a:lnSpc>
                           <a:spcPct val="107000"/>
                         </a:lnSpc>
+                        <a:spcBef>
+                          <a:spcPts val="0"/>
+                        </a:spcBef>
                         <a:spcAft>
                           <a:spcPts val="800"/>
                         </a:spcAft>
+                        <a:buClr>
+                          <a:srgbClr val="000000"/>
+                        </a:buClr>
+                        <a:buFont typeface="Arial"/>
                       </a:pPr>
                       <a:r>
-                        <a:rPr lang="es-MX" sz="1100" kern="100" dirty="0" err="1">
+                        <a:rPr lang="en-US" sz="1200" b="0" i="0" u="none" strike="noStrike" kern="100" cap="none" dirty="0">
                           <a:solidFill>
                             <a:schemeClr val="bg1"/>
                           </a:solidFill>
                           <a:effectLst/>
                           <a:latin typeface="Maven Pro" panose="020B0604020202020204" charset="0"/>
+                          <a:cs typeface="Arial"/>
+                          <a:sym typeface="Arial"/>
                         </a:rPr>
-                        <a:t>Cluster</a:t>
+                        <a:t>0</a:t>
                       </a:r>
-                      <a:r>
-                        <a:rPr lang="es-MX" sz="1100" kern="100" dirty="0">
-                          <a:solidFill>
-                            <a:schemeClr val="bg1"/>
-                          </a:solidFill>
-                          <a:effectLst/>
-                          <a:latin typeface="Maven Pro" panose="020B0604020202020204" charset="0"/>
-                        </a:rPr>
-                        <a:t> 0</a:t>
-                      </a:r>
-                      <a:endParaRPr lang="es-MX" sz="1100" kern="100" dirty="0">
+                      <a:endParaRPr lang="es-MX" sz="1200" b="0" i="0" u="none" strike="noStrike" kern="100" cap="none" dirty="0">
                         <a:solidFill>
                           <a:schemeClr val="bg1"/>
                         </a:solidFill>
                         <a:effectLst/>
                         <a:latin typeface="Maven Pro" panose="020B0604020202020204" charset="0"/>
                         <a:ea typeface="Calibri" panose="020F0502020204030204" pitchFamily="34" charset="0"/>
-                        <a:cs typeface="Times New Roman" panose="02020603050405020304" pitchFamily="18" charset="0"/>
+                        <a:cs typeface="Arial"/>
+                        <a:sym typeface="Arial"/>
                       </a:endParaRPr>
                     </a:p>
                   </a:txBody>
@@ -21722,52 +22015,42 @@
                     <a:bodyPr/>
                     <a:lstStyle/>
                     <a:p>
-                      <a:pPr>
+                      <a:pPr marR="0" algn="l" rtl="0">
                         <a:lnSpc>
                           <a:spcPct val="107000"/>
                         </a:lnSpc>
+                        <a:spcBef>
+                          <a:spcPts val="0"/>
+                        </a:spcBef>
                         <a:spcAft>
                           <a:spcPts val="800"/>
                         </a:spcAft>
+                        <a:buClr>
+                          <a:srgbClr val="000000"/>
+                        </a:buClr>
+                        <a:buFont typeface="Arial"/>
                       </a:pPr>
                       <a:r>
-                        <a:rPr lang="en-US" sz="1100" kern="100" dirty="0">
+                        <a:rPr lang="en-US" sz="1200" b="0" i="0" u="none" strike="noStrike" kern="100" cap="none" dirty="0">
                           <a:solidFill>
                             <a:schemeClr val="bg1"/>
                           </a:solidFill>
                           <a:effectLst/>
                           <a:latin typeface="Maven Pro" panose="020B0604020202020204" charset="0"/>
+                          <a:cs typeface="Arial"/>
+                          <a:sym typeface="Arial"/>
                         </a:rPr>
-                        <a:t>voyager, neoprene, breed, </a:t>
+                        <a:t>dog, pet, cat, food, dogs, cats, grooming, small, pads, large, toys, puppy, hair, pack, natural, carrier, toy, bowl, brush, nail</a:t>
                       </a:r>
-                      <a:r>
-                        <a:rPr lang="en-US" sz="1100" kern="100" dirty="0" err="1">
-                          <a:solidFill>
-                            <a:schemeClr val="bg1"/>
-                          </a:solidFill>
-                          <a:effectLst/>
-                          <a:latin typeface="Maven Pro" panose="020B0604020202020204" charset="0"/>
-                        </a:rPr>
-                        <a:t>stepin</a:t>
-                      </a:r>
-                      <a:r>
-                        <a:rPr lang="en-US" sz="1100" kern="100" dirty="0">
-                          <a:solidFill>
-                            <a:schemeClr val="bg1"/>
-                          </a:solidFill>
-                          <a:effectLst/>
-                          <a:latin typeface="Maven Pro" panose="020B0604020202020204" charset="0"/>
-                        </a:rPr>
-                        <a:t>, harness, handle, leash, reflective, best, combo, supplies, medium, small, supports, large, puppies, air, set, weather, mesh</a:t>
-                      </a:r>
-                      <a:endParaRPr lang="es-MX" sz="1100" kern="100" dirty="0">
+                      <a:endParaRPr lang="es-MX" sz="1200" b="0" i="0" u="none" strike="noStrike" kern="100" cap="none" dirty="0">
                         <a:solidFill>
                           <a:schemeClr val="bg1"/>
                         </a:solidFill>
                         <a:effectLst/>
                         <a:latin typeface="Maven Pro" panose="020B0604020202020204" charset="0"/>
                         <a:ea typeface="Calibri" panose="020F0502020204030204" pitchFamily="34" charset="0"/>
-                        <a:cs typeface="Times New Roman" panose="02020603050405020304" pitchFamily="18" charset="0"/>
+                        <a:cs typeface="Arial"/>
+                        <a:sym typeface="Arial"/>
                       </a:endParaRPr>
                     </a:p>
                   </a:txBody>
@@ -21775,42 +22058,52 @@
                 </a:tc>
                 <a:extLst>
                   <a:ext uri="{0D108BD9-81ED-4DB2-BD59-A6C34878D82A}">
-                    <a16:rowId xmlns:a16="http://schemas.microsoft.com/office/drawing/2014/main" val="2391335965"/>
+                    <a16:rowId xmlns:a16="http://schemas.microsoft.com/office/drawing/2014/main" val="421200468"/>
                   </a:ext>
                 </a:extLst>
               </a:tr>
-              <a:tr h="591314">
+              <a:tr h="578950">
                 <a:tc>
                   <a:txBody>
                     <a:bodyPr/>
                     <a:lstStyle/>
                     <a:p>
-                      <a:pPr>
+                      <a:pPr marR="0" algn="l" rtl="0">
                         <a:lnSpc>
                           <a:spcPct val="107000"/>
                         </a:lnSpc>
+                        <a:spcBef>
+                          <a:spcPts val="0"/>
+                        </a:spcBef>
                         <a:spcAft>
                           <a:spcPts val="800"/>
                         </a:spcAft>
+                        <a:buClr>
+                          <a:srgbClr val="000000"/>
+                        </a:buClr>
+                        <a:buFont typeface="Arial"/>
                       </a:pPr>
                       <a:r>
-                        <a:rPr lang="es-MX" sz="1100" kern="100">
+                        <a:rPr lang="en-US" sz="1200" b="0" i="0" u="none" strike="noStrike" kern="100" cap="none">
                           <a:solidFill>
                             <a:schemeClr val="bg1"/>
                           </a:solidFill>
                           <a:effectLst/>
                           <a:latin typeface="Maven Pro" panose="020B0604020202020204" charset="0"/>
+                          <a:cs typeface="Arial"/>
+                          <a:sym typeface="Arial"/>
                         </a:rPr>
-                        <a:t>Cluster 1</a:t>
+                        <a:t>1</a:t>
                       </a:r>
-                      <a:endParaRPr lang="es-MX" sz="1100" kern="100">
+                      <a:endParaRPr lang="es-MX" sz="1200" b="0" i="0" u="none" strike="noStrike" kern="100" cap="none">
                         <a:solidFill>
                           <a:schemeClr val="bg1"/>
                         </a:solidFill>
                         <a:effectLst/>
                         <a:latin typeface="Maven Pro" panose="020B0604020202020204" charset="0"/>
                         <a:ea typeface="Calibri" panose="020F0502020204030204" pitchFamily="34" charset="0"/>
-                        <a:cs typeface="Times New Roman" panose="02020603050405020304" pitchFamily="18" charset="0"/>
+                        <a:cs typeface="Arial"/>
+                        <a:sym typeface="Arial"/>
                       </a:endParaRPr>
                     </a:p>
                   </a:txBody>
@@ -21821,32 +22114,66 @@
                     <a:bodyPr/>
                     <a:lstStyle/>
                     <a:p>
-                      <a:pPr>
+                      <a:pPr marR="0" algn="l" rtl="0">
                         <a:lnSpc>
                           <a:spcPct val="107000"/>
                         </a:lnSpc>
+                        <a:spcBef>
+                          <a:spcPts val="0"/>
+                        </a:spcBef>
                         <a:spcAft>
                           <a:spcPts val="800"/>
                         </a:spcAft>
+                        <a:buClr>
+                          <a:srgbClr val="000000"/>
+                        </a:buClr>
+                        <a:buFont typeface="Arial"/>
                       </a:pPr>
                       <a:r>
-                        <a:rPr lang="en-US" sz="1100" kern="100" dirty="0">
+                        <a:rPr lang="en-US" sz="1200" b="0" i="0" u="none" strike="noStrike" kern="100" cap="none" dirty="0">
                           <a:solidFill>
                             <a:schemeClr val="bg1"/>
                           </a:solidFill>
                           <a:effectLst/>
                           <a:latin typeface="Maven Pro" panose="020B0604020202020204" charset="0"/>
+                          <a:cs typeface="Arial"/>
+                          <a:sym typeface="Arial"/>
                         </a:rPr>
-                        <a:t>fountain, water, filters, cat, replacement, dispenser, filter, automatic, pump, bowl, steel, stainless, pet, pack, filtration, quiet, dog, cats, drinking, inside</a:t>
+                        <a:t>dog, collar, clothes, dogs, small, harness, pet, large, medium, adjustable, vest, sweater, costume, </a:t>
                       </a:r>
-                      <a:endParaRPr lang="es-MX" sz="1100" kern="100" dirty="0">
+                      <a:r>
+                        <a:rPr lang="en-US" sz="1200" b="0" i="0" u="none" strike="noStrike" kern="100" cap="none" dirty="0" err="1">
+                          <a:solidFill>
+                            <a:schemeClr val="bg1"/>
+                          </a:solidFill>
+                          <a:effectLst/>
+                          <a:latin typeface="Maven Pro" panose="020B0604020202020204" charset="0"/>
+                          <a:cs typeface="Arial"/>
+                          <a:sym typeface="Arial"/>
+                        </a:rPr>
+                        <a:t>halloween</a:t>
+                      </a:r>
+                      <a:r>
+                        <a:rPr lang="en-US" sz="1200" b="0" i="0" u="none" strike="noStrike" kern="100" cap="none" dirty="0">
+                          <a:solidFill>
+                            <a:schemeClr val="bg1"/>
+                          </a:solidFill>
+                          <a:effectLst/>
+                          <a:latin typeface="Maven Pro" panose="020B0604020202020204" charset="0"/>
+                          <a:cs typeface="Arial"/>
+                          <a:sym typeface="Arial"/>
+                        </a:rPr>
+                        <a:t>, puppy, winter, soft, reflective, warm, cat</a:t>
+                      </a:r>
+                      <a:endParaRPr lang="es-MX" sz="1200" b="0" i="0" u="none" strike="noStrike" kern="100" cap="none" dirty="0">
                         <a:solidFill>
                           <a:schemeClr val="bg1"/>
                         </a:solidFill>
                         <a:effectLst/>
                         <a:latin typeface="Maven Pro" panose="020B0604020202020204" charset="0"/>
                         <a:ea typeface="Calibri" panose="020F0502020204030204" pitchFamily="34" charset="0"/>
-                        <a:cs typeface="Times New Roman" panose="02020603050405020304" pitchFamily="18" charset="0"/>
+                        <a:cs typeface="Arial"/>
+                        <a:sym typeface="Arial"/>
                       </a:endParaRPr>
                     </a:p>
                   </a:txBody>
@@ -21854,42 +22181,52 @@
                 </a:tc>
                 <a:extLst>
                   <a:ext uri="{0D108BD9-81ED-4DB2-BD59-A6C34878D82A}">
-                    <a16:rowId xmlns:a16="http://schemas.microsoft.com/office/drawing/2014/main" val="2874420666"/>
+                    <a16:rowId xmlns:a16="http://schemas.microsoft.com/office/drawing/2014/main" val="4057236086"/>
                   </a:ext>
                 </a:extLst>
               </a:tr>
-              <a:tr h="591314">
+              <a:tr h="578950">
                 <a:tc>
                   <a:txBody>
                     <a:bodyPr/>
                     <a:lstStyle/>
                     <a:p>
-                      <a:pPr>
+                      <a:pPr marR="0" algn="l" rtl="0">
                         <a:lnSpc>
                           <a:spcPct val="107000"/>
                         </a:lnSpc>
+                        <a:spcBef>
+                          <a:spcPts val="0"/>
+                        </a:spcBef>
                         <a:spcAft>
                           <a:spcPts val="800"/>
                         </a:spcAft>
+                        <a:buClr>
+                          <a:srgbClr val="000000"/>
+                        </a:buClr>
+                        <a:buFont typeface="Arial"/>
                       </a:pPr>
                       <a:r>
-                        <a:rPr lang="es-MX" sz="1100" kern="100">
+                        <a:rPr lang="en-US" sz="1200" b="0" i="0" u="none" strike="noStrike" kern="100" cap="none">
                           <a:solidFill>
                             <a:schemeClr val="bg1"/>
                           </a:solidFill>
                           <a:effectLst/>
                           <a:latin typeface="Maven Pro" panose="020B0604020202020204" charset="0"/>
+                          <a:cs typeface="Arial"/>
+                          <a:sym typeface="Arial"/>
                         </a:rPr>
-                        <a:t>Cluster 2</a:t>
+                        <a:t>2</a:t>
                       </a:r>
-                      <a:endParaRPr lang="es-MX" sz="1100" kern="100">
+                      <a:endParaRPr lang="es-MX" sz="1200" b="0" i="0" u="none" strike="noStrike" kern="100" cap="none">
                         <a:solidFill>
                           <a:schemeClr val="bg1"/>
                         </a:solidFill>
                         <a:effectLst/>
                         <a:latin typeface="Maven Pro" panose="020B0604020202020204" charset="0"/>
                         <a:ea typeface="Calibri" panose="020F0502020204030204" pitchFamily="34" charset="0"/>
-                        <a:cs typeface="Times New Roman" panose="02020603050405020304" pitchFamily="18" charset="0"/>
+                        <a:cs typeface="Arial"/>
+                        <a:sym typeface="Arial"/>
                       </a:endParaRPr>
                     </a:p>
                   </a:txBody>
@@ -21900,32 +22237,42 @@
                     <a:bodyPr/>
                     <a:lstStyle/>
                     <a:p>
-                      <a:pPr>
+                      <a:pPr marR="0" algn="l" rtl="0">
                         <a:lnSpc>
                           <a:spcPct val="107000"/>
                         </a:lnSpc>
+                        <a:spcBef>
+                          <a:spcPts val="0"/>
+                        </a:spcBef>
                         <a:spcAft>
                           <a:spcPts val="800"/>
                         </a:spcAft>
+                        <a:buClr>
+                          <a:srgbClr val="000000"/>
+                        </a:buClr>
+                        <a:buFont typeface="Arial"/>
                       </a:pPr>
                       <a:r>
-                        <a:rPr lang="en-US" sz="1100" kern="100" dirty="0">
+                        <a:rPr lang="en-US" sz="1200" b="0" i="0" u="none" strike="noStrike" kern="100" cap="none" dirty="0">
                           <a:solidFill>
                             <a:schemeClr val="bg1"/>
                           </a:solidFill>
                           <a:effectLst/>
                           <a:latin typeface="Maven Pro" panose="020B0604020202020204" charset="0"/>
+                          <a:cs typeface="Arial"/>
+                          <a:sym typeface="Arial"/>
                         </a:rPr>
-                        <a:t>bags, poop, waste, walking, outdoor, bag, plastic, dispenser, leak, doggy, holder, travel, roll, proof, replacements, refuse, cleanup, supplies, tear, best</a:t>
+                        <a:t>bed, dog, washable, cover, seat, beds, dogs, waterproof, large, crate, pet, sofa, orthopedic, car, removable, blanket, mat, couch, foam, cat</a:t>
                       </a:r>
-                      <a:endParaRPr lang="es-MX" sz="1100" kern="100" dirty="0">
+                      <a:endParaRPr lang="es-MX" sz="1200" b="0" i="0" u="none" strike="noStrike" kern="100" cap="none" dirty="0">
                         <a:solidFill>
                           <a:schemeClr val="bg1"/>
                         </a:solidFill>
                         <a:effectLst/>
                         <a:latin typeface="Maven Pro" panose="020B0604020202020204" charset="0"/>
                         <a:ea typeface="Calibri" panose="020F0502020204030204" pitchFamily="34" charset="0"/>
-                        <a:cs typeface="Times New Roman" panose="02020603050405020304" pitchFamily="18" charset="0"/>
+                        <a:cs typeface="Arial"/>
+                        <a:sym typeface="Arial"/>
                       </a:endParaRPr>
                     </a:p>
                   </a:txBody>
@@ -21933,42 +22280,52 @@
                 </a:tc>
                 <a:extLst>
                   <a:ext uri="{0D108BD9-81ED-4DB2-BD59-A6C34878D82A}">
-                    <a16:rowId xmlns:a16="http://schemas.microsoft.com/office/drawing/2014/main" val="2204589376"/>
+                    <a16:rowId xmlns:a16="http://schemas.microsoft.com/office/drawing/2014/main" val="514459726"/>
                   </a:ext>
                 </a:extLst>
               </a:tr>
-              <a:tr h="591314">
+              <a:tr h="578950">
                 <a:tc>
                   <a:txBody>
                     <a:bodyPr/>
                     <a:lstStyle/>
                     <a:p>
-                      <a:pPr>
+                      <a:pPr marR="0" algn="l" rtl="0">
                         <a:lnSpc>
                           <a:spcPct val="107000"/>
                         </a:lnSpc>
+                        <a:spcBef>
+                          <a:spcPts val="0"/>
+                        </a:spcBef>
                         <a:spcAft>
                           <a:spcPts val="800"/>
                         </a:spcAft>
+                        <a:buClr>
+                          <a:srgbClr val="000000"/>
+                        </a:buClr>
+                        <a:buFont typeface="Arial"/>
                       </a:pPr>
                       <a:r>
-                        <a:rPr lang="es-MX" sz="1100" kern="100">
+                        <a:rPr lang="en-US" sz="1200" b="0" i="0" u="none" strike="noStrike" kern="100" cap="none">
                           <a:solidFill>
                             <a:schemeClr val="bg1"/>
                           </a:solidFill>
                           <a:effectLst/>
                           <a:latin typeface="Maven Pro" panose="020B0604020202020204" charset="0"/>
+                          <a:cs typeface="Arial"/>
+                          <a:sym typeface="Arial"/>
                         </a:rPr>
-                        <a:t>Cluster 3</a:t>
+                        <a:t>3</a:t>
                       </a:r>
-                      <a:endParaRPr lang="es-MX" sz="1100" kern="100">
+                      <a:endParaRPr lang="es-MX" sz="1200" b="0" i="0" u="none" strike="noStrike" kern="100" cap="none">
                         <a:solidFill>
                           <a:schemeClr val="bg1"/>
                         </a:solidFill>
                         <a:effectLst/>
                         <a:latin typeface="Maven Pro" panose="020B0604020202020204" charset="0"/>
                         <a:ea typeface="Calibri" panose="020F0502020204030204" pitchFamily="34" charset="0"/>
-                        <a:cs typeface="Times New Roman" panose="02020603050405020304" pitchFamily="18" charset="0"/>
+                        <a:cs typeface="Arial"/>
+                        <a:sym typeface="Arial"/>
                       </a:endParaRPr>
                     </a:p>
                   </a:txBody>
@@ -21979,32 +22336,66 @@
                     <a:bodyPr/>
                     <a:lstStyle/>
                     <a:p>
-                      <a:pPr>
+                      <a:pPr marR="0" algn="l" rtl="0">
                         <a:lnSpc>
                           <a:spcPct val="107000"/>
                         </a:lnSpc>
+                        <a:spcBef>
+                          <a:spcPts val="0"/>
+                        </a:spcBef>
                         <a:spcAft>
                           <a:spcPts val="800"/>
                         </a:spcAft>
+                        <a:buClr>
+                          <a:srgbClr val="000000"/>
+                        </a:buClr>
+                        <a:buFont typeface="Arial"/>
                       </a:pPr>
                       <a:r>
-                        <a:rPr lang="en-US" sz="1100" kern="100" dirty="0">
+                        <a:rPr lang="en-US" sz="1200" b="0" i="0" u="none" strike="noStrike" kern="100" cap="none" dirty="0">
                           <a:solidFill>
                             <a:schemeClr val="bg1"/>
                           </a:solidFill>
                           <a:effectLst/>
                           <a:latin typeface="Maven Pro" panose="020B0604020202020204" charset="0"/>
+                          <a:cs typeface="Arial"/>
+                          <a:sym typeface="Arial"/>
                         </a:rPr>
-                        <a:t>dog, pet, dogs, cat, food, collar, large, small, cats, adjustable, harness, grooming, medium, puppy, pads, soft, pack, training, toys, seat</a:t>
+                        <a:t>voyager, neoprene, breed, </a:t>
                       </a:r>
-                      <a:endParaRPr lang="es-MX" sz="1100" kern="100" dirty="0">
+                      <a:r>
+                        <a:rPr lang="en-US" sz="1200" b="0" i="0" u="none" strike="noStrike" kern="100" cap="none" dirty="0" err="1">
+                          <a:solidFill>
+                            <a:schemeClr val="bg1"/>
+                          </a:solidFill>
+                          <a:effectLst/>
+                          <a:latin typeface="Maven Pro" panose="020B0604020202020204" charset="0"/>
+                          <a:cs typeface="Arial"/>
+                          <a:sym typeface="Arial"/>
+                        </a:rPr>
+                        <a:t>stepin</a:t>
+                      </a:r>
+                      <a:r>
+                        <a:rPr lang="en-US" sz="1200" b="0" i="0" u="none" strike="noStrike" kern="100" cap="none" dirty="0">
+                          <a:solidFill>
+                            <a:schemeClr val="bg1"/>
+                          </a:solidFill>
+                          <a:effectLst/>
+                          <a:latin typeface="Maven Pro" panose="020B0604020202020204" charset="0"/>
+                          <a:cs typeface="Arial"/>
+                          <a:sym typeface="Arial"/>
+                        </a:rPr>
+                        <a:t>, harness, handle, leash, best, reflective, combo, supplies, medium, small, supports, large, puppies, air, set, weather, mesh</a:t>
+                      </a:r>
+                      <a:endParaRPr lang="es-MX" sz="1200" b="0" i="0" u="none" strike="noStrike" kern="100" cap="none" dirty="0">
                         <a:solidFill>
                           <a:schemeClr val="bg1"/>
                         </a:solidFill>
                         <a:effectLst/>
                         <a:latin typeface="Maven Pro" panose="020B0604020202020204" charset="0"/>
                         <a:ea typeface="Calibri" panose="020F0502020204030204" pitchFamily="34" charset="0"/>
-                        <a:cs typeface="Times New Roman" panose="02020603050405020304" pitchFamily="18" charset="0"/>
+                        <a:cs typeface="Arial"/>
+                        <a:sym typeface="Arial"/>
                       </a:endParaRPr>
                     </a:p>
                   </a:txBody>
@@ -22012,42 +22403,52 @@
                 </a:tc>
                 <a:extLst>
                   <a:ext uri="{0D108BD9-81ED-4DB2-BD59-A6C34878D82A}">
-                    <a16:rowId xmlns:a16="http://schemas.microsoft.com/office/drawing/2014/main" val="1204893655"/>
+                    <a16:rowId xmlns:a16="http://schemas.microsoft.com/office/drawing/2014/main" val="1929498185"/>
                   </a:ext>
                 </a:extLst>
               </a:tr>
-              <a:tr h="591314">
+              <a:tr h="578950">
                 <a:tc>
                   <a:txBody>
                     <a:bodyPr/>
                     <a:lstStyle/>
                     <a:p>
-                      <a:pPr>
+                      <a:pPr marR="0" algn="l" rtl="0">
                         <a:lnSpc>
                           <a:spcPct val="107000"/>
                         </a:lnSpc>
+                        <a:spcBef>
+                          <a:spcPts val="0"/>
+                        </a:spcBef>
                         <a:spcAft>
                           <a:spcPts val="800"/>
                         </a:spcAft>
+                        <a:buClr>
+                          <a:srgbClr val="000000"/>
+                        </a:buClr>
+                        <a:buFont typeface="Arial"/>
                       </a:pPr>
                       <a:r>
-                        <a:rPr lang="es-MX" sz="1100" kern="100">
+                        <a:rPr lang="en-US" sz="1200" b="0" i="0" u="none" strike="noStrike" kern="100" cap="none">
                           <a:solidFill>
                             <a:schemeClr val="bg1"/>
                           </a:solidFill>
                           <a:effectLst/>
                           <a:latin typeface="Maven Pro" panose="020B0604020202020204" charset="0"/>
+                          <a:cs typeface="Arial"/>
+                          <a:sym typeface="Arial"/>
                         </a:rPr>
-                        <a:t>Cluster 4</a:t>
+                        <a:t>4</a:t>
                       </a:r>
-                      <a:endParaRPr lang="es-MX" sz="1100" kern="100">
+                      <a:endParaRPr lang="es-MX" sz="1200" b="0" i="0" u="none" strike="noStrike" kern="100" cap="none">
                         <a:solidFill>
                           <a:schemeClr val="bg1"/>
                         </a:solidFill>
                         <a:effectLst/>
                         <a:latin typeface="Maven Pro" panose="020B0604020202020204" charset="0"/>
                         <a:ea typeface="Calibri" panose="020F0502020204030204" pitchFamily="34" charset="0"/>
-                        <a:cs typeface="Times New Roman" panose="02020603050405020304" pitchFamily="18" charset="0"/>
+                        <a:cs typeface="Arial"/>
+                        <a:sym typeface="Arial"/>
                       </a:endParaRPr>
                     </a:p>
                   </a:txBody>
@@ -22058,32 +22459,42 @@
                     <a:bodyPr/>
                     <a:lstStyle/>
                     <a:p>
-                      <a:pPr>
+                      <a:pPr marR="0" algn="l" rtl="0">
                         <a:lnSpc>
                           <a:spcPct val="107000"/>
                         </a:lnSpc>
+                        <a:spcBef>
+                          <a:spcPts val="0"/>
+                        </a:spcBef>
                         <a:spcAft>
                           <a:spcPts val="800"/>
                         </a:spcAft>
+                        <a:buClr>
+                          <a:srgbClr val="000000"/>
+                        </a:buClr>
+                        <a:buFont typeface="Arial"/>
                       </a:pPr>
                       <a:r>
-                        <a:rPr lang="en-US" sz="1100" kern="100" dirty="0">
+                        <a:rPr lang="en-US" sz="1200" b="0" i="0" u="none" strike="noStrike" kern="100" cap="none" dirty="0">
                           <a:solidFill>
                             <a:schemeClr val="bg1"/>
                           </a:solidFill>
                           <a:effectLst/>
                           <a:latin typeface="Maven Pro" panose="020B0604020202020204" charset="0"/>
+                          <a:cs typeface="Arial"/>
+                          <a:sym typeface="Arial"/>
                         </a:rPr>
-                        <a:t>bed, washable, dog, beds, cover, large, dogs, crate, waterproof, orthopedic, sofa, removable, blanket, pet, mat, couch, foam, cat, plush, pad</a:t>
+                        <a:t>fountain, water, filters, cat, replacement, dispenser, filter, automatic, pump, bowl, steel, stainless, pet, pack, filtration, quiet, dog, cats, drinking, inside</a:t>
                       </a:r>
-                      <a:endParaRPr lang="es-MX" sz="1100" kern="100" dirty="0">
+                      <a:endParaRPr lang="es-MX" sz="1200" b="0" i="0" u="none" strike="noStrike" kern="100" cap="none" dirty="0">
                         <a:solidFill>
                           <a:schemeClr val="bg1"/>
                         </a:solidFill>
                         <a:effectLst/>
                         <a:latin typeface="Maven Pro" panose="020B0604020202020204" charset="0"/>
                         <a:ea typeface="Calibri" panose="020F0502020204030204" pitchFamily="34" charset="0"/>
-                        <a:cs typeface="Times New Roman" panose="02020603050405020304" pitchFamily="18" charset="0"/>
+                        <a:cs typeface="Arial"/>
+                        <a:sym typeface="Arial"/>
                       </a:endParaRPr>
                     </a:p>
                   </a:txBody>
@@ -22091,52 +22502,52 @@
                 </a:tc>
                 <a:extLst>
                   <a:ext uri="{0D108BD9-81ED-4DB2-BD59-A6C34878D82A}">
-                    <a16:rowId xmlns:a16="http://schemas.microsoft.com/office/drawing/2014/main" val="2745790556"/>
+                    <a16:rowId xmlns:a16="http://schemas.microsoft.com/office/drawing/2014/main" val="1434480916"/>
                   </a:ext>
                 </a:extLst>
               </a:tr>
-              <a:tr h="591314">
+              <a:tr h="578950">
                 <a:tc>
                   <a:txBody>
                     <a:bodyPr/>
                     <a:lstStyle/>
                     <a:p>
-                      <a:pPr>
+                      <a:pPr marR="0" algn="l" rtl="0">
                         <a:lnSpc>
                           <a:spcPct val="107000"/>
                         </a:lnSpc>
+                        <a:spcBef>
+                          <a:spcPts val="0"/>
+                        </a:spcBef>
                         <a:spcAft>
                           <a:spcPts val="800"/>
                         </a:spcAft>
+                        <a:buClr>
+                          <a:srgbClr val="000000"/>
+                        </a:buClr>
+                        <a:buFont typeface="Arial"/>
                       </a:pPr>
                       <a:r>
-                        <a:rPr lang="es-MX" sz="1100" kern="100" dirty="0" err="1">
+                        <a:rPr lang="en-US" sz="1200" b="0" i="0" u="none" strike="noStrike" kern="100" cap="none">
                           <a:solidFill>
                             <a:schemeClr val="bg1"/>
                           </a:solidFill>
                           <a:effectLst/>
                           <a:latin typeface="Maven Pro" panose="020B0604020202020204" charset="0"/>
+                          <a:cs typeface="Arial"/>
+                          <a:sym typeface="Arial"/>
                         </a:rPr>
-                        <a:t>Cluster</a:t>
+                        <a:t>5</a:t>
                       </a:r>
-                      <a:r>
-                        <a:rPr lang="es-MX" sz="1100" kern="100" dirty="0">
-                          <a:solidFill>
-                            <a:schemeClr val="bg1"/>
-                          </a:solidFill>
-                          <a:effectLst/>
-                          <a:latin typeface="Maven Pro" panose="020B0604020202020204" charset="0"/>
-                        </a:rPr>
-                        <a:t> 5</a:t>
-                      </a:r>
-                      <a:endParaRPr lang="es-MX" sz="1100" kern="100" dirty="0">
+                      <a:endParaRPr lang="es-MX" sz="1200" b="0" i="0" u="none" strike="noStrike" kern="100" cap="none">
                         <a:solidFill>
                           <a:schemeClr val="bg1"/>
                         </a:solidFill>
                         <a:effectLst/>
                         <a:latin typeface="Maven Pro" panose="020B0604020202020204" charset="0"/>
                         <a:ea typeface="Calibri" panose="020F0502020204030204" pitchFamily="34" charset="0"/>
-                        <a:cs typeface="Times New Roman" panose="02020603050405020304" pitchFamily="18" charset="0"/>
+                        <a:cs typeface="Arial"/>
+                        <a:sym typeface="Arial"/>
                       </a:endParaRPr>
                     </a:p>
                   </a:txBody>
@@ -22147,72 +22558,42 @@
                     <a:bodyPr/>
                     <a:lstStyle/>
                     <a:p>
-                      <a:pPr>
+                      <a:pPr marR="0" algn="l" rtl="0">
                         <a:lnSpc>
                           <a:spcPct val="107000"/>
                         </a:lnSpc>
+                        <a:spcBef>
+                          <a:spcPts val="0"/>
+                        </a:spcBef>
                         <a:spcAft>
                           <a:spcPts val="800"/>
                         </a:spcAft>
+                        <a:buClr>
+                          <a:srgbClr val="000000"/>
+                        </a:buClr>
+                        <a:buFont typeface="Arial"/>
                       </a:pPr>
                       <a:r>
-                        <a:rPr lang="en-US" sz="1100" kern="100" dirty="0">
+                        <a:rPr lang="en-US" sz="1200" b="0" i="0" u="none" strike="noStrike" kern="100" cap="none" dirty="0">
                           <a:solidFill>
                             <a:schemeClr val="bg1"/>
                           </a:solidFill>
                           <a:effectLst/>
                           <a:latin typeface="Maven Pro" panose="020B0604020202020204" charset="0"/>
+                          <a:cs typeface="Arial"/>
+                          <a:sym typeface="Arial"/>
                         </a:rPr>
-                        <a:t>clothes, dog, sweater, costume, winter, </a:t>
+                        <a:t>bags, poop, waste, walking, outdoor, bag, plastic, dispenser, leak, doggy, holder, travel, roll, proof, replacements, refuse, cleanup, supplies, tear, best</a:t>
                       </a:r>
-                      <a:r>
-                        <a:rPr lang="en-US" sz="1100" kern="100" dirty="0" err="1">
-                          <a:solidFill>
-                            <a:schemeClr val="bg1"/>
-                          </a:solidFill>
-                          <a:effectLst/>
-                          <a:latin typeface="Maven Pro" panose="020B0604020202020204" charset="0"/>
-                        </a:rPr>
-                        <a:t>halloween</a:t>
-                      </a:r>
-                      <a:r>
-                        <a:rPr lang="en-US" sz="1100" kern="100" dirty="0">
-                          <a:solidFill>
-                            <a:schemeClr val="bg1"/>
-                          </a:solidFill>
-                          <a:effectLst/>
-                          <a:latin typeface="Maven Pro" panose="020B0604020202020204" charset="0"/>
-                        </a:rPr>
-                        <a:t>, warm, puppy, small, apparel, pet, dogs, cat, </a:t>
-                      </a:r>
-                      <a:r>
-                        <a:rPr lang="en-US" sz="1100" kern="100" dirty="0" err="1">
-                          <a:solidFill>
-                            <a:schemeClr val="bg1"/>
-                          </a:solidFill>
-                          <a:effectLst/>
-                          <a:latin typeface="Maven Pro" panose="020B0604020202020204" charset="0"/>
-                        </a:rPr>
-                        <a:t>christmas</a:t>
-                      </a:r>
-                      <a:r>
-                        <a:rPr lang="en-US" sz="1100" kern="100" dirty="0">
-                          <a:solidFill>
-                            <a:schemeClr val="bg1"/>
-                          </a:solidFill>
-                          <a:effectLst/>
-                          <a:latin typeface="Maven Pro" panose="020B0604020202020204" charset="0"/>
-                        </a:rPr>
-                        <a:t>, sweaters, coat, pajamas, costumes, cold, medium</a:t>
-                      </a:r>
-                      <a:endParaRPr lang="es-MX" sz="1100" kern="100" dirty="0">
+                      <a:endParaRPr lang="es-MX" sz="1200" b="0" i="0" u="none" strike="noStrike" kern="100" cap="none" dirty="0">
                         <a:solidFill>
                           <a:schemeClr val="bg1"/>
                         </a:solidFill>
                         <a:effectLst/>
                         <a:latin typeface="Maven Pro" panose="020B0604020202020204" charset="0"/>
                         <a:ea typeface="Calibri" panose="020F0502020204030204" pitchFamily="34" charset="0"/>
-                        <a:cs typeface="Times New Roman" panose="02020603050405020304" pitchFamily="18" charset="0"/>
+                        <a:cs typeface="Arial"/>
+                        <a:sym typeface="Arial"/>
                       </a:endParaRPr>
                     </a:p>
                   </a:txBody>
@@ -22220,7 +22601,7 @@
                 </a:tc>
                 <a:extLst>
                   <a:ext uri="{0D108BD9-81ED-4DB2-BD59-A6C34878D82A}">
-                    <a16:rowId xmlns:a16="http://schemas.microsoft.com/office/drawing/2014/main" val="3310516438"/>
+                    <a16:rowId xmlns:a16="http://schemas.microsoft.com/office/drawing/2014/main" val="3764499661"/>
                   </a:ext>
                 </a:extLst>
               </a:tr>
@@ -22228,6 +22609,75 @@
           </a:graphicData>
         </a:graphic>
       </p:graphicFrame>
+      <p:sp>
+        <p:nvSpPr>
+          <p:cNvPr id="6" name="Rectangle 2">
+            <a:extLst>
+              <a:ext uri="{FF2B5EF4-FFF2-40B4-BE49-F238E27FC236}">
+                <a16:creationId xmlns:a16="http://schemas.microsoft.com/office/drawing/2014/main" id="{6A67BC70-772B-BAF4-A4E9-2B72BDAFE865}"/>
+              </a:ext>
+            </a:extLst>
+          </p:cNvPr>
+          <p:cNvSpPr>
+            <a:spLocks noChangeArrowheads="1"/>
+          </p:cNvSpPr>
+          <p:nvPr/>
+        </p:nvSpPr>
+        <p:spPr bwMode="auto">
+          <a:xfrm>
+            <a:off x="1768475" y="1722438"/>
+            <a:ext cx="9144000" cy="457200"/>
+          </a:xfrm>
+          <a:prstGeom prst="rect">
+            <a:avLst/>
+          </a:prstGeom>
+          <a:noFill/>
+          <a:ln>
+            <a:noFill/>
+          </a:ln>
+          <a:effectLst/>
+          <a:extLst>
+            <a:ext uri="{909E8E84-426E-40DD-AFC4-6F175D3DCCD1}">
+              <a14:hiddenFill xmlns:a14="http://schemas.microsoft.com/office/drawing/2010/main">
+                <a:solidFill>
+                  <a:schemeClr val="accent1"/>
+                </a:solidFill>
+              </a14:hiddenFill>
+            </a:ext>
+            <a:ext uri="{91240B29-F687-4F45-9708-019B960494DF}">
+              <a14:hiddenLine xmlns:a14="http://schemas.microsoft.com/office/drawing/2010/main" w="9525">
+                <a:solidFill>
+                  <a:schemeClr val="tx1"/>
+                </a:solidFill>
+                <a:miter lim="800000"/>
+                <a:headEnd/>
+                <a:tailEnd/>
+              </a14:hiddenLine>
+            </a:ext>
+            <a:ext uri="{AF507438-7753-43E0-B8FC-AC1667EBCBE1}">
+              <a14:hiddenEffects xmlns:a14="http://schemas.microsoft.com/office/drawing/2010/main">
+                <a:effectLst>
+                  <a:outerShdw dist="35921" dir="2700000" algn="ctr" rotWithShape="0">
+                    <a:schemeClr val="bg2"/>
+                  </a:outerShdw>
+                </a:effectLst>
+              </a14:hiddenEffects>
+            </a:ext>
+          </a:extLst>
+        </p:spPr>
+        <p:txBody>
+          <a:bodyPr vert="horz" wrap="none" lIns="91440" tIns="45720" rIns="91440" bIns="45720" numCol="1" anchor="ctr" anchorCtr="0" compatLnSpc="1">
+            <a:prstTxWarp prst="textNoShape">
+              <a:avLst/>
+            </a:prstTxWarp>
+            <a:spAutoFit/>
+          </a:bodyPr>
+          <a:lstStyle/>
+          <a:p>
+            <a:endParaRPr lang="es-MX"/>
+          </a:p>
+        </p:txBody>
+      </p:sp>
     </p:spTree>
     <p:extLst>
       <p:ext uri="{BB962C8B-B14F-4D97-AF65-F5344CB8AC3E}">
@@ -22430,28 +22880,47 @@
                 <a:effectLst/>
                 <a:latin typeface="Maven Pro" panose="020B0604020202020204" charset="0"/>
               </a:rPr>
-              <a:t> 0 - Productos para el Descanso de Mascotas: </a:t>
+              <a:t> 0 - Productos para Mascotas y Aseo</a:t>
             </a:r>
             <a:r>
               <a:rPr lang="es-MX" sz="1100" i="0" dirty="0">
                 <a:effectLst/>
                 <a:latin typeface="Maven Pro" panose="020B0604020202020204" charset="0"/>
               </a:rPr>
-              <a:t>Este </a:t>
+              <a:t>: Incluye alimentos, juguetes, y artículos de aseo para perros y gatos. Este nicho abarca desde almohadillas de entrenamiento hasta cepillos y cortaúñas, orientado a dueños de mascotas interesados en el cuidado y bienestar de sus animales.</a:t>
+            </a:r>
+          </a:p>
+          <a:p>
+            <a:pPr marL="152400" indent="0" algn="l">
+              <a:buNone/>
+            </a:pPr>
+            <a:endParaRPr lang="es-MX" sz="1100" i="0" dirty="0">
+              <a:effectLst/>
+              <a:latin typeface="Maven Pro" panose="020B0604020202020204" charset="0"/>
+            </a:endParaRPr>
+          </a:p>
+          <a:p>
+            <a:pPr marL="152400" indent="0" algn="l">
+              <a:buNone/>
+            </a:pPr>
+            <a:r>
+              <a:rPr lang="es-MX" sz="1100" b="1" dirty="0" err="1">
+                <a:latin typeface="Maven Pro" panose="020B0604020202020204" charset="0"/>
+              </a:rPr>
+              <a:t>Cluster</a:t>
             </a:r>
             <a:r>
-              <a:rPr lang="es-MX" sz="1100" i="0" dirty="0" err="1">
-                <a:effectLst/>
+              <a:rPr lang="es-MX" sz="1100" b="1" dirty="0">
                 <a:latin typeface="Maven Pro" panose="020B0604020202020204" charset="0"/>
               </a:rPr>
-              <a:t>cluster</a:t>
+              <a:t> 1 - Accesorios y Ropa para Mascotas: </a:t>
             </a:r>
             <a:r>
               <a:rPr lang="es-MX" sz="1100" i="0" dirty="0">
                 <a:effectLst/>
                 <a:latin typeface="Maven Pro" panose="020B0604020202020204" charset="0"/>
               </a:rPr>
-              <a:t> se enfoca en productos relacionados con el descanso de mascotas, como camas, mantas, colchones y almohadas para perros y gatos. Podría dirigirse a dueños de mascotas que buscan comodidad y calidad para el descanso de sus animales.</a:t>
+              <a:t>Se centra en collares, ropa, y arneses para perros y gatos. Este nicho incluye desde disfraces hasta ropa reflectante y ajustable, dirigido a dueños de mascotas que buscan personalizar y proteger a sus animales.</a:t>
             </a:r>
           </a:p>
           <a:p>
@@ -22479,35 +22948,21 @@
                 <a:effectLst/>
                 <a:latin typeface="Maven Pro" panose="020B0604020202020204" charset="0"/>
               </a:rPr>
-              <a:t> 1 - Ropa y Accesorios para Mascotas en Clima Frío: </a:t>
+              <a:t> 2 - Artículos de Descanso y Viaje para Mascotas</a:t>
             </a:r>
             <a:r>
               <a:rPr lang="es-MX" sz="1100" i="0" dirty="0">
                 <a:effectLst/>
                 <a:latin typeface="Maven Pro" panose="020B0604020202020204" charset="0"/>
               </a:rPr>
-              <a:t>Este </a:t>
+              <a:t>: Incluye camas, fundas, y asientos para el descanso y el viaje de las mascotas. Este nicho ofrece productos como camas ortopédicas y cubiertas de asientos de coche, ideal para dueños que buscan comodidad y seguridad durante el descanso y el transporte de sus mascotas.</a:t>
             </a:r>
-            <a:r>
-              <a:rPr lang="es-MX" sz="1100" i="0" dirty="0" err="1">
-                <a:effectLst/>
-                <a:latin typeface="Maven Pro" panose="020B0604020202020204" charset="0"/>
-              </a:rPr>
-              <a:t>cluster</a:t>
-            </a:r>
-            <a:r>
-              <a:rPr lang="es-MX" sz="1100" i="0" dirty="0">
-                <a:effectLst/>
-                <a:latin typeface="Maven Pro" panose="020B0604020202020204" charset="0"/>
-              </a:rPr>
-              <a:t> se relaciona con ropa y accesorios para perros y gatos diseñados para climas fríos, incluyendo suéteres, abrigos y disfraces de invierno. Podría atraer a dueños de mascotas que desean mantener a sus animales abrigados durante el invierno.</a:t>
-            </a:r>
           </a:p>
           <a:p>
             <a:pPr marL="152400" indent="0" algn="l">
               <a:buNone/>
             </a:pPr>
-            <a:endParaRPr lang="es-MX" sz="1100" b="1" i="0" dirty="0">
+            <a:endParaRPr lang="es-MX" sz="1100" i="0" dirty="0">
               <a:effectLst/>
               <a:latin typeface="Maven Pro" panose="020B0604020202020204" charset="0"/>
             </a:endParaRPr>
@@ -22528,35 +22983,21 @@
                 <a:effectLst/>
                 <a:latin typeface="Maven Pro" panose="020B0604020202020204" charset="0"/>
               </a:rPr>
-              <a:t> 2 - Equipamiento para Paseo y Control de Mascotas: </a:t>
+              <a:t> 3 - Arneses y Accesorios de Paseo</a:t>
             </a:r>
             <a:r>
               <a:rPr lang="es-MX" sz="1100" i="0" dirty="0">
                 <a:effectLst/>
                 <a:latin typeface="Maven Pro" panose="020B0604020202020204" charset="0"/>
               </a:rPr>
-              <a:t>Este </a:t>
+              <a:t>: Agrupa arneses y accesorios para el paseo de mascotas, como correas y arneses reflectantes. Este nicho está orientado a dueños de mascotas que buscan seguridad y comodidad durante los paseos.</a:t>
             </a:r>
-            <a:r>
-              <a:rPr lang="es-MX" sz="1100" i="0" dirty="0" err="1">
-                <a:effectLst/>
-                <a:latin typeface="Maven Pro" panose="020B0604020202020204" charset="0"/>
-              </a:rPr>
-              <a:t>cluster</a:t>
-            </a:r>
-            <a:r>
-              <a:rPr lang="es-MX" sz="1100" i="0" dirty="0">
-                <a:effectLst/>
-                <a:latin typeface="Maven Pro" panose="020B0604020202020204" charset="0"/>
-              </a:rPr>
-              <a:t> incluye productos para el paseo y control de mascotas, como arneses, correas y collares reflectantes. Podría dirigirse a dueños de mascotas que buscan equipos de alta calidad y seguridad para sacar a pasear a sus animales.</a:t>
-            </a:r>
           </a:p>
           <a:p>
             <a:pPr marL="152400" indent="0" algn="l">
               <a:buNone/>
             </a:pPr>
-            <a:endParaRPr lang="es-MX" sz="1100" b="1" i="0" dirty="0">
+            <a:endParaRPr lang="es-MX" sz="1100" i="0" dirty="0">
               <a:effectLst/>
               <a:latin typeface="Maven Pro" panose="020B0604020202020204" charset="0"/>
             </a:endParaRPr>
@@ -22577,35 +23018,21 @@
                 <a:effectLst/>
                 <a:latin typeface="Maven Pro" panose="020B0604020202020204" charset="0"/>
               </a:rPr>
-              <a:t> 3 - Productos para la Alimentación y Cuidado de Mascotas: </a:t>
+              <a:t> 4 - Fuentes de Agua y Filtración: </a:t>
             </a:r>
             <a:r>
               <a:rPr lang="es-MX" sz="1100" i="0" dirty="0">
                 <a:effectLst/>
                 <a:latin typeface="Maven Pro" panose="020B0604020202020204" charset="0"/>
               </a:rPr>
-              <a:t>Este </a:t>
+              <a:t>Se enfoca en fuentes de agua y filtros para mascotas. Este nicho incluye desde dispensadores automáticos hasta fuentes de acero inoxidable, ideal para dueños que buscan mantener hidratadas a sus mascotas con agua fresca y filtrada.</a:t>
             </a:r>
-            <a:r>
-              <a:rPr lang="es-MX" sz="1100" i="0" dirty="0" err="1">
-                <a:effectLst/>
-                <a:latin typeface="Maven Pro" panose="020B0604020202020204" charset="0"/>
-              </a:rPr>
-              <a:t>cluster</a:t>
-            </a:r>
-            <a:r>
-              <a:rPr lang="es-MX" sz="1100" i="0" dirty="0">
-                <a:effectLst/>
-                <a:latin typeface="Maven Pro" panose="020B0604020202020204" charset="0"/>
-              </a:rPr>
-              <a:t> se enfoca en productos para la alimentación y cuidado de mascotas, como comida para perros y gatos, comederos, juguetes y accesorios de aseo. Podría interesar a dueños de mascotas que buscan productos de calidad para el cuidado y bienestar de sus animales.</a:t>
-            </a:r>
           </a:p>
           <a:p>
             <a:pPr marL="152400" indent="0" algn="l">
               <a:buNone/>
             </a:pPr>
-            <a:endParaRPr lang="es-MX" sz="1100" b="1" i="0" dirty="0">
+            <a:endParaRPr lang="es-MX" sz="1100" i="0" dirty="0">
               <a:effectLst/>
               <a:latin typeface="Maven Pro" panose="020B0604020202020204" charset="0"/>
             </a:endParaRPr>
@@ -22626,89 +23053,15 @@
                 <a:effectLst/>
                 <a:latin typeface="Maven Pro" panose="020B0604020202020204" charset="0"/>
               </a:rPr>
-              <a:t> 4 - Fuentes de Agua Automáticas para Mascotas: </a:t>
+              <a:t> 5 - Artículos de Limpieza y Paseo: </a:t>
             </a:r>
             <a:r>
               <a:rPr lang="es-MX" sz="1100" i="0" dirty="0">
                 <a:effectLst/>
                 <a:latin typeface="Maven Pro" panose="020B0604020202020204" charset="0"/>
               </a:rPr>
-              <a:t>Este </a:t>
+              <a:t>Contiene bolsas para desechos, dispensadores, y otros artículos para la limpieza durante el paseo. Este nicho es para dueños de mascotas que buscan soluciones prácticas y eficientes para la limpieza durante los paseos al aire libre.</a:t>
             </a:r>
-            <a:r>
-              <a:rPr lang="es-MX" sz="1100" i="0" dirty="0" err="1">
-                <a:effectLst/>
-                <a:latin typeface="Maven Pro" panose="020B0604020202020204" charset="0"/>
-              </a:rPr>
-              <a:t>cluster</a:t>
-            </a:r>
-            <a:r>
-              <a:rPr lang="es-MX" sz="1100" i="0" dirty="0">
-                <a:effectLst/>
-                <a:latin typeface="Maven Pro" panose="020B0604020202020204" charset="0"/>
-              </a:rPr>
-              <a:t> se relaciona con fuentes de agua automáticas para perros y gatos, incluyendo filtros y bombas. Podría atraer a dueños de mascotas preocupados por la hidratación y salud de sus animales.</a:t>
-            </a:r>
-          </a:p>
-          <a:p>
-            <a:pPr marL="152400" indent="0" algn="l">
-              <a:buNone/>
-            </a:pPr>
-            <a:endParaRPr lang="es-MX" sz="1100" b="1" i="0" dirty="0">
-              <a:effectLst/>
-              <a:latin typeface="Maven Pro" panose="020B0604020202020204" charset="0"/>
-            </a:endParaRPr>
-          </a:p>
-          <a:p>
-            <a:pPr marL="152400" indent="0" algn="l">
-              <a:buNone/>
-            </a:pPr>
-            <a:r>
-              <a:rPr lang="es-MX" sz="1100" b="1" i="0" dirty="0" err="1">
-                <a:effectLst/>
-                <a:latin typeface="Maven Pro" panose="020B0604020202020204" charset="0"/>
-              </a:rPr>
-              <a:t>Cluster</a:t>
-            </a:r>
-            <a:r>
-              <a:rPr lang="es-MX" sz="1100" b="1" i="0" dirty="0">
-                <a:effectLst/>
-                <a:latin typeface="Maven Pro" panose="020B0604020202020204" charset="0"/>
-              </a:rPr>
-              <a:t> 5 - Arnés y Accesorios para Paseos de Mascotas: </a:t>
-            </a:r>
-            <a:r>
-              <a:rPr lang="es-MX" sz="1100" i="0" dirty="0">
-                <a:effectLst/>
-                <a:latin typeface="Maven Pro" panose="020B0604020202020204" charset="0"/>
-              </a:rPr>
-              <a:t>Este </a:t>
-            </a:r>
-            <a:r>
-              <a:rPr lang="es-MX" sz="1100" i="0" dirty="0" err="1">
-                <a:effectLst/>
-                <a:latin typeface="Maven Pro" panose="020B0604020202020204" charset="0"/>
-              </a:rPr>
-              <a:t>cluster</a:t>
-            </a:r>
-            <a:r>
-              <a:rPr lang="es-MX" sz="1100" i="0" dirty="0">
-                <a:effectLst/>
-                <a:latin typeface="Maven Pro" panose="020B0604020202020204" charset="0"/>
-              </a:rPr>
-              <a:t> se centra en arneses y accesorios para paseos de mascotas, incluyendo chalecos reflectantes, correas ajustables y productos de control. Podría dirigirse a dueños de mascotas que buscan comodidad y seguridad durante los paseos con sus animales</a:t>
-            </a:r>
-            <a:r>
-              <a:rPr lang="es-MX" sz="1100" b="1" i="0" dirty="0">
-                <a:effectLst/>
-                <a:latin typeface="Maven Pro" panose="020B0604020202020204" charset="0"/>
-              </a:rPr>
-              <a:t>.</a:t>
-            </a:r>
-            <a:endParaRPr lang="es-MX" sz="1100" i="0" dirty="0">
-              <a:effectLst/>
-              <a:latin typeface="Maven Pro" panose="020B0604020202020204" charset="0"/>
-            </a:endParaRPr>
           </a:p>
         </p:txBody>
       </p:sp>
@@ -22950,7 +23303,7 @@
           <p:nvPr>
             <p:extLst>
               <p:ext uri="{D42A27DB-BD31-4B8C-83A1-F6EECF244321}">
-                <p14:modId xmlns:p14="http://schemas.microsoft.com/office/powerpoint/2010/main" val="3766004659"/>
+                <p14:modId xmlns:p14="http://schemas.microsoft.com/office/powerpoint/2010/main" val="1593921394"/>
               </p:ext>
             </p:extLst>
           </p:nvPr>
@@ -23048,7 +23401,7 @@
                           <a:cs typeface="Arial"/>
                           <a:sym typeface="Arial"/>
                         </a:rPr>
-                        <a:t>Top Terms</a:t>
+                        <a:t>Palabras Clave</a:t>
                       </a:r>
                       <a:endParaRPr lang="es-MX" sz="1400" b="1" i="0" u="none" strike="noStrike" kern="100" cap="none" dirty="0">
                         <a:solidFill>
@@ -23501,7 +23854,7 @@
                         <a:buFont typeface="Arial"/>
                       </a:pPr>
                       <a:r>
-                        <a:rPr lang="en-US" sz="1100" b="0" i="0" u="none" strike="noStrike" kern="100" cap="none">
+                        <a:rPr lang="en-US" sz="1100" b="0" i="0" u="none" strike="noStrike" kern="100" cap="none" dirty="0">
                           <a:solidFill>
                             <a:schemeClr val="bg1"/>
                           </a:solidFill>
@@ -23512,7 +23865,7 @@
                         </a:rPr>
                         <a:t>toy, kids, ages, play, set, girls, toys, boys, baby, toddler, gift, toddlers, pretend, learning, years, building, educational, kit, bath, playset</a:t>
                       </a:r>
-                      <a:endParaRPr lang="es-MX" sz="1100" b="0" i="0" u="none" strike="noStrike" kern="100" cap="none">
+                      <a:endParaRPr lang="es-MX" sz="1100" b="0" i="0" u="none" strike="noStrike" kern="100" cap="none" dirty="0">
                         <a:solidFill>
                           <a:schemeClr val="bg1"/>
                         </a:solidFill>
@@ -23950,21 +24303,21 @@
                 <a:effectLst/>
                 <a:latin typeface="Maven Pro" panose="020B0604020202020204" charset="0"/>
               </a:rPr>
-              <a:t> 0 - Juguetes para Niños y Fiestas Infantiles: </a:t>
+              <a:t> 0 - Juguetes de Peluche y Coleccionables</a:t>
             </a:r>
             <a:r>
               <a:rPr lang="es-MX" sz="1100" i="0" dirty="0">
                 <a:effectLst/>
                 <a:latin typeface="Maven Pro" panose="020B0604020202020204" charset="0"/>
               </a:rPr>
-              <a:t>Enfocado en juguetes y accesorios para niños, adecuados para diversas edades y ocasiones como fiestas infantiles y regalos de cumpleaños. Orientado a padres y organizadores de eventos en busca de entretenimiento y regalos para niños.</a:t>
+              <a:t>: Este nicho incluye juguetes de peluche, muñecos suaves, y almohadas con diseños de animales, apuntando a un mercado de coleccionistas y niños. Incluye productos oficiales y temáticos (como Halloween), ideal para regalos y coleccionables.</a:t>
             </a:r>
           </a:p>
           <a:p>
             <a:pPr marL="152400" indent="0" algn="l">
               <a:buNone/>
             </a:pPr>
-            <a:endParaRPr lang="es-MX" sz="1100" b="1" i="0" dirty="0">
+            <a:endParaRPr lang="es-MX" sz="1100" i="0" dirty="0">
               <a:effectLst/>
               <a:latin typeface="Maven Pro" panose="020B0604020202020204" charset="0"/>
             </a:endParaRPr>
@@ -23985,21 +24338,49 @@
                 <a:effectLst/>
                 <a:latin typeface="Maven Pro" panose="020B0604020202020204" charset="0"/>
               </a:rPr>
-              <a:t> 1 - Juguetes Educativos para Niños Pequeños: </a:t>
+              <a:t> 1 - Juguetes Sensoriales y de Alivio de Estrés</a:t>
             </a:r>
             <a:r>
               <a:rPr lang="es-MX" sz="1100" i="0" dirty="0">
                 <a:effectLst/>
                 <a:latin typeface="Maven Pro" panose="020B0604020202020204" charset="0"/>
               </a:rPr>
-              <a:t>Incluye juguetes educativos diseñados para niños pequeños, con juegos de aprendizaje, juguetes Montessori y actividades sensoriales. Dirigido a padres y cuidadores interesados en el desarrollo educativo de los niños.</a:t>
+              <a:t>: Enfocado en juguetes como </a:t>
             </a:r>
+            <a:r>
+              <a:rPr lang="es-MX" sz="1100" i="0" dirty="0" err="1">
+                <a:effectLst/>
+                <a:latin typeface="Maven Pro" panose="020B0604020202020204" charset="0"/>
+              </a:rPr>
+              <a:t>fidget</a:t>
+            </a:r>
+            <a:r>
+              <a:rPr lang="es-MX" sz="1100" i="0" dirty="0">
+                <a:effectLst/>
+                <a:latin typeface="Maven Pro" panose="020B0604020202020204" charset="0"/>
+              </a:rPr>
+              <a:t> </a:t>
+            </a:r>
+            <a:r>
+              <a:rPr lang="es-MX" sz="1100" i="0" dirty="0" err="1">
+                <a:effectLst/>
+                <a:latin typeface="Maven Pro" panose="020B0604020202020204" charset="0"/>
+              </a:rPr>
+              <a:t>spinners</a:t>
+            </a:r>
+            <a:r>
+              <a:rPr lang="es-MX" sz="1100" i="0" dirty="0">
+                <a:effectLst/>
+                <a:latin typeface="Maven Pro" panose="020B0604020202020204" charset="0"/>
+              </a:rPr>
+              <a:t> y cubos que ayudan a aliviar el estrés y la ansiedad, tanto para adultos como para niños. También incluye juguetes sensoriales que pueden ser útiles para personas con necesidades especiales.</a:t>
+            </a:r>
           </a:p>
           <a:p>
             <a:pPr marL="152400" indent="0" algn="l">
               <a:buNone/>
             </a:pPr>
-            <a:endParaRPr lang="es-MX" sz="1100" b="1" i="0" dirty="0">
+            <a:endParaRPr lang="es-MX" sz="1100" i="0" dirty="0">
               <a:effectLst/>
               <a:latin typeface="Maven Pro" panose="020B0604020202020204" charset="0"/>
             </a:endParaRPr>
@@ -24020,21 +24401,21 @@
                 <a:effectLst/>
                 <a:latin typeface="Maven Pro" panose="020B0604020202020204" charset="0"/>
               </a:rPr>
-              <a:t> 2 - Vehículos de Control Remoto y Juguetes de Carreras: </a:t>
+              <a:t> 2 - Juguetes Educativos para Niños Pequeños</a:t>
             </a:r>
             <a:r>
               <a:rPr lang="es-MX" sz="1100" i="0" dirty="0">
                 <a:effectLst/>
                 <a:latin typeface="Maven Pro" panose="020B0604020202020204" charset="0"/>
               </a:rPr>
-              <a:t>Relacionado con vehículos de control remoto, como autos y camiones, además de juguetes de carreras. Enfocado en entusiastas de la velocidad y la tecnología, especialmente niños y adolescentes.</a:t>
+              <a:t>: Este nicho se centra en juguetes para niños de diferentes edades, especialmente diseñados para estimular el aprendizaje y el desarrollo. Incluye juguetes para bebés, niños pequeños y regalos de cumpleaños educativos.</a:t>
             </a:r>
           </a:p>
           <a:p>
             <a:pPr marL="152400" indent="0" algn="l">
               <a:buNone/>
             </a:pPr>
-            <a:endParaRPr lang="es-MX" sz="1100" b="1" i="0" dirty="0">
+            <a:endParaRPr lang="es-MX" sz="1100" i="0" dirty="0">
               <a:effectLst/>
               <a:latin typeface="Maven Pro" panose="020B0604020202020204" charset="0"/>
             </a:endParaRPr>
@@ -24055,35 +24436,21 @@
                 <a:effectLst/>
                 <a:latin typeface="Maven Pro" panose="020B0604020202020204" charset="0"/>
               </a:rPr>
-              <a:t> 3 - Juguetes Sensoriales y Antiestrés: </a:t>
+              <a:t> 3 - Juguetes Versátiles para Todas las Edades</a:t>
             </a:r>
             <a:r>
               <a:rPr lang="es-MX" sz="1100" i="0" dirty="0">
                 <a:effectLst/>
                 <a:latin typeface="Maven Pro" panose="020B0604020202020204" charset="0"/>
               </a:rPr>
-              <a:t>Contiene juguetes diseñados para aliviar el estrés y la ansiedad, incluyendo los populares "pop </a:t>
+              <a:t>: Un nicho más general que incluye juguetes para un amplio rango de edades. Enfatiza en juguetes educativos, de construcción, y de juego de roles, ideales para regalos y aprendizaje a través del juego.</a:t>
             </a:r>
-            <a:r>
-              <a:rPr lang="es-MX" sz="1100" i="0" dirty="0" err="1">
-                <a:effectLst/>
-                <a:latin typeface="Maven Pro" panose="020B0604020202020204" charset="0"/>
-              </a:rPr>
-              <a:t>it</a:t>
-            </a:r>
-            <a:r>
-              <a:rPr lang="es-MX" sz="1100" i="0" dirty="0">
-                <a:effectLst/>
-                <a:latin typeface="Maven Pro" panose="020B0604020202020204" charset="0"/>
-              </a:rPr>
-              <a:t>" y otros juguetes sensoriales. Apto para personas de todas las edades buscando reducir estrés y tensión.</a:t>
-            </a:r>
           </a:p>
           <a:p>
             <a:pPr marL="152400" indent="0" algn="l">
               <a:buNone/>
             </a:pPr>
-            <a:endParaRPr lang="es-MX" sz="1100" b="1" i="0" dirty="0">
+            <a:endParaRPr lang="es-MX" sz="1100" i="0" dirty="0">
               <a:effectLst/>
               <a:latin typeface="Maven Pro" panose="020B0604020202020204" charset="0"/>
             </a:endParaRPr>
@@ -24104,21 +24471,21 @@
                 <a:effectLst/>
                 <a:latin typeface="Maven Pro" panose="020B0604020202020204" charset="0"/>
               </a:rPr>
-              <a:t> 4 - Peluches y Muñecos de Peluche: </a:t>
+              <a:t> 4 - Juguetes para Fiestas y Eventos</a:t>
             </a:r>
             <a:r>
               <a:rPr lang="es-MX" sz="1100" i="0" dirty="0">
                 <a:effectLst/>
                 <a:latin typeface="Maven Pro" panose="020B0604020202020204" charset="0"/>
               </a:rPr>
-              <a:t>Se enfoca en peluches y muñecos de peluche, ofreciendo opciones suaves y adorables. Ideal para amantes de los peluches de todas las edades, en especial quienes buscan compañeros de peluche.</a:t>
+              <a:t>: Orientado a juguetes pequeños y económicos que pueden ser usados como obsequios en fiestas, rellenos de bolsas de regalo, premios de clase, y decoraciones para eventos temáticos como Halloween.</a:t>
             </a:r>
           </a:p>
           <a:p>
             <a:pPr marL="152400" indent="0" algn="l">
               <a:buNone/>
             </a:pPr>
-            <a:endParaRPr lang="es-MX" sz="1100" b="1" i="0" dirty="0">
+            <a:endParaRPr lang="es-MX" sz="1100" i="0" dirty="0">
               <a:effectLst/>
               <a:latin typeface="Maven Pro" panose="020B0604020202020204" charset="0"/>
             </a:endParaRPr>
@@ -24135,25 +24502,32 @@
               <a:t>Cluster</a:t>
             </a:r>
             <a:r>
-              <a:rPr lang="es-MX" sz="1100" b="1" i="0">
-                <a:effectLst/>
-                <a:latin typeface="Maven Pro" panose="020B0604020202020204" charset="0"/>
-              </a:rPr>
-              <a:t> 5 - Juguetes </a:t>
-            </a:r>
-            <a:r>
               <a:rPr lang="es-MX" sz="1100" b="1" i="0" dirty="0">
                 <a:effectLst/>
                 <a:latin typeface="Maven Pro" panose="020B0604020202020204" charset="0"/>
               </a:rPr>
-              <a:t>de Construcción y Creatividad: </a:t>
+              <a:t> 5 - Juguetes Sensoriales para Necesidades Especiales</a:t>
             </a:r>
             <a:r>
               <a:rPr lang="es-MX" sz="1100" i="0" dirty="0">
                 <a:effectLst/>
                 <a:latin typeface="Maven Pro" panose="020B0604020202020204" charset="0"/>
               </a:rPr>
-              <a:t>Incluye juguetes de construcción, como bloques magnéticos y kits de construcción STEM. Orientado a padres y educadores interesados en fomentar la creatividad y el pensamiento lógico en los niños.</a:t>
+              <a:t>: Similar al </a:t>
+            </a:r>
+            <a:r>
+              <a:rPr lang="es-MX" sz="1100" i="0" dirty="0" err="1">
+                <a:effectLst/>
+                <a:latin typeface="Maven Pro" panose="020B0604020202020204" charset="0"/>
+              </a:rPr>
+              <a:t>Cluster</a:t>
+            </a:r>
+            <a:r>
+              <a:rPr lang="es-MX" sz="1100" i="0" dirty="0">
+                <a:effectLst/>
+                <a:latin typeface="Maven Pro" panose="020B0604020202020204" charset="0"/>
+              </a:rPr>
+              <a:t> 1, pero con un enfoque más específico en juguetes diseñados para personas con necesidades especiales, incluyendo juguetes sensoriales y de alivio de estrés.</a:t>
             </a:r>
           </a:p>
         </p:txBody>
@@ -24982,6 +25356,816 @@
   <p:cSld>
     <p:spTree>
       <p:nvGrpSpPr>
+        <p:cNvPr id="1" name="Shape 687"/>
+        <p:cNvGrpSpPr/>
+        <p:nvPr/>
+      </p:nvGrpSpPr>
+      <p:grpSpPr>
+        <a:xfrm>
+          <a:off x="0" y="0"/>
+          <a:ext cx="0" cy="0"/>
+          <a:chOff x="0" y="0"/>
+          <a:chExt cx="0" cy="0"/>
+        </a:xfrm>
+      </p:grpSpPr>
+      <p:sp>
+        <p:nvSpPr>
+          <p:cNvPr id="688" name="Google Shape;688;p32"/>
+          <p:cNvSpPr txBox="1">
+            <a:spLocks noGrp="1"/>
+          </p:cNvSpPr>
+          <p:nvPr>
+            <p:ph type="ctrTitle"/>
+          </p:nvPr>
+        </p:nvSpPr>
+        <p:spPr>
+          <a:xfrm>
+            <a:off x="771273" y="1677949"/>
+            <a:ext cx="4944625" cy="1466351"/>
+          </a:xfrm>
+          <a:prstGeom prst="rect">
+            <a:avLst/>
+          </a:prstGeom>
+        </p:spPr>
+        <p:txBody>
+          <a:bodyPr spcFirstLastPara="1" wrap="square" lIns="91425" tIns="91425" rIns="91425" bIns="91425" anchor="b" anchorCtr="0">
+            <a:noAutofit/>
+          </a:bodyPr>
+          <a:lstStyle/>
+          <a:p>
+            <a:pPr marL="0" lvl="0" indent="0" algn="ctr" rtl="0">
+              <a:spcBef>
+                <a:spcPts val="0"/>
+              </a:spcBef>
+              <a:spcAft>
+                <a:spcPts val="0"/>
+              </a:spcAft>
+              <a:buNone/>
+            </a:pPr>
+            <a:r>
+              <a:rPr lang="es-MX" dirty="0"/>
+              <a:t>Trabajos </a:t>
+            </a:r>
+            <a:br>
+              <a:rPr lang="es-MX" dirty="0"/>
+            </a:br>
+            <a:r>
+              <a:rPr lang="es-MX" dirty="0"/>
+              <a:t>Futuros</a:t>
+            </a:r>
+            <a:endParaRPr dirty="0"/>
+          </a:p>
+        </p:txBody>
+      </p:sp>
+      <p:sp>
+        <p:nvSpPr>
+          <p:cNvPr id="690" name="Google Shape;690;p32"/>
+          <p:cNvSpPr/>
+          <p:nvPr/>
+        </p:nvSpPr>
+        <p:spPr>
+          <a:xfrm>
+            <a:off x="5782875" y="1868575"/>
+            <a:ext cx="1085100" cy="1085100"/>
+          </a:xfrm>
+          <a:prstGeom prst="rect">
+            <a:avLst/>
+          </a:prstGeom>
+          <a:solidFill>
+            <a:schemeClr val="accent2"/>
+          </a:solidFill>
+          <a:ln>
+            <a:noFill/>
+          </a:ln>
+        </p:spPr>
+        <p:txBody>
+          <a:bodyPr spcFirstLastPara="1" wrap="square" lIns="91425" tIns="91425" rIns="91425" bIns="91425" anchor="ctr" anchorCtr="0">
+            <a:noAutofit/>
+          </a:bodyPr>
+          <a:lstStyle/>
+          <a:p>
+            <a:pPr marL="0" lvl="0" indent="0" algn="l" rtl="0">
+              <a:spcBef>
+                <a:spcPts val="0"/>
+              </a:spcBef>
+              <a:spcAft>
+                <a:spcPts val="0"/>
+              </a:spcAft>
+              <a:buNone/>
+            </a:pPr>
+            <a:endParaRPr/>
+          </a:p>
+        </p:txBody>
+      </p:sp>
+      <p:sp>
+        <p:nvSpPr>
+          <p:cNvPr id="691" name="Google Shape;691;p32"/>
+          <p:cNvSpPr txBox="1">
+            <a:spLocks noGrp="1"/>
+          </p:cNvSpPr>
+          <p:nvPr>
+            <p:ph type="title" idx="2"/>
+          </p:nvPr>
+        </p:nvSpPr>
+        <p:spPr>
+          <a:xfrm>
+            <a:off x="5834900" y="2122225"/>
+            <a:ext cx="981000" cy="577800"/>
+          </a:xfrm>
+          <a:prstGeom prst="rect">
+            <a:avLst/>
+          </a:prstGeom>
+        </p:spPr>
+        <p:txBody>
+          <a:bodyPr spcFirstLastPara="1" wrap="square" lIns="91425" tIns="91425" rIns="91425" bIns="91425" anchor="ctr" anchorCtr="0">
+            <a:noAutofit/>
+          </a:bodyPr>
+          <a:lstStyle/>
+          <a:p>
+            <a:pPr marL="0" lvl="0" indent="0" algn="ctr" rtl="0">
+              <a:spcBef>
+                <a:spcPts val="0"/>
+              </a:spcBef>
+              <a:spcAft>
+                <a:spcPts val="0"/>
+              </a:spcAft>
+              <a:buNone/>
+            </a:pPr>
+            <a:r>
+              <a:rPr lang="en" dirty="0">
+                <a:solidFill>
+                  <a:schemeClr val="dk2"/>
+                </a:solidFill>
+              </a:rPr>
+              <a:t>06</a:t>
+            </a:r>
+            <a:endParaRPr dirty="0">
+              <a:solidFill>
+                <a:schemeClr val="dk2"/>
+              </a:solidFill>
+            </a:endParaRPr>
+          </a:p>
+        </p:txBody>
+      </p:sp>
+      <p:sp>
+        <p:nvSpPr>
+          <p:cNvPr id="692" name="Google Shape;692;p32"/>
+          <p:cNvSpPr/>
+          <p:nvPr/>
+        </p:nvSpPr>
+        <p:spPr>
+          <a:xfrm>
+            <a:off x="1370476" y="3869000"/>
+            <a:ext cx="6279992" cy="104326"/>
+          </a:xfrm>
+          <a:custGeom>
+            <a:avLst/>
+            <a:gdLst/>
+            <a:ahLst/>
+            <a:cxnLst/>
+            <a:rect l="l" t="t" r="r" b="b"/>
+            <a:pathLst>
+              <a:path w="143387" h="2382" extrusionOk="0">
+                <a:moveTo>
+                  <a:pt x="1185" y="0"/>
+                </a:moveTo>
+                <a:cubicBezTo>
+                  <a:pt x="530" y="0"/>
+                  <a:pt x="1" y="529"/>
+                  <a:pt x="1" y="1184"/>
+                </a:cubicBezTo>
+                <a:cubicBezTo>
+                  <a:pt x="1" y="1840"/>
+                  <a:pt x="530" y="2382"/>
+                  <a:pt x="1185" y="2382"/>
+                </a:cubicBezTo>
+                <a:lnTo>
+                  <a:pt x="142189" y="2382"/>
+                </a:lnTo>
+                <a:cubicBezTo>
+                  <a:pt x="142844" y="2382"/>
+                  <a:pt x="143386" y="1840"/>
+                  <a:pt x="143386" y="1184"/>
+                </a:cubicBezTo>
+                <a:cubicBezTo>
+                  <a:pt x="143386" y="529"/>
+                  <a:pt x="142844" y="0"/>
+                  <a:pt x="142189" y="0"/>
+                </a:cubicBezTo>
+                <a:close/>
+              </a:path>
+            </a:pathLst>
+          </a:custGeom>
+          <a:solidFill>
+            <a:srgbClr val="FFD6E1"/>
+          </a:solidFill>
+          <a:ln>
+            <a:noFill/>
+          </a:ln>
+        </p:spPr>
+        <p:txBody>
+          <a:bodyPr spcFirstLastPara="1" wrap="square" lIns="91425" tIns="91425" rIns="91425" bIns="91425" anchor="ctr" anchorCtr="0">
+            <a:noAutofit/>
+          </a:bodyPr>
+          <a:lstStyle/>
+          <a:p>
+            <a:pPr marL="0" lvl="0" indent="0" algn="l" rtl="0">
+              <a:spcBef>
+                <a:spcPts val="0"/>
+              </a:spcBef>
+              <a:spcAft>
+                <a:spcPts val="0"/>
+              </a:spcAft>
+              <a:buNone/>
+            </a:pPr>
+            <a:endParaRPr/>
+          </a:p>
+        </p:txBody>
+      </p:sp>
+      <p:sp>
+        <p:nvSpPr>
+          <p:cNvPr id="693" name="Google Shape;693;p32"/>
+          <p:cNvSpPr/>
+          <p:nvPr/>
+        </p:nvSpPr>
+        <p:spPr>
+          <a:xfrm>
+            <a:off x="1369950" y="3869000"/>
+            <a:ext cx="5074478" cy="104326"/>
+          </a:xfrm>
+          <a:custGeom>
+            <a:avLst/>
+            <a:gdLst/>
+            <a:ahLst/>
+            <a:cxnLst/>
+            <a:rect l="l" t="t" r="r" b="b"/>
+            <a:pathLst>
+              <a:path w="87904" h="2382" extrusionOk="0">
+                <a:moveTo>
+                  <a:pt x="1197" y="0"/>
+                </a:moveTo>
+                <a:cubicBezTo>
+                  <a:pt x="529" y="0"/>
+                  <a:pt x="0" y="529"/>
+                  <a:pt x="0" y="1184"/>
+                </a:cubicBezTo>
+                <a:cubicBezTo>
+                  <a:pt x="0" y="1840"/>
+                  <a:pt x="529" y="2382"/>
+                  <a:pt x="1197" y="2382"/>
+                </a:cubicBezTo>
+                <a:lnTo>
+                  <a:pt x="86719" y="2382"/>
+                </a:lnTo>
+                <a:cubicBezTo>
+                  <a:pt x="87375" y="2382"/>
+                  <a:pt x="87904" y="1840"/>
+                  <a:pt x="87904" y="1184"/>
+                </a:cubicBezTo>
+                <a:cubicBezTo>
+                  <a:pt x="87904" y="529"/>
+                  <a:pt x="87375" y="0"/>
+                  <a:pt x="86719" y="0"/>
+                </a:cubicBezTo>
+                <a:close/>
+              </a:path>
+            </a:pathLst>
+          </a:custGeom>
+          <a:solidFill>
+            <a:srgbClr val="00CFCC"/>
+          </a:solidFill>
+          <a:ln>
+            <a:noFill/>
+          </a:ln>
+        </p:spPr>
+        <p:txBody>
+          <a:bodyPr spcFirstLastPara="1" wrap="square" lIns="91425" tIns="91425" rIns="91425" bIns="91425" anchor="ctr" anchorCtr="0">
+            <a:noAutofit/>
+          </a:bodyPr>
+          <a:lstStyle/>
+          <a:p>
+            <a:pPr marL="0" lvl="0" indent="0" algn="l" rtl="0">
+              <a:spcBef>
+                <a:spcPts val="0"/>
+              </a:spcBef>
+              <a:spcAft>
+                <a:spcPts val="0"/>
+              </a:spcAft>
+              <a:buNone/>
+            </a:pPr>
+            <a:endParaRPr/>
+          </a:p>
+        </p:txBody>
+      </p:sp>
+      <p:cxnSp>
+        <p:nvCxnSpPr>
+          <p:cNvPr id="694" name="Google Shape;694;p32"/>
+          <p:cNvCxnSpPr>
+            <a:stCxn id="690" idx="2"/>
+          </p:cNvCxnSpPr>
+          <p:nvPr/>
+        </p:nvCxnSpPr>
+        <p:spPr>
+          <a:xfrm>
+            <a:off x="6325425" y="2953675"/>
+            <a:ext cx="0" cy="978000"/>
+          </a:xfrm>
+          <a:prstGeom prst="straightConnector1">
+            <a:avLst/>
+          </a:prstGeom>
+          <a:noFill/>
+          <a:ln w="19050" cap="flat" cmpd="sng">
+            <a:solidFill>
+              <a:schemeClr val="accent2"/>
+            </a:solidFill>
+            <a:prstDash val="solid"/>
+            <a:round/>
+            <a:headEnd type="none" w="med" len="med"/>
+            <a:tailEnd type="none" w="med" len="med"/>
+          </a:ln>
+        </p:spPr>
+      </p:cxnSp>
+    </p:spTree>
+    <p:extLst>
+      <p:ext uri="{BB962C8B-B14F-4D97-AF65-F5344CB8AC3E}">
+        <p14:creationId xmlns:p14="http://schemas.microsoft.com/office/powerpoint/2010/main" val="1231680135"/>
+      </p:ext>
+    </p:extLst>
+  </p:cSld>
+  <p:clrMapOvr>
+    <a:masterClrMapping/>
+  </p:clrMapOvr>
+</p:sld>
+</file>
+
+<file path=ppt/slides/slide31.xml><?xml version="1.0" encoding="utf-8"?>
+<p:sld xmlns:a="http://schemas.openxmlformats.org/drawingml/2006/main" xmlns:r="http://schemas.openxmlformats.org/officeDocument/2006/relationships" xmlns:p="http://schemas.openxmlformats.org/presentationml/2006/main">
+  <p:cSld>
+    <p:spTree>
+      <p:nvGrpSpPr>
+        <p:cNvPr id="1" name="Shape 465"/>
+        <p:cNvGrpSpPr/>
+        <p:nvPr/>
+      </p:nvGrpSpPr>
+      <p:grpSpPr>
+        <a:xfrm>
+          <a:off x="0" y="0"/>
+          <a:ext cx="0" cy="0"/>
+          <a:chOff x="0" y="0"/>
+          <a:chExt cx="0" cy="0"/>
+        </a:xfrm>
+      </p:grpSpPr>
+      <p:sp>
+        <p:nvSpPr>
+          <p:cNvPr id="467" name="Google Shape;467;p26"/>
+          <p:cNvSpPr txBox="1">
+            <a:spLocks noGrp="1"/>
+          </p:cNvSpPr>
+          <p:nvPr>
+            <p:ph type="ctrTitle"/>
+          </p:nvPr>
+        </p:nvSpPr>
+        <p:spPr>
+          <a:xfrm>
+            <a:off x="618824" y="487875"/>
+            <a:ext cx="6162976" cy="577800"/>
+          </a:xfrm>
+          <a:prstGeom prst="rect">
+            <a:avLst/>
+          </a:prstGeom>
+        </p:spPr>
+        <p:txBody>
+          <a:bodyPr spcFirstLastPara="1" wrap="square" lIns="91425" tIns="91425" rIns="91425" bIns="91425" anchor="b" anchorCtr="0">
+            <a:noAutofit/>
+          </a:bodyPr>
+          <a:lstStyle/>
+          <a:p>
+            <a:pPr marL="0" lvl="0" indent="0" algn="l" rtl="0">
+              <a:spcBef>
+                <a:spcPts val="0"/>
+              </a:spcBef>
+              <a:spcAft>
+                <a:spcPts val="0"/>
+              </a:spcAft>
+              <a:buNone/>
+            </a:pPr>
+            <a:r>
+              <a:rPr lang="en" sz="3600" dirty="0"/>
+              <a:t>Trabajos futuros</a:t>
+            </a:r>
+            <a:endParaRPr sz="3600" dirty="0"/>
+          </a:p>
+        </p:txBody>
+      </p:sp>
+      <p:sp>
+        <p:nvSpPr>
+          <p:cNvPr id="3" name="Google Shape;466;p26">
+            <a:extLst>
+              <a:ext uri="{FF2B5EF4-FFF2-40B4-BE49-F238E27FC236}">
+                <a16:creationId xmlns:a16="http://schemas.microsoft.com/office/drawing/2014/main" id="{754EC72A-1B68-3436-2AAB-C97F8EF103B3}"/>
+              </a:ext>
+            </a:extLst>
+          </p:cNvPr>
+          <p:cNvSpPr txBox="1">
+            <a:spLocks/>
+          </p:cNvSpPr>
+          <p:nvPr/>
+        </p:nvSpPr>
+        <p:spPr>
+          <a:xfrm>
+            <a:off x="414187" y="961080"/>
+            <a:ext cx="8315626" cy="3966520"/>
+          </a:xfrm>
+          <a:prstGeom prst="rect">
+            <a:avLst/>
+          </a:prstGeom>
+          <a:noFill/>
+          <a:ln>
+            <a:noFill/>
+          </a:ln>
+        </p:spPr>
+        <p:txBody>
+          <a:bodyPr spcFirstLastPara="1" wrap="square" lIns="91425" tIns="91425" rIns="91425" bIns="91425" anchor="t" anchorCtr="0">
+            <a:noAutofit/>
+          </a:bodyPr>
+          <a:lstStyle>
+            <a:defPPr marR="0" lvl="0" algn="l" rtl="0">
+              <a:lnSpc>
+                <a:spcPct val="100000"/>
+              </a:lnSpc>
+              <a:spcBef>
+                <a:spcPts val="0"/>
+              </a:spcBef>
+              <a:spcAft>
+                <a:spcPts val="0"/>
+              </a:spcAft>
+            </a:defPPr>
+            <a:lvl1pPr marL="457200" marR="0" lvl="0" indent="-304800" algn="l" rtl="0">
+              <a:lnSpc>
+                <a:spcPct val="100000"/>
+              </a:lnSpc>
+              <a:spcBef>
+                <a:spcPts val="0"/>
+              </a:spcBef>
+              <a:spcAft>
+                <a:spcPts val="0"/>
+              </a:spcAft>
+              <a:buClr>
+                <a:schemeClr val="accent2"/>
+              </a:buClr>
+              <a:buSzPts val="1200"/>
+              <a:buFont typeface="Maven Pro"/>
+              <a:buChar char="●"/>
+              <a:defRPr sz="1200" b="0" i="0" u="none" strike="noStrike" cap="none">
+                <a:solidFill>
+                  <a:schemeClr val="lt1"/>
+                </a:solidFill>
+                <a:latin typeface="Maven Pro"/>
+                <a:ea typeface="Maven Pro"/>
+                <a:cs typeface="Maven Pro"/>
+                <a:sym typeface="Maven Pro"/>
+              </a:defRPr>
+            </a:lvl1pPr>
+            <a:lvl2pPr marL="914400" marR="0" lvl="1" indent="-292100" algn="l" rtl="0">
+              <a:lnSpc>
+                <a:spcPct val="115000"/>
+              </a:lnSpc>
+              <a:spcBef>
+                <a:spcPts val="1600"/>
+              </a:spcBef>
+              <a:spcAft>
+                <a:spcPts val="0"/>
+              </a:spcAft>
+              <a:buClr>
+                <a:schemeClr val="lt1"/>
+              </a:buClr>
+              <a:buSzPts val="1000"/>
+              <a:buFont typeface="Nunito Light"/>
+              <a:buChar char="○"/>
+              <a:defRPr sz="1400" b="0" i="0" u="none" strike="noStrike" cap="none">
+                <a:solidFill>
+                  <a:schemeClr val="lt1"/>
+                </a:solidFill>
+                <a:latin typeface="Maven Pro"/>
+                <a:ea typeface="Maven Pro"/>
+                <a:cs typeface="Maven Pro"/>
+                <a:sym typeface="Maven Pro"/>
+              </a:defRPr>
+            </a:lvl2pPr>
+            <a:lvl3pPr marL="1371600" marR="0" lvl="2" indent="-292100" algn="l" rtl="0">
+              <a:lnSpc>
+                <a:spcPct val="115000"/>
+              </a:lnSpc>
+              <a:spcBef>
+                <a:spcPts val="1600"/>
+              </a:spcBef>
+              <a:spcAft>
+                <a:spcPts val="0"/>
+              </a:spcAft>
+              <a:buClr>
+                <a:schemeClr val="lt1"/>
+              </a:buClr>
+              <a:buSzPts val="1000"/>
+              <a:buFont typeface="Nunito Light"/>
+              <a:buChar char="■"/>
+              <a:defRPr sz="1400" b="0" i="0" u="none" strike="noStrike" cap="none">
+                <a:solidFill>
+                  <a:schemeClr val="lt1"/>
+                </a:solidFill>
+                <a:latin typeface="Maven Pro"/>
+                <a:ea typeface="Maven Pro"/>
+                <a:cs typeface="Maven Pro"/>
+                <a:sym typeface="Maven Pro"/>
+              </a:defRPr>
+            </a:lvl3pPr>
+            <a:lvl4pPr marL="1828800" marR="0" lvl="3" indent="-292100" algn="l" rtl="0">
+              <a:lnSpc>
+                <a:spcPct val="115000"/>
+              </a:lnSpc>
+              <a:spcBef>
+                <a:spcPts val="1600"/>
+              </a:spcBef>
+              <a:spcAft>
+                <a:spcPts val="0"/>
+              </a:spcAft>
+              <a:buClr>
+                <a:schemeClr val="lt1"/>
+              </a:buClr>
+              <a:buSzPts val="1000"/>
+              <a:buFont typeface="Nunito Light"/>
+              <a:buChar char="●"/>
+              <a:defRPr sz="1400" b="0" i="0" u="none" strike="noStrike" cap="none">
+                <a:solidFill>
+                  <a:schemeClr val="lt1"/>
+                </a:solidFill>
+                <a:latin typeface="Maven Pro"/>
+                <a:ea typeface="Maven Pro"/>
+                <a:cs typeface="Maven Pro"/>
+                <a:sym typeface="Maven Pro"/>
+              </a:defRPr>
+            </a:lvl4pPr>
+            <a:lvl5pPr marL="2286000" marR="0" lvl="4" indent="-292100" algn="l" rtl="0">
+              <a:lnSpc>
+                <a:spcPct val="115000"/>
+              </a:lnSpc>
+              <a:spcBef>
+                <a:spcPts val="1600"/>
+              </a:spcBef>
+              <a:spcAft>
+                <a:spcPts val="0"/>
+              </a:spcAft>
+              <a:buClr>
+                <a:schemeClr val="lt1"/>
+              </a:buClr>
+              <a:buSzPts val="1000"/>
+              <a:buFont typeface="Nunito Light"/>
+              <a:buChar char="○"/>
+              <a:defRPr sz="1400" b="0" i="0" u="none" strike="noStrike" cap="none">
+                <a:solidFill>
+                  <a:schemeClr val="lt1"/>
+                </a:solidFill>
+                <a:latin typeface="Maven Pro"/>
+                <a:ea typeface="Maven Pro"/>
+                <a:cs typeface="Maven Pro"/>
+                <a:sym typeface="Maven Pro"/>
+              </a:defRPr>
+            </a:lvl5pPr>
+            <a:lvl6pPr marL="2743200" marR="0" lvl="5" indent="-292100" algn="l" rtl="0">
+              <a:lnSpc>
+                <a:spcPct val="115000"/>
+              </a:lnSpc>
+              <a:spcBef>
+                <a:spcPts val="1600"/>
+              </a:spcBef>
+              <a:spcAft>
+                <a:spcPts val="0"/>
+              </a:spcAft>
+              <a:buClr>
+                <a:schemeClr val="lt1"/>
+              </a:buClr>
+              <a:buSzPts val="1000"/>
+              <a:buFont typeface="Nunito Light"/>
+              <a:buChar char="■"/>
+              <a:defRPr sz="1400" b="0" i="0" u="none" strike="noStrike" cap="none">
+                <a:solidFill>
+                  <a:schemeClr val="lt1"/>
+                </a:solidFill>
+                <a:latin typeface="Maven Pro"/>
+                <a:ea typeface="Maven Pro"/>
+                <a:cs typeface="Maven Pro"/>
+                <a:sym typeface="Maven Pro"/>
+              </a:defRPr>
+            </a:lvl6pPr>
+            <a:lvl7pPr marL="3200400" marR="0" lvl="6" indent="-292100" algn="l" rtl="0">
+              <a:lnSpc>
+                <a:spcPct val="115000"/>
+              </a:lnSpc>
+              <a:spcBef>
+                <a:spcPts val="1600"/>
+              </a:spcBef>
+              <a:spcAft>
+                <a:spcPts val="0"/>
+              </a:spcAft>
+              <a:buClr>
+                <a:schemeClr val="lt1"/>
+              </a:buClr>
+              <a:buSzPts val="1000"/>
+              <a:buFont typeface="Nunito Light"/>
+              <a:buChar char="●"/>
+              <a:defRPr sz="1400" b="0" i="0" u="none" strike="noStrike" cap="none">
+                <a:solidFill>
+                  <a:schemeClr val="lt1"/>
+                </a:solidFill>
+                <a:latin typeface="Maven Pro"/>
+                <a:ea typeface="Maven Pro"/>
+                <a:cs typeface="Maven Pro"/>
+                <a:sym typeface="Maven Pro"/>
+              </a:defRPr>
+            </a:lvl7pPr>
+            <a:lvl8pPr marL="3657600" marR="0" lvl="7" indent="-292100" algn="l" rtl="0">
+              <a:lnSpc>
+                <a:spcPct val="115000"/>
+              </a:lnSpc>
+              <a:spcBef>
+                <a:spcPts val="1600"/>
+              </a:spcBef>
+              <a:spcAft>
+                <a:spcPts val="0"/>
+              </a:spcAft>
+              <a:buClr>
+                <a:schemeClr val="lt1"/>
+              </a:buClr>
+              <a:buSzPts val="1000"/>
+              <a:buFont typeface="Nunito Light"/>
+              <a:buChar char="○"/>
+              <a:defRPr sz="1400" b="0" i="0" u="none" strike="noStrike" cap="none">
+                <a:solidFill>
+                  <a:schemeClr val="lt1"/>
+                </a:solidFill>
+                <a:latin typeface="Maven Pro"/>
+                <a:ea typeface="Maven Pro"/>
+                <a:cs typeface="Maven Pro"/>
+                <a:sym typeface="Maven Pro"/>
+              </a:defRPr>
+            </a:lvl8pPr>
+            <a:lvl9pPr marL="4114800" marR="0" lvl="8" indent="-292100" algn="l" rtl="0">
+              <a:lnSpc>
+                <a:spcPct val="115000"/>
+              </a:lnSpc>
+              <a:spcBef>
+                <a:spcPts val="1600"/>
+              </a:spcBef>
+              <a:spcAft>
+                <a:spcPts val="1600"/>
+              </a:spcAft>
+              <a:buClr>
+                <a:schemeClr val="lt1"/>
+              </a:buClr>
+              <a:buSzPts val="1000"/>
+              <a:buFont typeface="Nunito Light"/>
+              <a:buChar char="■"/>
+              <a:defRPr sz="1400" b="0" i="0" u="none" strike="noStrike" cap="none">
+                <a:solidFill>
+                  <a:schemeClr val="lt1"/>
+                </a:solidFill>
+                <a:latin typeface="Maven Pro"/>
+                <a:ea typeface="Maven Pro"/>
+                <a:cs typeface="Maven Pro"/>
+                <a:sym typeface="Maven Pro"/>
+              </a:defRPr>
+            </a:lvl9pPr>
+          </a:lstStyle>
+          <a:p>
+            <a:pPr marL="152400" indent="0">
+              <a:buFont typeface="Maven Pro"/>
+              <a:buNone/>
+            </a:pPr>
+            <a:r>
+              <a:rPr lang="es-MX" sz="1150" dirty="0">
+                <a:latin typeface="Maven Pro" panose="020B0604020202020204" charset="0"/>
+              </a:rPr>
+              <a:t>En la próxima fase de este proyecto, se han identificado pasos cruciales que el investigador planea implementar para profundizar y expandir el trabajo realizado:</a:t>
+            </a:r>
+          </a:p>
+          <a:p>
+            <a:pPr marL="152400" indent="0">
+              <a:buFont typeface="Maven Pro"/>
+              <a:buNone/>
+            </a:pPr>
+            <a:endParaRPr lang="es-MX" sz="1150" dirty="0">
+              <a:latin typeface="Maven Pro" panose="020B0604020202020204" charset="0"/>
+            </a:endParaRPr>
+          </a:p>
+          <a:p>
+            <a:r>
+              <a:rPr lang="es-MX" sz="1150" b="1" dirty="0">
+                <a:latin typeface="Maven Pro" panose="020B0604020202020204" charset="0"/>
+              </a:rPr>
+              <a:t>Análisis de Tendencias de Consumo</a:t>
+            </a:r>
+            <a:r>
+              <a:rPr lang="es-MX" sz="1150" dirty="0">
+                <a:latin typeface="Maven Pro" panose="020B0604020202020204" charset="0"/>
+              </a:rPr>
+              <a:t>: Continuar estudiando las tendencias y preferencias de los consumidores para asegurar que los productos y estrategias de marketing se mantengan alineados con las necesidades cambiantes del mercado.</a:t>
+            </a:r>
+          </a:p>
+          <a:p>
+            <a:endParaRPr lang="es-MX" sz="1150" dirty="0">
+              <a:latin typeface="Maven Pro" panose="020B0604020202020204" charset="0"/>
+            </a:endParaRPr>
+          </a:p>
+          <a:p>
+            <a:r>
+              <a:rPr lang="es-MX" sz="1150" b="1" dirty="0">
+                <a:latin typeface="Maven Pro" panose="020B0604020202020204" charset="0"/>
+              </a:rPr>
+              <a:t>Integración de Datos de Ventas y Reseñas</a:t>
+            </a:r>
+            <a:r>
+              <a:rPr lang="es-MX" sz="1150" dirty="0">
+                <a:latin typeface="Maven Pro" panose="020B0604020202020204" charset="0"/>
+              </a:rPr>
+              <a:t>: Combinar el análisis de nichos con datos reales de ventas y reseñas de clientes para obtener una comprensión más detallada de la demanda del mercado y la percepción del cliente sobre los productos.</a:t>
+            </a:r>
+          </a:p>
+          <a:p>
+            <a:endParaRPr lang="es-MX" sz="1150" dirty="0">
+              <a:latin typeface="Maven Pro" panose="020B0604020202020204" charset="0"/>
+            </a:endParaRPr>
+          </a:p>
+          <a:p>
+            <a:r>
+              <a:rPr lang="es-MX" sz="1150" b="1" dirty="0">
+                <a:latin typeface="Maven Pro" panose="020B0604020202020204" charset="0"/>
+              </a:rPr>
+              <a:t>Desarrollo de Estrategias de Marketing Personalizadas</a:t>
+            </a:r>
+            <a:r>
+              <a:rPr lang="es-MX" sz="1150" dirty="0">
+                <a:latin typeface="Maven Pro" panose="020B0604020202020204" charset="0"/>
+              </a:rPr>
+              <a:t>: Crear y ejecutar estrategias de marketing adaptadas a cada nicho identificado, optimizando así la eficiencia de las campañas publicitarias y mejorando la adquisición y retención de clientes.</a:t>
+            </a:r>
+          </a:p>
+          <a:p>
+            <a:endParaRPr lang="es-MX" sz="1150" dirty="0">
+              <a:latin typeface="Maven Pro" panose="020B0604020202020204" charset="0"/>
+            </a:endParaRPr>
+          </a:p>
+          <a:p>
+            <a:r>
+              <a:rPr lang="es-MX" sz="1150" b="1" dirty="0">
+                <a:latin typeface="Maven Pro" panose="020B0604020202020204" charset="0"/>
+              </a:rPr>
+              <a:t>Automatización del Proceso de Identificación de Nichos</a:t>
+            </a:r>
+            <a:r>
+              <a:rPr lang="es-MX" sz="1150" dirty="0">
+                <a:latin typeface="Maven Pro" panose="020B0604020202020204" charset="0"/>
+              </a:rPr>
+              <a:t>: Implementar técnicas de aprendizaje automático para automatizar y mejorar la identificación de nichos de mercado, lo que permitirá responder rápidamente a las oportunidades emergentes.</a:t>
+            </a:r>
+          </a:p>
+          <a:p>
+            <a:endParaRPr lang="es-MX" sz="1150" dirty="0">
+              <a:latin typeface="Maven Pro" panose="020B0604020202020204" charset="0"/>
+            </a:endParaRPr>
+          </a:p>
+          <a:p>
+            <a:r>
+              <a:rPr lang="es-MX" sz="1150" b="1" dirty="0">
+                <a:latin typeface="Maven Pro" panose="020B0604020202020204" charset="0"/>
+              </a:rPr>
+              <a:t>Seguimiento y Análisis de Competidores</a:t>
+            </a:r>
+            <a:r>
+              <a:rPr lang="es-MX" sz="1150" dirty="0">
+                <a:latin typeface="Maven Pro" panose="020B0604020202020204" charset="0"/>
+              </a:rPr>
+              <a:t>: Mantener un seguimiento constante de los competidores en los nichos identificados para adaptar las estrategias de manera proactiva y mantener una ventaja competitiva en el mercado.</a:t>
+            </a:r>
+          </a:p>
+        </p:txBody>
+      </p:sp>
+    </p:spTree>
+    <p:extLst>
+      <p:ext uri="{BB962C8B-B14F-4D97-AF65-F5344CB8AC3E}">
+        <p14:creationId xmlns:p14="http://schemas.microsoft.com/office/powerpoint/2010/main" val="241939620"/>
+      </p:ext>
+    </p:extLst>
+  </p:cSld>
+  <p:clrMapOvr>
+    <a:masterClrMapping/>
+  </p:clrMapOvr>
+</p:sld>
+</file>
+
+<file path=ppt/slides/slide32.xml><?xml version="1.0" encoding="utf-8"?>
+<p:sld xmlns:a="http://schemas.openxmlformats.org/drawingml/2006/main" xmlns:r="http://schemas.openxmlformats.org/officeDocument/2006/relationships" xmlns:p="http://schemas.openxmlformats.org/presentationml/2006/main">
+  <p:cSld>
+    <p:spTree>
+      <p:nvGrpSpPr>
         <p:cNvPr id="1" name="Shape 1080"/>
         <p:cNvGrpSpPr/>
         <p:nvPr/>
@@ -25085,8 +26269,8 @@
         </p:nvSpPr>
         <p:spPr>
           <a:xfrm>
-            <a:off x="4572000" y="1213211"/>
-            <a:ext cx="4173046" cy="3808368"/>
+            <a:off x="4572000" y="978651"/>
+            <a:ext cx="4173046" cy="4027458"/>
           </a:xfrm>
           <a:prstGeom prst="rect">
             <a:avLst/>
@@ -25129,6 +26313,39 @@
             <a:r>
               <a:rPr lang="es-MX" sz="1400" dirty="0"/>
               <a:t>, lo que asegura una mayor confiabilidad en los datos recogidos.</a:t>
+            </a:r>
+          </a:p>
+          <a:p>
+            <a:pPr marL="0" lvl="0" indent="0" algn="just" rtl="0">
+              <a:lnSpc>
+                <a:spcPct val="100000"/>
+              </a:lnSpc>
+              <a:spcBef>
+                <a:spcPts val="0"/>
+              </a:spcBef>
+              <a:spcAft>
+                <a:spcPts val="0"/>
+              </a:spcAft>
+              <a:buNone/>
+            </a:pPr>
+            <a:endParaRPr lang="es-MX" sz="1400" dirty="0"/>
+          </a:p>
+          <a:p>
+            <a:pPr marL="0" lvl="0" indent="0" algn="just" rtl="0">
+              <a:lnSpc>
+                <a:spcPct val="100000"/>
+              </a:lnSpc>
+              <a:spcBef>
+                <a:spcPts val="0"/>
+              </a:spcBef>
+              <a:spcAft>
+                <a:spcPts val="0"/>
+              </a:spcAft>
+              <a:buNone/>
+            </a:pPr>
+            <a:r>
+              <a:rPr lang="es-MX" sz="1400" dirty="0"/>
+              <a:t>Los datos se recolectaron el 19 de octubre de 2023.</a:t>
             </a:r>
           </a:p>
           <a:p>
@@ -25374,8 +26591,8 @@
         </p:blipFill>
         <p:spPr bwMode="auto">
           <a:xfrm>
-            <a:off x="237604" y="1374631"/>
-            <a:ext cx="3938156" cy="3553816"/>
+            <a:off x="269931" y="1162193"/>
+            <a:ext cx="4095864" cy="3696133"/>
           </a:xfrm>
           <a:prstGeom prst="rect">
             <a:avLst/>

--- a/Proyecto_integrador.pptx
+++ b/Proyecto_integrador.pptx
@@ -15792,6 +15792,21 @@
             </a:pPr>
             <a:r>
               <a:rPr lang="en" dirty="0"/>
+              <a:t>Maestria de inteligencia Artificial Aplicada</a:t>
+            </a:r>
+          </a:p>
+          <a:p>
+            <a:pPr marL="0" lvl="0" indent="0" algn="ctr" rtl="0">
+              <a:spcBef>
+                <a:spcPts val="0"/>
+              </a:spcBef>
+              <a:spcAft>
+                <a:spcPts val="0"/>
+              </a:spcAft>
+              <a:buNone/>
+            </a:pPr>
+            <a:r>
+              <a:rPr lang="en" dirty="0"/>
               <a:t>TC3035.10 - </a:t>
             </a:r>
             <a:r>
@@ -17020,8 +17035,8 @@
         </p:nvGrpSpPr>
         <p:grpSpPr>
           <a:xfrm>
-            <a:off x="4472500" y="3928605"/>
-            <a:ext cx="199001" cy="867198"/>
+            <a:off x="4472500" y="4108981"/>
+            <a:ext cx="199001" cy="686822"/>
             <a:chOff x="4475150" y="4052605"/>
             <a:chExt cx="199001" cy="867198"/>
           </a:xfrm>
@@ -17277,8 +17292,8 @@
         </p:blipFill>
         <p:spPr>
           <a:xfrm>
-            <a:off x="8015286" y="0"/>
-            <a:ext cx="1128713" cy="1155910"/>
+            <a:off x="7970929" y="3945679"/>
+            <a:ext cx="1173072" cy="1201338"/>
           </a:xfrm>
           <a:prstGeom prst="rect">
             <a:avLst/>
@@ -19491,8 +19506,8 @@
         </p:nvSpPr>
         <p:spPr>
           <a:xfrm>
-            <a:off x="618824" y="777038"/>
-            <a:ext cx="7866900" cy="4306425"/>
+            <a:off x="618824" y="1048327"/>
+            <a:ext cx="7866900" cy="3980873"/>
           </a:xfrm>
           <a:prstGeom prst="rect">
             <a:avLst/>
@@ -19508,21 +19523,21 @@
               <a:buNone/>
             </a:pPr>
             <a:r>
-              <a:rPr lang="es-MX" sz="950" b="1" i="0" dirty="0" err="1">
+              <a:rPr lang="es-MX" sz="900" b="1" i="0" dirty="0" err="1">
                 <a:effectLst/>
                 <a:latin typeface="Maven Pro" panose="020B0604020202020204" charset="0"/>
               </a:rPr>
               <a:t>Cluster</a:t>
             </a:r>
             <a:r>
-              <a:rPr lang="es-MX" sz="950" b="1" i="0" dirty="0">
+              <a:rPr lang="es-MX" sz="900" b="1" i="0" dirty="0">
                 <a:effectLst/>
                 <a:latin typeface="Maven Pro" panose="020B0604020202020204" charset="0"/>
               </a:rPr>
               <a:t> 0 - Ropa Infantil y para Bebés</a:t>
             </a:r>
             <a:r>
-              <a:rPr lang="es-MX" sz="950" i="0" dirty="0">
+              <a:rPr lang="es-MX" sz="900" i="0" dirty="0">
                 <a:effectLst/>
                 <a:latin typeface="Maven Pro" panose="020B0604020202020204" charset="0"/>
               </a:rPr>
@@ -19533,7 +19548,7 @@
             <a:pPr marL="152400" indent="0">
               <a:buNone/>
             </a:pPr>
-            <a:endParaRPr lang="es-MX" sz="950" i="0" dirty="0">
+            <a:endParaRPr lang="es-MX" sz="900" i="0" dirty="0">
               <a:effectLst/>
               <a:latin typeface="Maven Pro" panose="020B0604020202020204" charset="0"/>
             </a:endParaRPr>
@@ -19543,21 +19558,21 @@
               <a:buNone/>
             </a:pPr>
             <a:r>
-              <a:rPr lang="es-MX" sz="950" b="1" i="0" dirty="0" err="1">
+              <a:rPr lang="es-MX" sz="900" b="1" i="0" dirty="0" err="1">
                 <a:effectLst/>
                 <a:latin typeface="Maven Pro" panose="020B0604020202020204" charset="0"/>
               </a:rPr>
               <a:t>Cluster</a:t>
             </a:r>
             <a:r>
-              <a:rPr lang="es-MX" sz="950" b="1" i="0" dirty="0">
+              <a:rPr lang="es-MX" sz="900" b="1" i="0" dirty="0">
                 <a:effectLst/>
                 <a:latin typeface="Maven Pro" panose="020B0604020202020204" charset="0"/>
               </a:rPr>
               <a:t> 1 - Juguetes y Regalos para Niños</a:t>
             </a:r>
             <a:r>
-              <a:rPr lang="es-MX" sz="950" i="0" dirty="0">
+              <a:rPr lang="es-MX" sz="900" i="0" dirty="0">
                 <a:effectLst/>
                 <a:latin typeface="Maven Pro" panose="020B0604020202020204" charset="0"/>
               </a:rPr>
@@ -19568,7 +19583,7 @@
             <a:pPr marL="152400" indent="0">
               <a:buNone/>
             </a:pPr>
-            <a:endParaRPr lang="es-MX" sz="950" i="0" dirty="0">
+            <a:endParaRPr lang="es-MX" sz="900" i="0" dirty="0">
               <a:effectLst/>
               <a:latin typeface="Maven Pro" panose="020B0604020202020204" charset="0"/>
             </a:endParaRPr>
@@ -19578,21 +19593,21 @@
               <a:buNone/>
             </a:pPr>
             <a:r>
-              <a:rPr lang="es-MX" sz="950" b="1" i="0" dirty="0" err="1">
+              <a:rPr lang="es-MX" sz="900" b="1" i="0" dirty="0" err="1">
                 <a:effectLst/>
                 <a:latin typeface="Maven Pro" panose="020B0604020202020204" charset="0"/>
               </a:rPr>
               <a:t>Cluster</a:t>
             </a:r>
             <a:r>
-              <a:rPr lang="es-MX" sz="950" b="1" i="0" dirty="0">
+              <a:rPr lang="es-MX" sz="900" b="1" i="0" dirty="0">
                 <a:effectLst/>
                 <a:latin typeface="Maven Pro" panose="020B0604020202020204" charset="0"/>
               </a:rPr>
               <a:t> 2 - Disfraces y Accesorios para Fiestas: </a:t>
             </a:r>
             <a:r>
-              <a:rPr lang="es-MX" sz="950" i="0" dirty="0">
+              <a:rPr lang="es-MX" sz="900" i="0" dirty="0">
                 <a:effectLst/>
                 <a:latin typeface="Maven Pro" panose="020B0604020202020204" charset="0"/>
               </a:rPr>
@@ -19603,7 +19618,7 @@
             <a:pPr marL="152400" indent="0">
               <a:buNone/>
             </a:pPr>
-            <a:endParaRPr lang="es-MX" sz="950" i="0" dirty="0">
+            <a:endParaRPr lang="es-MX" sz="900" i="0" dirty="0">
               <a:effectLst/>
               <a:latin typeface="Maven Pro" panose="020B0604020202020204" charset="0"/>
             </a:endParaRPr>
@@ -19613,21 +19628,21 @@
               <a:buNone/>
             </a:pPr>
             <a:r>
-              <a:rPr lang="es-MX" sz="950" b="1" i="0" dirty="0" err="1">
+              <a:rPr lang="es-MX" sz="900" b="1" i="0" dirty="0" err="1">
                 <a:effectLst/>
                 <a:latin typeface="Maven Pro" panose="020B0604020202020204" charset="0"/>
               </a:rPr>
               <a:t>Cluster</a:t>
             </a:r>
             <a:r>
-              <a:rPr lang="es-MX" sz="950" b="1" i="0" dirty="0">
+              <a:rPr lang="es-MX" sz="900" b="1" i="0" dirty="0">
                 <a:effectLst/>
                 <a:latin typeface="Maven Pro" panose="020B0604020202020204" charset="0"/>
               </a:rPr>
               <a:t> 3 - Decoraciones para Halloween y Fiestas</a:t>
             </a:r>
             <a:r>
-              <a:rPr lang="es-MX" sz="950" i="0" dirty="0">
+              <a:rPr lang="es-MX" sz="900" i="0" dirty="0">
                 <a:effectLst/>
                 <a:latin typeface="Maven Pro" panose="020B0604020202020204" charset="0"/>
               </a:rPr>
@@ -19638,7 +19653,7 @@
             <a:pPr marL="152400" indent="0">
               <a:buNone/>
             </a:pPr>
-            <a:endParaRPr lang="es-MX" sz="950" i="0" dirty="0">
+            <a:endParaRPr lang="es-MX" sz="900" i="0" dirty="0">
               <a:effectLst/>
               <a:latin typeface="Maven Pro" panose="020B0604020202020204" charset="0"/>
             </a:endParaRPr>
@@ -19648,21 +19663,21 @@
               <a:buNone/>
             </a:pPr>
             <a:r>
-              <a:rPr lang="es-MX" sz="950" b="1" i="0" dirty="0" err="1">
+              <a:rPr lang="es-MX" sz="900" b="1" i="0" dirty="0" err="1">
                 <a:effectLst/>
                 <a:latin typeface="Maven Pro" panose="020B0604020202020204" charset="0"/>
               </a:rPr>
               <a:t>Cluster</a:t>
             </a:r>
             <a:r>
-              <a:rPr lang="es-MX" sz="950" b="1" i="0" dirty="0">
+              <a:rPr lang="es-MX" sz="900" b="1" i="0" dirty="0">
                 <a:effectLst/>
                 <a:latin typeface="Maven Pro" panose="020B0604020202020204" charset="0"/>
               </a:rPr>
               <a:t> 4 - Calzado Versátil para Mujeres y Hombres</a:t>
             </a:r>
             <a:r>
-              <a:rPr lang="es-MX" sz="950" i="0" dirty="0">
+              <a:rPr lang="es-MX" sz="900" i="0" dirty="0">
                 <a:effectLst/>
                 <a:latin typeface="Maven Pro" panose="020B0604020202020204" charset="0"/>
               </a:rPr>
@@ -19673,7 +19688,7 @@
             <a:pPr marL="152400" indent="0">
               <a:buNone/>
             </a:pPr>
-            <a:endParaRPr lang="es-MX" sz="950" i="0" dirty="0">
+            <a:endParaRPr lang="es-MX" sz="900" i="0" dirty="0">
               <a:effectLst/>
               <a:latin typeface="Maven Pro" panose="020B0604020202020204" charset="0"/>
             </a:endParaRPr>
@@ -19683,21 +19698,21 @@
               <a:buNone/>
             </a:pPr>
             <a:r>
-              <a:rPr lang="es-MX" sz="950" b="1" i="0" dirty="0" err="1">
+              <a:rPr lang="es-MX" sz="900" b="1" i="0" dirty="0" err="1">
                 <a:effectLst/>
                 <a:latin typeface="Maven Pro" panose="020B0604020202020204" charset="0"/>
               </a:rPr>
               <a:t>Cluster</a:t>
             </a:r>
             <a:r>
-              <a:rPr lang="es-MX" sz="950" b="1" i="0" dirty="0">
+              <a:rPr lang="es-MX" sz="900" b="1" i="0" dirty="0">
                 <a:effectLst/>
                 <a:latin typeface="Maven Pro" panose="020B0604020202020204" charset="0"/>
               </a:rPr>
               <a:t> 5 - Ropa Casual y Deportiva</a:t>
             </a:r>
             <a:r>
-              <a:rPr lang="es-MX" sz="950" i="0" dirty="0">
+              <a:rPr lang="es-MX" sz="900" i="0" dirty="0">
                 <a:effectLst/>
                 <a:latin typeface="Maven Pro" panose="020B0604020202020204" charset="0"/>
               </a:rPr>
@@ -19708,7 +19723,7 @@
             <a:pPr marL="152400" indent="0">
               <a:buNone/>
             </a:pPr>
-            <a:endParaRPr lang="es-MX" sz="950" b="1" i="0" dirty="0">
+            <a:endParaRPr lang="es-MX" sz="900" b="1" i="0" dirty="0">
               <a:effectLst/>
               <a:latin typeface="Maven Pro" panose="020B0604020202020204" charset="0"/>
             </a:endParaRPr>
@@ -19718,21 +19733,21 @@
               <a:buNone/>
             </a:pPr>
             <a:r>
-              <a:rPr lang="es-MX" sz="950" b="1" i="0" dirty="0" err="1">
+              <a:rPr lang="es-MX" sz="900" b="1" i="0" dirty="0" err="1">
                 <a:effectLst/>
                 <a:latin typeface="Maven Pro" panose="020B0604020202020204" charset="0"/>
               </a:rPr>
               <a:t>Cluster</a:t>
             </a:r>
             <a:r>
-              <a:rPr lang="es-MX" sz="950" b="1" i="0" dirty="0">
+              <a:rPr lang="es-MX" sz="900" b="1" i="0" dirty="0">
                 <a:effectLst/>
                 <a:latin typeface="Maven Pro" panose="020B0604020202020204" charset="0"/>
               </a:rPr>
               <a:t> 6 - Artículos de Belleza y Cuidado Personal</a:t>
             </a:r>
             <a:r>
-              <a:rPr lang="es-MX" sz="950" i="0" dirty="0">
+              <a:rPr lang="es-MX" sz="900" i="0" dirty="0">
                 <a:effectLst/>
                 <a:latin typeface="Maven Pro" panose="020B0604020202020204" charset="0"/>
               </a:rPr>
@@ -19743,7 +19758,7 @@
             <a:pPr marL="152400" indent="0">
               <a:buNone/>
             </a:pPr>
-            <a:endParaRPr lang="es-MX" sz="950" b="1" i="0" dirty="0">
+            <a:endParaRPr lang="es-MX" sz="900" b="1" i="0" dirty="0">
               <a:effectLst/>
               <a:latin typeface="Maven Pro" panose="020B0604020202020204" charset="0"/>
             </a:endParaRPr>
@@ -19753,21 +19768,21 @@
               <a:buNone/>
             </a:pPr>
             <a:r>
-              <a:rPr lang="es-MX" sz="950" b="1" i="0" dirty="0" err="1">
+              <a:rPr lang="es-MX" sz="900" b="1" i="0" dirty="0" err="1">
                 <a:effectLst/>
                 <a:latin typeface="Maven Pro" panose="020B0604020202020204" charset="0"/>
               </a:rPr>
               <a:t>Cluster</a:t>
             </a:r>
             <a:r>
-              <a:rPr lang="es-MX" sz="950" b="1" i="0" dirty="0">
+              <a:rPr lang="es-MX" sz="900" b="1" i="0" dirty="0">
                 <a:effectLst/>
                 <a:latin typeface="Maven Pro" panose="020B0604020202020204" charset="0"/>
               </a:rPr>
               <a:t> 7 - Soluciones de Almacenamiento y Organización</a:t>
             </a:r>
             <a:r>
-              <a:rPr lang="es-MX" sz="950" i="0" dirty="0">
+              <a:rPr lang="es-MX" sz="900" i="0" dirty="0">
                 <a:effectLst/>
                 <a:latin typeface="Maven Pro" panose="020B0604020202020204" charset="0"/>
               </a:rPr>
@@ -19993,7 +20008,7 @@
             </a:pPr>
             <a:r>
               <a:rPr lang="en" sz="3600" dirty="0"/>
-              <a:t>Dataset 2 – Maquillake</a:t>
+              <a:t>Dataset 2 – Maquillaje</a:t>
             </a:r>
             <a:endParaRPr sz="3600" dirty="0"/>
           </a:p>
@@ -20904,7 +20919,7 @@
             </a:pPr>
             <a:r>
               <a:rPr lang="en" sz="3600" dirty="0"/>
-              <a:t>Dataset 2 – Maquillake</a:t>
+              <a:t>Dataset 2 – Maquillaje</a:t>
             </a:r>
             <a:endParaRPr sz="3600" dirty="0"/>
           </a:p>
@@ -21012,8 +21027,8 @@
         </p:nvSpPr>
         <p:spPr>
           <a:xfrm>
-            <a:off x="618824" y="837074"/>
-            <a:ext cx="7866900" cy="4187507"/>
+            <a:off x="618824" y="905650"/>
+            <a:ext cx="7866900" cy="4195739"/>
           </a:xfrm>
           <a:prstGeom prst="rect">
             <a:avLst/>
@@ -22852,7 +22867,7 @@
         </p:nvSpPr>
         <p:spPr>
           <a:xfrm>
-            <a:off x="618824" y="837074"/>
+            <a:off x="618824" y="1044892"/>
             <a:ext cx="7866900" cy="4222605"/>
           </a:xfrm>
           <a:prstGeom prst="rect">
@@ -24275,8 +24290,8 @@
         </p:nvSpPr>
         <p:spPr>
           <a:xfrm>
-            <a:off x="618824" y="837074"/>
-            <a:ext cx="7866900" cy="4222605"/>
+            <a:off x="618824" y="1055619"/>
+            <a:ext cx="7866900" cy="3955934"/>
           </a:xfrm>
           <a:prstGeom prst="rect">
             <a:avLst/>
@@ -24956,8 +24971,8 @@
         </p:nvSpPr>
         <p:spPr>
           <a:xfrm>
-            <a:off x="618824" y="1099625"/>
-            <a:ext cx="8315626" cy="3556000"/>
+            <a:off x="618824" y="1353127"/>
+            <a:ext cx="8315626" cy="3302498"/>
           </a:xfrm>
           <a:prstGeom prst="rect">
             <a:avLst/>
@@ -25773,8 +25788,8 @@
         </p:nvSpPr>
         <p:spPr>
           <a:xfrm>
-            <a:off x="414187" y="961080"/>
-            <a:ext cx="8315626" cy="3966520"/>
+            <a:off x="414187" y="1168400"/>
+            <a:ext cx="8315626" cy="3759200"/>
           </a:xfrm>
           <a:prstGeom prst="rect">
             <a:avLst/>
@@ -26044,7 +26059,7 @@
               <a:rPr lang="es-MX" sz="1150" dirty="0">
                 <a:latin typeface="Maven Pro" panose="020B0604020202020204" charset="0"/>
               </a:rPr>
-              <a:t>En la próxima fase de este proyecto, se han identificado pasos cruciales que el investigador planea implementar para profundizar y expandir el trabajo realizado:</a:t>
+              <a:t>En la próxima fase de este proyecto, pasos cruciales serian profundizar y expandir el trabajo realizado en las siguientes áreas:</a:t>
             </a:r>
           </a:p>
           <a:p>
